--- a/docs/diagrams/AddScreeningSequenceDiagram.pptx
+++ b/docs/diagrams/AddScreeningSequenceDiagram.pptx
@@ -208,7 +208,7 @@
           <a:p>
             <a:fld id="{F5CC4B3F-88C1-4FFA-B1B6-F41C21DC6924}" type="datetimeFigureOut">
               <a:rPr lang="en-US" smtClean="0"/>
-              <a:t>3/25/2018</a:t>
+              <a:t>3/28/2018</a:t>
             </a:fld>
             <a:endParaRPr lang="en-US" dirty="0"/>
           </a:p>
@@ -654,7 +654,7 @@
           <a:p>
             <a:fld id="{78C97017-6FC3-485B-9764-EAC9E56C1D49}" type="datetimeFigureOut">
               <a:rPr lang="en-US" smtClean="0"/>
-              <a:t>3/25/2018</a:t>
+              <a:t>3/28/2018</a:t>
             </a:fld>
             <a:endParaRPr lang="en-US" dirty="0"/>
           </a:p>
@@ -822,7 +822,7 @@
           <a:p>
             <a:fld id="{78C97017-6FC3-485B-9764-EAC9E56C1D49}" type="datetimeFigureOut">
               <a:rPr lang="en-US" smtClean="0"/>
-              <a:t>3/25/2018</a:t>
+              <a:t>3/28/2018</a:t>
             </a:fld>
             <a:endParaRPr lang="en-US" dirty="0"/>
           </a:p>
@@ -1000,7 +1000,7 @@
           <a:p>
             <a:fld id="{78C97017-6FC3-485B-9764-EAC9E56C1D49}" type="datetimeFigureOut">
               <a:rPr lang="en-US" smtClean="0"/>
-              <a:t>3/25/2018</a:t>
+              <a:t>3/28/2018</a:t>
             </a:fld>
             <a:endParaRPr lang="en-US" dirty="0"/>
           </a:p>
@@ -1168,7 +1168,7 @@
           <a:p>
             <a:fld id="{78C97017-6FC3-485B-9764-EAC9E56C1D49}" type="datetimeFigureOut">
               <a:rPr lang="en-US" smtClean="0"/>
-              <a:t>3/25/2018</a:t>
+              <a:t>3/28/2018</a:t>
             </a:fld>
             <a:endParaRPr lang="en-US" dirty="0"/>
           </a:p>
@@ -1413,7 +1413,7 @@
           <a:p>
             <a:fld id="{78C97017-6FC3-485B-9764-EAC9E56C1D49}" type="datetimeFigureOut">
               <a:rPr lang="en-US" smtClean="0"/>
-              <a:t>3/25/2018</a:t>
+              <a:t>3/28/2018</a:t>
             </a:fld>
             <a:endParaRPr lang="en-US" dirty="0"/>
           </a:p>
@@ -1698,7 +1698,7 @@
           <a:p>
             <a:fld id="{78C97017-6FC3-485B-9764-EAC9E56C1D49}" type="datetimeFigureOut">
               <a:rPr lang="en-US" smtClean="0"/>
-              <a:t>3/25/2018</a:t>
+              <a:t>3/28/2018</a:t>
             </a:fld>
             <a:endParaRPr lang="en-US" dirty="0"/>
           </a:p>
@@ -2117,7 +2117,7 @@
           <a:p>
             <a:fld id="{78C97017-6FC3-485B-9764-EAC9E56C1D49}" type="datetimeFigureOut">
               <a:rPr lang="en-US" smtClean="0"/>
-              <a:t>3/25/2018</a:t>
+              <a:t>3/28/2018</a:t>
             </a:fld>
             <a:endParaRPr lang="en-US" dirty="0"/>
           </a:p>
@@ -2234,7 +2234,7 @@
           <a:p>
             <a:fld id="{78C97017-6FC3-485B-9764-EAC9E56C1D49}" type="datetimeFigureOut">
               <a:rPr lang="en-US" smtClean="0"/>
-              <a:t>3/25/2018</a:t>
+              <a:t>3/28/2018</a:t>
             </a:fld>
             <a:endParaRPr lang="en-US" dirty="0"/>
           </a:p>
@@ -2329,7 +2329,7 @@
           <a:p>
             <a:fld id="{78C97017-6FC3-485B-9764-EAC9E56C1D49}" type="datetimeFigureOut">
               <a:rPr lang="en-US" smtClean="0"/>
-              <a:t>3/25/2018</a:t>
+              <a:t>3/28/2018</a:t>
             </a:fld>
             <a:endParaRPr lang="en-US" dirty="0"/>
           </a:p>
@@ -2604,7 +2604,7 @@
           <a:p>
             <a:fld id="{78C97017-6FC3-485B-9764-EAC9E56C1D49}" type="datetimeFigureOut">
               <a:rPr lang="en-US" smtClean="0"/>
-              <a:t>3/25/2018</a:t>
+              <a:t>3/28/2018</a:t>
             </a:fld>
             <a:endParaRPr lang="en-US" dirty="0"/>
           </a:p>
@@ -2856,7 +2856,7 @@
           <a:p>
             <a:fld id="{78C97017-6FC3-485B-9764-EAC9E56C1D49}" type="datetimeFigureOut">
               <a:rPr lang="en-US" smtClean="0"/>
-              <a:t>3/25/2018</a:t>
+              <a:t>3/28/2018</a:t>
             </a:fld>
             <a:endParaRPr lang="en-US" dirty="0"/>
           </a:p>
@@ -3067,7 +3067,7 @@
           <a:p>
             <a:fld id="{78C97017-6FC3-485B-9764-EAC9E56C1D49}" type="datetimeFigureOut">
               <a:rPr lang="en-US" smtClean="0"/>
-              <a:t>3/25/2018</a:t>
+              <a:t>3/28/2018</a:t>
             </a:fld>
             <a:endParaRPr lang="en-US" dirty="0"/>
           </a:p>
@@ -3450,8 +3450,8 @@
         </p:nvSpPr>
         <p:spPr>
           <a:xfrm>
-            <a:off x="1083003" y="1653909"/>
-            <a:ext cx="13627548" cy="6545390"/>
+            <a:off x="997877" y="1680299"/>
+            <a:ext cx="12884810" cy="6545390"/>
           </a:xfrm>
           <a:prstGeom prst="roundRect">
             <a:avLst>
@@ -4600,9 +4600,9 @@
           <p:nvPr/>
         </p:nvCxnSpPr>
         <p:spPr>
-          <a:xfrm flipH="1">
-            <a:off x="10536728" y="4656513"/>
-            <a:ext cx="38300" cy="2432294"/>
+          <a:xfrm>
+            <a:off x="10575028" y="4656513"/>
+            <a:ext cx="21628" cy="2428969"/>
           </a:xfrm>
           <a:prstGeom prst="line">
             <a:avLst/>
@@ -4644,8 +4644,8 @@
         </p:nvSpPr>
         <p:spPr>
           <a:xfrm>
-            <a:off x="10422231" y="4614837"/>
-            <a:ext cx="229001" cy="2473973"/>
+            <a:off x="10422230" y="4614838"/>
+            <a:ext cx="348851" cy="2470644"/>
           </a:xfrm>
           <a:prstGeom prst="rect">
             <a:avLst/>
@@ -4699,7 +4699,7 @@
         </p:nvCxnSpPr>
         <p:spPr>
           <a:xfrm rot="16200000" flipH="1">
-            <a:off x="10604220" y="4836407"/>
+            <a:off x="10761852" y="4836407"/>
             <a:ext cx="86832" cy="93562"/>
           </a:xfrm>
           <a:prstGeom prst="curvedConnector4">
@@ -4741,7 +4741,7 @@
         </p:nvSpPr>
         <p:spPr>
           <a:xfrm>
-            <a:off x="10489343" y="4847554"/>
+            <a:off x="10682287" y="4847554"/>
             <a:ext cx="187121" cy="173661"/>
           </a:xfrm>
           <a:prstGeom prst="rect">
@@ -4787,7 +4787,7 @@
         </p:nvSpPr>
         <p:spPr>
           <a:xfrm>
-            <a:off x="10697387" y="4792670"/>
+            <a:off x="10985746" y="4792520"/>
             <a:ext cx="1144341" cy="184666"/>
           </a:xfrm>
           <a:prstGeom prst="rect">
@@ -4814,17 +4814,232 @@
           <a:p>
             <a:r>
               <a:rPr lang="en-US" sz="1200" dirty="0"/>
-              <a:t>getValidMovie()</a:t>
+              <a:t>isValidScreening()</a:t>
+            </a:r>
+          </a:p>
+        </p:txBody>
+      </p:sp>
+      <p:sp>
+        <p:nvSpPr>
+          <p:cNvPr id="145" name="Rectangle 62">
+            <a:extLst>
+              <a:ext uri="{FF2B5EF4-FFF2-40B4-BE49-F238E27FC236}">
+                <a16:creationId xmlns:a16="http://schemas.microsoft.com/office/drawing/2014/main" id="{3B6833F7-AE61-4ACE-B355-33AE996BA9D3}"/>
+              </a:ext>
+            </a:extLst>
+          </p:cNvPr>
+          <p:cNvSpPr/>
+          <p:nvPr/>
+        </p:nvSpPr>
+        <p:spPr>
+          <a:xfrm>
+            <a:off x="12662534" y="5505066"/>
+            <a:ext cx="1144146" cy="346757"/>
+          </a:xfrm>
+          <a:prstGeom prst="rect">
+            <a:avLst/>
+          </a:prstGeom>
+          <a:solidFill>
+            <a:srgbClr val="0070C0"/>
+          </a:solidFill>
+          <a:ln w="19050">
+            <a:solidFill>
+              <a:srgbClr val="0070C0"/>
+            </a:solidFill>
+          </a:ln>
+          <a:effectLst/>
+        </p:spPr>
+        <p:style>
+          <a:lnRef idx="1">
+            <a:schemeClr val="accent2"/>
+          </a:lnRef>
+          <a:fillRef idx="2">
+            <a:schemeClr val="accent2"/>
+          </a:fillRef>
+          <a:effectRef idx="1">
+            <a:schemeClr val="accent2"/>
+          </a:effectRef>
+          <a:fontRef idx="minor">
+            <a:schemeClr val="dk1"/>
+          </a:fontRef>
+        </p:style>
+        <p:txBody>
+          <a:bodyPr rtlCol="0" anchor="ctr"/>
+          <a:lstStyle/>
+          <a:p>
+            <a:pPr algn="ctr"/>
+            <a:r>
+              <a:rPr lang="en-US" sz="1401" dirty="0">
+                <a:solidFill>
+                  <a:schemeClr val="bg1"/>
+                </a:solidFill>
+              </a:rPr>
+              <a:t>:</a:t>
+            </a:r>
+            <a:r>
+              <a:rPr lang="en-US" sz="1201" dirty="0">
+                <a:solidFill>
+                  <a:schemeClr val="bg1"/>
+                </a:solidFill>
+              </a:rPr>
+              <a:t>Screening</a:t>
+            </a:r>
+            <a:endParaRPr lang="en-SG" sz="1201" dirty="0">
+              <a:solidFill>
+                <a:schemeClr val="bg1"/>
+              </a:solidFill>
+            </a:endParaRPr>
+          </a:p>
+        </p:txBody>
+      </p:sp>
+      <p:sp>
+        <p:nvSpPr>
+          <p:cNvPr id="146" name="Rectangle 145">
+            <a:extLst>
+              <a:ext uri="{FF2B5EF4-FFF2-40B4-BE49-F238E27FC236}">
+                <a16:creationId xmlns:a16="http://schemas.microsoft.com/office/drawing/2014/main" id="{319591C0-7795-4BF8-AF0F-641A4971734D}"/>
+              </a:ext>
+            </a:extLst>
+          </p:cNvPr>
+          <p:cNvSpPr/>
+          <p:nvPr/>
+        </p:nvSpPr>
+        <p:spPr>
+          <a:xfrm>
+            <a:off x="5729287" y="3739520"/>
+            <a:ext cx="3648673" cy="264838"/>
+          </a:xfrm>
+          <a:prstGeom prst="rect">
+            <a:avLst/>
+          </a:prstGeom>
+          <a:solidFill>
+            <a:schemeClr val="bg1"/>
+          </a:solidFill>
+        </p:spPr>
+        <p:style>
+          <a:lnRef idx="2">
+            <a:schemeClr val="accent1">
+              <a:shade val="50000"/>
+            </a:schemeClr>
+          </a:lnRef>
+          <a:fillRef idx="1">
+            <a:schemeClr val="accent1"/>
+          </a:fillRef>
+          <a:effectRef idx="0">
+            <a:schemeClr val="accent1"/>
+          </a:effectRef>
+          <a:fontRef idx="minor">
+            <a:schemeClr val="lt1"/>
+          </a:fontRef>
+        </p:style>
+        <p:txBody>
+          <a:bodyPr rtlCol="0" anchor="ctr"/>
+          <a:lstStyle/>
+          <a:p>
+            <a:pPr algn="ctr"/>
+            <a:r>
+              <a:rPr lang="en-SG" sz="1200" dirty="0">
+                <a:solidFill>
+                  <a:schemeClr val="tx1"/>
+                </a:solidFill>
+              </a:rPr>
+              <a:t>parse screening parameters</a:t>
+            </a:r>
+          </a:p>
+        </p:txBody>
+      </p:sp>
+      <p:sp>
+        <p:nvSpPr>
+          <p:cNvPr id="152" name="Rectangle: Top Corners One Rounded and One Snipped 151">
+            <a:extLst>
+              <a:ext uri="{FF2B5EF4-FFF2-40B4-BE49-F238E27FC236}">
+                <a16:creationId xmlns:a16="http://schemas.microsoft.com/office/drawing/2014/main" id="{AB3DC02E-B70C-4FE4-B5B7-91A81387D277}"/>
+              </a:ext>
+            </a:extLst>
+          </p:cNvPr>
+          <p:cNvSpPr/>
+          <p:nvPr/>
+        </p:nvSpPr>
+        <p:spPr>
+          <a:xfrm rot="10800000" flipH="1">
+            <a:off x="5729290" y="3753844"/>
+            <a:ext cx="361739" cy="165677"/>
+          </a:xfrm>
+          <a:prstGeom prst="snipRoundRect">
+            <a:avLst/>
+          </a:prstGeom>
+          <a:noFill/>
+        </p:spPr>
+        <p:style>
+          <a:lnRef idx="2">
+            <a:schemeClr val="accent1">
+              <a:shade val="50000"/>
+            </a:schemeClr>
+          </a:lnRef>
+          <a:fillRef idx="1">
+            <a:schemeClr val="accent1"/>
+          </a:fillRef>
+          <a:effectRef idx="0">
+            <a:schemeClr val="accent1"/>
+          </a:effectRef>
+          <a:fontRef idx="minor">
+            <a:schemeClr val="lt1"/>
+          </a:fontRef>
+        </p:style>
+        <p:txBody>
+          <a:bodyPr rtlCol="0" anchor="ctr"/>
+          <a:lstStyle/>
+          <a:p>
+            <a:pPr algn="ctr"/>
+            <a:endParaRPr lang="en-SG" sz="800" dirty="0">
+              <a:solidFill>
+                <a:schemeClr val="tx1"/>
+              </a:solidFill>
+            </a:endParaRPr>
+          </a:p>
+        </p:txBody>
+      </p:sp>
+      <p:sp>
+        <p:nvSpPr>
+          <p:cNvPr id="153" name="TextBox 152">
+            <a:extLst>
+              <a:ext uri="{FF2B5EF4-FFF2-40B4-BE49-F238E27FC236}">
+                <a16:creationId xmlns:a16="http://schemas.microsoft.com/office/drawing/2014/main" id="{C2552D30-DB0D-4157-8691-947D219D17D3}"/>
+              </a:ext>
+            </a:extLst>
+          </p:cNvPr>
+          <p:cNvSpPr txBox="1"/>
+          <p:nvPr/>
+        </p:nvSpPr>
+        <p:spPr>
+          <a:xfrm>
+            <a:off x="5729287" y="3732212"/>
+            <a:ext cx="470007" cy="246221"/>
+          </a:xfrm>
+          <a:prstGeom prst="rect">
+            <a:avLst/>
+          </a:prstGeom>
+          <a:noFill/>
+        </p:spPr>
+        <p:txBody>
+          <a:bodyPr wrap="square" rtlCol="0">
+            <a:spAutoFit/>
+          </a:bodyPr>
+          <a:lstStyle/>
+          <a:p>
+            <a:r>
+              <a:rPr lang="en-SG" sz="1000" dirty="0"/>
+              <a:t>Ref</a:t>
             </a:r>
           </a:p>
         </p:txBody>
       </p:sp>
       <p:cxnSp>
         <p:nvCxnSpPr>
-          <p:cNvPr id="136" name="Connector: Curved 135">
+          <p:cNvPr id="158" name="Straight Arrow Connector 157">
             <a:extLst>
               <a:ext uri="{FF2B5EF4-FFF2-40B4-BE49-F238E27FC236}">
-                <a16:creationId xmlns:a16="http://schemas.microsoft.com/office/drawing/2014/main" id="{EB1BA2FF-06BB-496F-BE0E-C75D4808D210}"/>
+                <a16:creationId xmlns:a16="http://schemas.microsoft.com/office/drawing/2014/main" id="{7A62F2D5-0EDD-481F-BE9B-84800CD3AD45}"/>
               </a:ext>
             </a:extLst>
           </p:cNvPr>
@@ -4834,28 +5049,28 @@
           <p:nvPr/>
         </p:nvCxnSpPr>
         <p:spPr>
-          <a:xfrm rot="16200000" flipH="1">
-            <a:off x="10624553" y="5101829"/>
-            <a:ext cx="86832" cy="93562"/>
-          </a:xfrm>
-          <a:prstGeom prst="curvedConnector4">
-            <a:avLst>
-              <a:gd name="adj1" fmla="val -128893"/>
-              <a:gd name="adj2" fmla="val 178899"/>
-            </a:avLst>
+          <a:xfrm>
+            <a:off x="10667969" y="5713412"/>
+            <a:ext cx="1995518" cy="0"/>
+          </a:xfrm>
+          <a:prstGeom prst="straightConnector1">
+            <a:avLst/>
           </a:prstGeom>
-          <a:ln>
-            <a:tailEnd type="triangle"/>
+          <a:ln w="19050">
+            <a:solidFill>
+              <a:srgbClr val="0070C0"/>
+            </a:solidFill>
+            <a:tailEnd type="arrow"/>
           </a:ln>
         </p:spPr>
         <p:style>
-          <a:lnRef idx="2">
+          <a:lnRef idx="1">
             <a:schemeClr val="accent1"/>
           </a:lnRef>
           <a:fillRef idx="0">
             <a:schemeClr val="accent1"/>
           </a:fillRef>
-          <a:effectRef idx="1">
+          <a:effectRef idx="0">
             <a:schemeClr val="accent1"/>
           </a:effectRef>
           <a:fontRef idx="minor">
@@ -4865,56 +5080,10 @@
       </p:cxnSp>
       <p:sp>
         <p:nvSpPr>
-          <p:cNvPr id="137" name="Rectangle 136">
+          <p:cNvPr id="161" name="TextBox 160">
             <a:extLst>
               <a:ext uri="{FF2B5EF4-FFF2-40B4-BE49-F238E27FC236}">
-                <a16:creationId xmlns:a16="http://schemas.microsoft.com/office/drawing/2014/main" id="{220ECB67-5717-4CD6-B80C-2AF6F0F1C7D2}"/>
-              </a:ext>
-            </a:extLst>
-          </p:cNvPr>
-          <p:cNvSpPr/>
-          <p:nvPr/>
-        </p:nvSpPr>
-        <p:spPr>
-          <a:xfrm>
-            <a:off x="10510266" y="5094569"/>
-            <a:ext cx="187121" cy="173661"/>
-          </a:xfrm>
-          <a:prstGeom prst="rect">
-            <a:avLst/>
-          </a:prstGeom>
-          <a:noFill/>
-          <a:ln/>
-        </p:spPr>
-        <p:style>
-          <a:lnRef idx="2">
-            <a:schemeClr val="accent1"/>
-          </a:lnRef>
-          <a:fillRef idx="1">
-            <a:schemeClr val="lt1"/>
-          </a:fillRef>
-          <a:effectRef idx="0">
-            <a:schemeClr val="accent1"/>
-          </a:effectRef>
-          <a:fontRef idx="minor">
-            <a:schemeClr val="dk1"/>
-          </a:fontRef>
-        </p:style>
-        <p:txBody>
-          <a:bodyPr rtlCol="0" anchor="ctr"/>
-          <a:lstStyle/>
-          <a:p>
-            <a:pPr algn="ctr"/>
-            <a:endParaRPr lang="en-SG" sz="1401" dirty="0"/>
-          </a:p>
-        </p:txBody>
-      </p:sp>
-      <p:sp>
-        <p:nvSpPr>
-          <p:cNvPr id="138" name="TextBox 137">
-            <a:extLst>
-              <a:ext uri="{FF2B5EF4-FFF2-40B4-BE49-F238E27FC236}">
-                <a16:creationId xmlns:a16="http://schemas.microsoft.com/office/drawing/2014/main" id="{3E16871F-EEB9-4B12-ADA9-D72092B68214}"/>
+                <a16:creationId xmlns:a16="http://schemas.microsoft.com/office/drawing/2014/main" id="{5306A512-3AA8-4E5F-AB07-9654003B97A0}"/>
               </a:ext>
             </a:extLst>
           </p:cNvPr>
@@ -4923,8 +5092,8 @@
         </p:nvSpPr>
         <p:spPr>
           <a:xfrm>
-            <a:off x="10785422" y="5041042"/>
-            <a:ext cx="1144341" cy="184666"/>
+            <a:off x="10699410" y="5737876"/>
+            <a:ext cx="1764501" cy="738664"/>
           </a:xfrm>
           <a:prstGeom prst="rect">
             <a:avLst/>
@@ -4950,48 +5119,168 @@
           <a:p>
             <a:r>
               <a:rPr lang="en-US" sz="1200" dirty="0"/>
-              <a:t>getValidCinema()</a:t>
+              <a:t>addScreening(movieName, </a:t>
+            </a:r>
+          </a:p>
+          <a:p>
+            <a:r>
+              <a:rPr lang="en-US" sz="1200" dirty="0"/>
+              <a:t>theater, </a:t>
+            </a:r>
+          </a:p>
+          <a:p>
+            <a:r>
+              <a:rPr lang="en-US" sz="1200" dirty="0"/>
+              <a:t>screeningDateTime, </a:t>
+            </a:r>
+          </a:p>
+          <a:p>
+            <a:r>
+              <a:rPr lang="en-US" sz="1200" dirty="0"/>
+              <a:t>screeningEndDateTime)</a:t>
             </a:r>
           </a:p>
         </p:txBody>
       </p:sp>
       <p:cxnSp>
         <p:nvCxnSpPr>
-          <p:cNvPr id="139" name="Connector: Curved 138">
+          <p:cNvPr id="164" name="Straight Connector 163">
             <a:extLst>
               <a:ext uri="{FF2B5EF4-FFF2-40B4-BE49-F238E27FC236}">
-                <a16:creationId xmlns:a16="http://schemas.microsoft.com/office/drawing/2014/main" id="{8D857CA1-9710-4B0F-83DA-95D0F23B4B68}"/>
+                <a16:creationId xmlns:a16="http://schemas.microsoft.com/office/drawing/2014/main" id="{9B124DD7-ABCF-45CB-AA45-C8D99DF43A8E}"/>
               </a:ext>
             </a:extLst>
           </p:cNvPr>
           <p:cNvCxnSpPr>
             <a:cxnSpLocks/>
+            <a:endCxn id="165" idx="2"/>
           </p:cNvCxnSpPr>
           <p:nvPr/>
         </p:nvCxnSpPr>
         <p:spPr>
-          <a:xfrm rot="16200000" flipH="1">
-            <a:off x="10635967" y="5356619"/>
-            <a:ext cx="86832" cy="93562"/>
-          </a:xfrm>
-          <a:prstGeom prst="curvedConnector4">
-            <a:avLst>
-              <a:gd name="adj1" fmla="val -128893"/>
-              <a:gd name="adj2" fmla="val 178899"/>
-            </a:avLst>
+          <a:xfrm>
+            <a:off x="13270686" y="5837910"/>
+            <a:ext cx="2401" cy="773720"/>
+          </a:xfrm>
+          <a:prstGeom prst="line">
+            <a:avLst/>
           </a:prstGeom>
+          <a:ln w="19050">
+            <a:solidFill>
+              <a:srgbClr val="0070C0"/>
+            </a:solidFill>
+            <a:prstDash val="sysDash"/>
+          </a:ln>
+          <a:effectLst/>
+        </p:spPr>
+        <p:style>
+          <a:lnRef idx="1">
+            <a:schemeClr val="accent1"/>
+          </a:lnRef>
+          <a:fillRef idx="2">
+            <a:schemeClr val="accent1"/>
+          </a:fillRef>
+          <a:effectRef idx="1">
+            <a:schemeClr val="accent1"/>
+          </a:effectRef>
+          <a:fontRef idx="minor">
+            <a:schemeClr val="dk1"/>
+          </a:fontRef>
+        </p:style>
+      </p:cxnSp>
+      <p:sp>
+        <p:nvSpPr>
+          <p:cNvPr id="165" name="Rectangle 164">
+            <a:extLst>
+              <a:ext uri="{FF2B5EF4-FFF2-40B4-BE49-F238E27FC236}">
+                <a16:creationId xmlns:a16="http://schemas.microsoft.com/office/drawing/2014/main" id="{B35E4096-5CA5-40C8-9687-3D2D55F76734}"/>
+              </a:ext>
+            </a:extLst>
+          </p:cNvPr>
+          <p:cNvSpPr/>
+          <p:nvPr/>
+        </p:nvSpPr>
+        <p:spPr>
+          <a:xfrm>
+            <a:off x="13196887" y="5837909"/>
+            <a:ext cx="152400" cy="773721"/>
+          </a:xfrm>
+          <a:prstGeom prst="rect">
+            <a:avLst/>
+          </a:prstGeom>
+          <a:solidFill>
+            <a:srgbClr val="0070C0"/>
+          </a:solidFill>
           <a:ln>
-            <a:tailEnd type="triangle"/>
+            <a:solidFill>
+              <a:srgbClr val="0070C0"/>
+            </a:solidFill>
           </a:ln>
+          <a:effectLst/>
         </p:spPr>
         <p:style>
-          <a:lnRef idx="2">
+          <a:lnRef idx="1">
+            <a:schemeClr val="accent3"/>
+          </a:lnRef>
+          <a:fillRef idx="2">
+            <a:schemeClr val="accent3"/>
+          </a:fillRef>
+          <a:effectRef idx="1">
+            <a:schemeClr val="accent3"/>
+          </a:effectRef>
+          <a:fontRef idx="minor">
+            <a:schemeClr val="dk1"/>
+          </a:fontRef>
+        </p:style>
+        <p:txBody>
+          <a:bodyPr rtlCol="0" anchor="ctr"/>
+          <a:lstStyle/>
+          <a:p>
+            <a:pPr algn="ctr"/>
+            <a:endParaRPr lang="en-SG" sz="1401" dirty="0"/>
+          </a:p>
+        </p:txBody>
+      </p:sp>
+      <p:cxnSp>
+        <p:nvCxnSpPr>
+          <p:cNvPr id="170" name="Straight Arrow Connector 169">
+            <a:extLst>
+              <a:ext uri="{FF2B5EF4-FFF2-40B4-BE49-F238E27FC236}">
+                <a16:creationId xmlns:a16="http://schemas.microsoft.com/office/drawing/2014/main" id="{958EB9D0-2A9C-4338-A667-4B938C6F2FA6}"/>
+              </a:ext>
+            </a:extLst>
+          </p:cNvPr>
+          <p:cNvCxnSpPr>
+            <a:cxnSpLocks/>
+            <a:endCxn id="165" idx="2"/>
+          </p:cNvCxnSpPr>
+          <p:nvPr/>
+        </p:nvCxnSpPr>
+        <p:spPr>
+          <a:xfrm>
+            <a:off x="10869408" y="6611630"/>
+            <a:ext cx="2403679" cy="0"/>
+          </a:xfrm>
+          <a:prstGeom prst="straightConnector1">
+            <a:avLst/>
+          </a:prstGeom>
+          <a:ln w="19050">
+            <a:solidFill>
+              <a:schemeClr val="accent1"/>
+            </a:solidFill>
+            <a:prstDash val="sysDash"/>
+            <a:headEnd type="arrow" w="med" len="med"/>
+            <a:tailEnd type="none" w="med" len="med"/>
+          </a:ln>
+        </p:spPr>
+        <p:style>
+          <a:lnRef idx="1">
             <a:schemeClr val="accent1"/>
           </a:lnRef>
           <a:fillRef idx="0">
             <a:schemeClr val="accent1"/>
           </a:fillRef>
-          <a:effectRef idx="1">
+          <a:effectRef idx="0">
             <a:schemeClr val="accent1"/>
           </a:effectRef>
           <a:fontRef idx="minor">
@@ -5001,56 +5290,10 @@
       </p:cxnSp>
       <p:sp>
         <p:nvSpPr>
-          <p:cNvPr id="140" name="Rectangle 139">
+          <p:cNvPr id="189" name="TextBox 188">
             <a:extLst>
               <a:ext uri="{FF2B5EF4-FFF2-40B4-BE49-F238E27FC236}">
-                <a16:creationId xmlns:a16="http://schemas.microsoft.com/office/drawing/2014/main" id="{EF3A2F3C-CE66-4556-AAD5-9FCE08E48E85}"/>
-              </a:ext>
-            </a:extLst>
-          </p:cNvPr>
-          <p:cNvSpPr/>
-          <p:nvPr/>
-        </p:nvSpPr>
-        <p:spPr>
-          <a:xfrm>
-            <a:off x="10521680" y="5349359"/>
-            <a:ext cx="187121" cy="173661"/>
-          </a:xfrm>
-          <a:prstGeom prst="rect">
-            <a:avLst/>
-          </a:prstGeom>
-          <a:noFill/>
-          <a:ln/>
-        </p:spPr>
-        <p:style>
-          <a:lnRef idx="2">
-            <a:schemeClr val="accent1"/>
-          </a:lnRef>
-          <a:fillRef idx="1">
-            <a:schemeClr val="lt1"/>
-          </a:fillRef>
-          <a:effectRef idx="0">
-            <a:schemeClr val="accent1"/>
-          </a:effectRef>
-          <a:fontRef idx="minor">
-            <a:schemeClr val="dk1"/>
-          </a:fontRef>
-        </p:style>
-        <p:txBody>
-          <a:bodyPr rtlCol="0" anchor="ctr"/>
-          <a:lstStyle/>
-          <a:p>
-            <a:pPr algn="ctr"/>
-            <a:endParaRPr lang="en-SG" sz="1401" dirty="0"/>
-          </a:p>
-        </p:txBody>
-      </p:sp>
-      <p:sp>
-        <p:nvSpPr>
-          <p:cNvPr id="141" name="TextBox 140">
-            <a:extLst>
-              <a:ext uri="{FF2B5EF4-FFF2-40B4-BE49-F238E27FC236}">
-                <a16:creationId xmlns:a16="http://schemas.microsoft.com/office/drawing/2014/main" id="{E318A10B-A5CE-47E1-86CD-8C2AD7671F7D}"/>
+                <a16:creationId xmlns:a16="http://schemas.microsoft.com/office/drawing/2014/main" id="{65370B73-8FF8-4816-AE22-AB8ED9CAEDA9}"/>
               </a:ext>
             </a:extLst>
           </p:cNvPr>
@@ -5059,8 +5302,8 @@
         </p:nvSpPr>
         <p:spPr>
           <a:xfrm>
-            <a:off x="10827393" y="5299692"/>
-            <a:ext cx="1140869" cy="184666"/>
+            <a:off x="7571444" y="6818399"/>
+            <a:ext cx="1413423" cy="184666"/>
           </a:xfrm>
           <a:prstGeom prst="rect">
             <a:avLst/>
@@ -5086,232 +5329,17 @@
           <a:p>
             <a:r>
               <a:rPr lang="en-US" sz="1200" dirty="0"/>
-              <a:t>getValidTheater()</a:t>
-            </a:r>
-          </a:p>
-        </p:txBody>
-      </p:sp>
-      <p:sp>
-        <p:nvSpPr>
-          <p:cNvPr id="145" name="Rectangle 62">
+              <a:t>commandResult</a:t>
+            </a:r>
+          </a:p>
+        </p:txBody>
+      </p:sp>
+      <p:cxnSp>
+        <p:nvCxnSpPr>
+          <p:cNvPr id="191" name="Straight Arrow Connector 190">
             <a:extLst>
               <a:ext uri="{FF2B5EF4-FFF2-40B4-BE49-F238E27FC236}">
-                <a16:creationId xmlns:a16="http://schemas.microsoft.com/office/drawing/2014/main" id="{3B6833F7-AE61-4ACE-B355-33AE996BA9D3}"/>
-              </a:ext>
-            </a:extLst>
-          </p:cNvPr>
-          <p:cNvSpPr/>
-          <p:nvPr/>
-        </p:nvSpPr>
-        <p:spPr>
-          <a:xfrm>
-            <a:off x="12662534" y="5505066"/>
-            <a:ext cx="1144146" cy="346757"/>
-          </a:xfrm>
-          <a:prstGeom prst="rect">
-            <a:avLst/>
-          </a:prstGeom>
-          <a:solidFill>
-            <a:srgbClr val="0070C0"/>
-          </a:solidFill>
-          <a:ln w="19050">
-            <a:solidFill>
-              <a:srgbClr val="0070C0"/>
-            </a:solidFill>
-          </a:ln>
-          <a:effectLst/>
-        </p:spPr>
-        <p:style>
-          <a:lnRef idx="1">
-            <a:schemeClr val="accent2"/>
-          </a:lnRef>
-          <a:fillRef idx="2">
-            <a:schemeClr val="accent2"/>
-          </a:fillRef>
-          <a:effectRef idx="1">
-            <a:schemeClr val="accent2"/>
-          </a:effectRef>
-          <a:fontRef idx="minor">
-            <a:schemeClr val="dk1"/>
-          </a:fontRef>
-        </p:style>
-        <p:txBody>
-          <a:bodyPr rtlCol="0" anchor="ctr"/>
-          <a:lstStyle/>
-          <a:p>
-            <a:pPr algn="ctr"/>
-            <a:r>
-              <a:rPr lang="en-US" sz="1401" dirty="0">
-                <a:solidFill>
-                  <a:schemeClr val="bg1"/>
-                </a:solidFill>
-              </a:rPr>
-              <a:t>:</a:t>
-            </a:r>
-            <a:r>
-              <a:rPr lang="en-US" sz="1201" dirty="0">
-                <a:solidFill>
-                  <a:schemeClr val="bg1"/>
-                </a:solidFill>
-              </a:rPr>
-              <a:t>Screening</a:t>
-            </a:r>
-            <a:endParaRPr lang="en-SG" sz="1201" dirty="0">
-              <a:solidFill>
-                <a:schemeClr val="bg1"/>
-              </a:solidFill>
-            </a:endParaRPr>
-          </a:p>
-        </p:txBody>
-      </p:sp>
-      <p:sp>
-        <p:nvSpPr>
-          <p:cNvPr id="146" name="Rectangle 145">
-            <a:extLst>
-              <a:ext uri="{FF2B5EF4-FFF2-40B4-BE49-F238E27FC236}">
-                <a16:creationId xmlns:a16="http://schemas.microsoft.com/office/drawing/2014/main" id="{319591C0-7795-4BF8-AF0F-641A4971734D}"/>
-              </a:ext>
-            </a:extLst>
-          </p:cNvPr>
-          <p:cNvSpPr/>
-          <p:nvPr/>
-        </p:nvSpPr>
-        <p:spPr>
-          <a:xfrm>
-            <a:off x="5729287" y="3739520"/>
-            <a:ext cx="3648673" cy="264838"/>
-          </a:xfrm>
-          <a:prstGeom prst="rect">
-            <a:avLst/>
-          </a:prstGeom>
-          <a:solidFill>
-            <a:schemeClr val="bg1"/>
-          </a:solidFill>
-        </p:spPr>
-        <p:style>
-          <a:lnRef idx="2">
-            <a:schemeClr val="accent1">
-              <a:shade val="50000"/>
-            </a:schemeClr>
-          </a:lnRef>
-          <a:fillRef idx="1">
-            <a:schemeClr val="accent1"/>
-          </a:fillRef>
-          <a:effectRef idx="0">
-            <a:schemeClr val="accent1"/>
-          </a:effectRef>
-          <a:fontRef idx="minor">
-            <a:schemeClr val="lt1"/>
-          </a:fontRef>
-        </p:style>
-        <p:txBody>
-          <a:bodyPr rtlCol="0" anchor="ctr"/>
-          <a:lstStyle/>
-          <a:p>
-            <a:pPr algn="ctr"/>
-            <a:r>
-              <a:rPr lang="en-SG" sz="1200" dirty="0">
-                <a:solidFill>
-                  <a:schemeClr val="tx1"/>
-                </a:solidFill>
-              </a:rPr>
-              <a:t>parse screening parameters</a:t>
-            </a:r>
-          </a:p>
-        </p:txBody>
-      </p:sp>
-      <p:sp>
-        <p:nvSpPr>
-          <p:cNvPr id="152" name="Rectangle: Top Corners One Rounded and One Snipped 151">
-            <a:extLst>
-              <a:ext uri="{FF2B5EF4-FFF2-40B4-BE49-F238E27FC236}">
-                <a16:creationId xmlns:a16="http://schemas.microsoft.com/office/drawing/2014/main" id="{AB3DC02E-B70C-4FE4-B5B7-91A81387D277}"/>
-              </a:ext>
-            </a:extLst>
-          </p:cNvPr>
-          <p:cNvSpPr/>
-          <p:nvPr/>
-        </p:nvSpPr>
-        <p:spPr>
-          <a:xfrm rot="10800000" flipH="1">
-            <a:off x="5729290" y="3753844"/>
-            <a:ext cx="361739" cy="165677"/>
-          </a:xfrm>
-          <a:prstGeom prst="snipRoundRect">
-            <a:avLst/>
-          </a:prstGeom>
-          <a:noFill/>
-        </p:spPr>
-        <p:style>
-          <a:lnRef idx="2">
-            <a:schemeClr val="accent1">
-              <a:shade val="50000"/>
-            </a:schemeClr>
-          </a:lnRef>
-          <a:fillRef idx="1">
-            <a:schemeClr val="accent1"/>
-          </a:fillRef>
-          <a:effectRef idx="0">
-            <a:schemeClr val="accent1"/>
-          </a:effectRef>
-          <a:fontRef idx="minor">
-            <a:schemeClr val="lt1"/>
-          </a:fontRef>
-        </p:style>
-        <p:txBody>
-          <a:bodyPr rtlCol="0" anchor="ctr"/>
-          <a:lstStyle/>
-          <a:p>
-            <a:pPr algn="ctr"/>
-            <a:endParaRPr lang="en-SG" sz="800" dirty="0">
-              <a:solidFill>
-                <a:schemeClr val="tx1"/>
-              </a:solidFill>
-            </a:endParaRPr>
-          </a:p>
-        </p:txBody>
-      </p:sp>
-      <p:sp>
-        <p:nvSpPr>
-          <p:cNvPr id="153" name="TextBox 152">
-            <a:extLst>
-              <a:ext uri="{FF2B5EF4-FFF2-40B4-BE49-F238E27FC236}">
-                <a16:creationId xmlns:a16="http://schemas.microsoft.com/office/drawing/2014/main" id="{C2552D30-DB0D-4157-8691-947D219D17D3}"/>
-              </a:ext>
-            </a:extLst>
-          </p:cNvPr>
-          <p:cNvSpPr txBox="1"/>
-          <p:nvPr/>
-        </p:nvSpPr>
-        <p:spPr>
-          <a:xfrm>
-            <a:off x="5729287" y="3732212"/>
-            <a:ext cx="470007" cy="246221"/>
-          </a:xfrm>
-          <a:prstGeom prst="rect">
-            <a:avLst/>
-          </a:prstGeom>
-          <a:noFill/>
-        </p:spPr>
-        <p:txBody>
-          <a:bodyPr wrap="square" rtlCol="0">
-            <a:spAutoFit/>
-          </a:bodyPr>
-          <a:lstStyle/>
-          <a:p>
-            <a:r>
-              <a:rPr lang="en-SG" sz="1000" dirty="0"/>
-              <a:t>Ref</a:t>
-            </a:r>
-          </a:p>
-        </p:txBody>
-      </p:sp>
-      <p:cxnSp>
-        <p:nvCxnSpPr>
-          <p:cNvPr id="158" name="Straight Arrow Connector 157">
-            <a:extLst>
-              <a:ext uri="{FF2B5EF4-FFF2-40B4-BE49-F238E27FC236}">
-                <a16:creationId xmlns:a16="http://schemas.microsoft.com/office/drawing/2014/main" id="{7A62F2D5-0EDD-481F-BE9B-84800CD3AD45}"/>
+                <a16:creationId xmlns:a16="http://schemas.microsoft.com/office/drawing/2014/main" id="{3B77A5AD-1A45-4BEB-B3C9-2163BDA83038}"/>
               </a:ext>
             </a:extLst>
           </p:cNvPr>
@@ -5322,17 +5350,19 @@
         </p:nvCxnSpPr>
         <p:spPr>
           <a:xfrm>
-            <a:off x="10667969" y="5713412"/>
-            <a:ext cx="1995518" cy="0"/>
+            <a:off x="5064870" y="7292086"/>
+            <a:ext cx="1267984" cy="0"/>
           </a:xfrm>
           <a:prstGeom prst="straightConnector1">
             <a:avLst/>
           </a:prstGeom>
           <a:ln w="19050">
             <a:solidFill>
-              <a:srgbClr val="0070C0"/>
+              <a:schemeClr val="accent1"/>
             </a:solidFill>
-            <a:tailEnd type="arrow"/>
+            <a:prstDash val="sysDash"/>
+            <a:headEnd type="arrow" w="med" len="med"/>
+            <a:tailEnd type="none" w="med" len="med"/>
           </a:ln>
         </p:spPr>
         <p:style>
@@ -5352,10 +5382,10 @@
       </p:cxnSp>
       <p:sp>
         <p:nvSpPr>
-          <p:cNvPr id="161" name="TextBox 160">
+          <p:cNvPr id="193" name="TextBox 192">
             <a:extLst>
               <a:ext uri="{FF2B5EF4-FFF2-40B4-BE49-F238E27FC236}">
-                <a16:creationId xmlns:a16="http://schemas.microsoft.com/office/drawing/2014/main" id="{5306A512-3AA8-4E5F-AB07-9654003B97A0}"/>
+                <a16:creationId xmlns:a16="http://schemas.microsoft.com/office/drawing/2014/main" id="{2303DB82-AA5E-4552-AE96-38387A21F252}"/>
               </a:ext>
             </a:extLst>
           </p:cNvPr>
@@ -5364,8 +5394,8 @@
         </p:nvSpPr>
         <p:spPr>
           <a:xfrm>
-            <a:off x="10974993" y="5741282"/>
-            <a:ext cx="1534336" cy="738664"/>
+            <a:off x="5104325" y="7057531"/>
+            <a:ext cx="1037399" cy="184666"/>
           </a:xfrm>
           <a:prstGeom prst="rect">
             <a:avLst/>
@@ -5391,147 +5421,29 @@
           <a:p>
             <a:r>
               <a:rPr lang="en-US" sz="1200" dirty="0"/>
-              <a:t>addScreening(Movie, </a:t>
-            </a:r>
-          </a:p>
-          <a:p>
-            <a:r>
-              <a:rPr lang="en-US" sz="1200" dirty="0"/>
-              <a:t>Cinema, </a:t>
-            </a:r>
-          </a:p>
-          <a:p>
-            <a:r>
-              <a:rPr lang="en-US" sz="1200" dirty="0"/>
-              <a:t>TheaterNum, </a:t>
-            </a:r>
-          </a:p>
-          <a:p>
-            <a:r>
-              <a:rPr lang="en-US" sz="1200" dirty="0"/>
-              <a:t>screeningDateTime)</a:t>
+              <a:t>commandResult</a:t>
             </a:r>
           </a:p>
         </p:txBody>
       </p:sp>
       <p:cxnSp>
         <p:nvCxnSpPr>
-          <p:cNvPr id="164" name="Straight Connector 163">
+          <p:cNvPr id="195" name="Straight Arrow Connector 194">
             <a:extLst>
               <a:ext uri="{FF2B5EF4-FFF2-40B4-BE49-F238E27FC236}">
-                <a16:creationId xmlns:a16="http://schemas.microsoft.com/office/drawing/2014/main" id="{9B124DD7-ABCF-45CB-AA45-C8D99DF43A8E}"/>
+                <a16:creationId xmlns:a16="http://schemas.microsoft.com/office/drawing/2014/main" id="{5C9BDAA5-033A-469E-A24C-C23BAE73377B}"/>
               </a:ext>
             </a:extLst>
           </p:cNvPr>
           <p:cNvCxnSpPr>
             <a:cxnSpLocks/>
-            <a:endCxn id="165" idx="2"/>
           </p:cNvCxnSpPr>
           <p:nvPr/>
         </p:nvCxnSpPr>
         <p:spPr>
           <a:xfrm>
-            <a:off x="13270686" y="5837910"/>
-            <a:ext cx="2401" cy="773720"/>
-          </a:xfrm>
-          <a:prstGeom prst="line">
-            <a:avLst/>
-          </a:prstGeom>
-          <a:ln w="19050">
-            <a:solidFill>
-              <a:srgbClr val="0070C0"/>
-            </a:solidFill>
-            <a:prstDash val="sysDash"/>
-          </a:ln>
-          <a:effectLst/>
-        </p:spPr>
-        <p:style>
-          <a:lnRef idx="1">
-            <a:schemeClr val="accent1"/>
-          </a:lnRef>
-          <a:fillRef idx="2">
-            <a:schemeClr val="accent1"/>
-          </a:fillRef>
-          <a:effectRef idx="1">
-            <a:schemeClr val="accent1"/>
-          </a:effectRef>
-          <a:fontRef idx="minor">
-            <a:schemeClr val="dk1"/>
-          </a:fontRef>
-        </p:style>
-      </p:cxnSp>
-      <p:sp>
-        <p:nvSpPr>
-          <p:cNvPr id="165" name="Rectangle 164">
-            <a:extLst>
-              <a:ext uri="{FF2B5EF4-FFF2-40B4-BE49-F238E27FC236}">
-                <a16:creationId xmlns:a16="http://schemas.microsoft.com/office/drawing/2014/main" id="{B35E4096-5CA5-40C8-9687-3D2D55F76734}"/>
-              </a:ext>
-            </a:extLst>
-          </p:cNvPr>
-          <p:cNvSpPr/>
-          <p:nvPr/>
-        </p:nvSpPr>
-        <p:spPr>
-          <a:xfrm>
-            <a:off x="13196887" y="5837909"/>
-            <a:ext cx="152400" cy="773721"/>
-          </a:xfrm>
-          <a:prstGeom prst="rect">
-            <a:avLst/>
-          </a:prstGeom>
-          <a:solidFill>
-            <a:srgbClr val="0070C0"/>
-          </a:solidFill>
-          <a:ln>
-            <a:solidFill>
-              <a:srgbClr val="0070C0"/>
-            </a:solidFill>
-          </a:ln>
-          <a:effectLst/>
-        </p:spPr>
-        <p:style>
-          <a:lnRef idx="1">
-            <a:schemeClr val="accent3"/>
-          </a:lnRef>
-          <a:fillRef idx="2">
-            <a:schemeClr val="accent3"/>
-          </a:fillRef>
-          <a:effectRef idx="1">
-            <a:schemeClr val="accent3"/>
-          </a:effectRef>
-          <a:fontRef idx="minor">
-            <a:schemeClr val="dk1"/>
-          </a:fontRef>
-        </p:style>
-        <p:txBody>
-          <a:bodyPr rtlCol="0" anchor="ctr"/>
-          <a:lstStyle/>
-          <a:p>
-            <a:pPr algn="ctr"/>
-            <a:endParaRPr lang="en-SG" sz="1401" dirty="0"/>
-          </a:p>
-        </p:txBody>
-      </p:sp>
-      <p:cxnSp>
-        <p:nvCxnSpPr>
-          <p:cNvPr id="170" name="Straight Arrow Connector 169">
-            <a:extLst>
-              <a:ext uri="{FF2B5EF4-FFF2-40B4-BE49-F238E27FC236}">
-                <a16:creationId xmlns:a16="http://schemas.microsoft.com/office/drawing/2014/main" id="{958EB9D0-2A9C-4338-A667-4B938C6F2FA6}"/>
-              </a:ext>
-            </a:extLst>
-          </p:cNvPr>
-          <p:cNvCxnSpPr>
-            <a:cxnSpLocks/>
-            <a:endCxn id="165" idx="2"/>
-          </p:cNvCxnSpPr>
-          <p:nvPr/>
-        </p:nvCxnSpPr>
-        <p:spPr>
-          <a:xfrm>
-            <a:off x="10667969" y="6611630"/>
-            <a:ext cx="2605118" cy="0"/>
+            <a:off x="2858536" y="7702956"/>
+            <a:ext cx="2059288" cy="0"/>
           </a:xfrm>
           <a:prstGeom prst="straightConnector1">
             <a:avLst/>
@@ -5560,102 +5472,12 @@
           </a:fontRef>
         </p:style>
       </p:cxnSp>
-      <p:cxnSp>
-        <p:nvCxnSpPr>
-          <p:cNvPr id="173" name="Connector: Curved 172">
+      <p:sp>
+        <p:nvSpPr>
+          <p:cNvPr id="197" name="TextBox 196">
             <a:extLst>
               <a:ext uri="{FF2B5EF4-FFF2-40B4-BE49-F238E27FC236}">
-                <a16:creationId xmlns:a16="http://schemas.microsoft.com/office/drawing/2014/main" id="{48B2DAFF-B9EA-4947-AFD5-FF1FD016E12A}"/>
-              </a:ext>
-            </a:extLst>
-          </p:cNvPr>
-          <p:cNvCxnSpPr>
-            <a:cxnSpLocks/>
-          </p:cNvCxnSpPr>
-          <p:nvPr/>
-        </p:nvCxnSpPr>
-        <p:spPr>
-          <a:xfrm rot="16200000" flipH="1">
-            <a:off x="10679829" y="6785858"/>
-            <a:ext cx="86832" cy="93562"/>
-          </a:xfrm>
-          <a:prstGeom prst="curvedConnector4">
-            <a:avLst>
-              <a:gd name="adj1" fmla="val -128893"/>
-              <a:gd name="adj2" fmla="val 178899"/>
-            </a:avLst>
-          </a:prstGeom>
-          <a:ln>
-            <a:tailEnd type="triangle"/>
-          </a:ln>
-        </p:spPr>
-        <p:style>
-          <a:lnRef idx="2">
-            <a:schemeClr val="accent1"/>
-          </a:lnRef>
-          <a:fillRef idx="0">
-            <a:schemeClr val="accent1"/>
-          </a:fillRef>
-          <a:effectRef idx="1">
-            <a:schemeClr val="accent1"/>
-          </a:effectRef>
-          <a:fontRef idx="minor">
-            <a:schemeClr val="tx1"/>
-          </a:fontRef>
-        </p:style>
-      </p:cxnSp>
-      <p:sp>
-        <p:nvSpPr>
-          <p:cNvPr id="174" name="Rectangle 173">
-            <a:extLst>
-              <a:ext uri="{FF2B5EF4-FFF2-40B4-BE49-F238E27FC236}">
-                <a16:creationId xmlns:a16="http://schemas.microsoft.com/office/drawing/2014/main" id="{A3450086-5F50-4E77-8AC8-6450376C1DE4}"/>
-              </a:ext>
-            </a:extLst>
-          </p:cNvPr>
-          <p:cNvSpPr/>
-          <p:nvPr/>
-        </p:nvSpPr>
-        <p:spPr>
-          <a:xfrm>
-            <a:off x="10565543" y="6778598"/>
-            <a:ext cx="187121" cy="173661"/>
-          </a:xfrm>
-          <a:prstGeom prst="rect">
-            <a:avLst/>
-          </a:prstGeom>
-          <a:noFill/>
-          <a:ln/>
-        </p:spPr>
-        <p:style>
-          <a:lnRef idx="2">
-            <a:schemeClr val="accent1"/>
-          </a:lnRef>
-          <a:fillRef idx="1">
-            <a:schemeClr val="lt1"/>
-          </a:fillRef>
-          <a:effectRef idx="0">
-            <a:schemeClr val="accent1"/>
-          </a:effectRef>
-          <a:fontRef idx="minor">
-            <a:schemeClr val="dk1"/>
-          </a:fontRef>
-        </p:style>
-        <p:txBody>
-          <a:bodyPr rtlCol="0" anchor="ctr"/>
-          <a:lstStyle/>
-          <a:p>
-            <a:pPr algn="ctr"/>
-            <a:endParaRPr lang="en-SG" sz="1401" dirty="0"/>
-          </a:p>
-        </p:txBody>
-      </p:sp>
-      <p:sp>
-        <p:nvSpPr>
-          <p:cNvPr id="175" name="TextBox 174">
-            <a:extLst>
-              <a:ext uri="{FF2B5EF4-FFF2-40B4-BE49-F238E27FC236}">
-                <a16:creationId xmlns:a16="http://schemas.microsoft.com/office/drawing/2014/main" id="{15933149-54DD-4C74-9C05-2EEB319D637B}"/>
+                <a16:creationId xmlns:a16="http://schemas.microsoft.com/office/drawing/2014/main" id="{B95844F0-879B-4D6C-8E47-D450515BF526}"/>
               </a:ext>
             </a:extLst>
           </p:cNvPr>
@@ -5664,8 +5486,8 @@
         </p:nvSpPr>
         <p:spPr>
           <a:xfrm>
-            <a:off x="10800958" y="6743315"/>
-            <a:ext cx="1135507" cy="184666"/>
+            <a:off x="3314101" y="7502551"/>
+            <a:ext cx="1065304" cy="184666"/>
           </a:xfrm>
           <a:prstGeom prst="rect">
             <a:avLst/>
@@ -5691,41 +5513,38 @@
           <a:p>
             <a:r>
               <a:rPr lang="en-US" sz="1200" dirty="0"/>
-              <a:t>isSlotAvailable()</a:t>
+              <a:t>commandResult</a:t>
             </a:r>
           </a:p>
         </p:txBody>
       </p:sp>
       <p:cxnSp>
         <p:nvCxnSpPr>
-          <p:cNvPr id="187" name="Straight Arrow Connector 186">
+          <p:cNvPr id="73" name="Straight Arrow Connector 72">
             <a:extLst>
               <a:ext uri="{FF2B5EF4-FFF2-40B4-BE49-F238E27FC236}">
-                <a16:creationId xmlns:a16="http://schemas.microsoft.com/office/drawing/2014/main" id="{F81BFA9C-1027-4235-B720-771E277E706C}"/>
+                <a16:creationId xmlns:a16="http://schemas.microsoft.com/office/drawing/2014/main" id="{7B29BB22-8F4A-47C2-A77B-A9A8D67BB09B}"/>
               </a:ext>
             </a:extLst>
           </p:cNvPr>
           <p:cNvCxnSpPr>
             <a:cxnSpLocks/>
-            <a:endCxn id="131" idx="2"/>
           </p:cNvCxnSpPr>
           <p:nvPr/>
         </p:nvCxnSpPr>
         <p:spPr>
           <a:xfrm>
-            <a:off x="6516920" y="7088802"/>
-            <a:ext cx="4019812" cy="8"/>
+            <a:off x="5064870" y="3046412"/>
+            <a:ext cx="279290" cy="0"/>
           </a:xfrm>
           <a:prstGeom prst="straightConnector1">
             <a:avLst/>
           </a:prstGeom>
           <a:ln w="19050">
             <a:solidFill>
-              <a:schemeClr val="accent1"/>
+              <a:srgbClr val="0070C0"/>
             </a:solidFill>
-            <a:prstDash val="sysDash"/>
-            <a:headEnd type="arrow" w="med" len="med"/>
-            <a:tailEnd type="none" w="med" len="med"/>
+            <a:tailEnd type="arrow"/>
           </a:ln>
         </p:spPr>
         <p:style>
@@ -5743,12 +5562,102 @@
           </a:fontRef>
         </p:style>
       </p:cxnSp>
-      <p:sp>
-        <p:nvSpPr>
-          <p:cNvPr id="189" name="TextBox 188">
+      <p:cxnSp>
+        <p:nvCxnSpPr>
+          <p:cNvPr id="61" name="Connector: Curved 60">
             <a:extLst>
               <a:ext uri="{FF2B5EF4-FFF2-40B4-BE49-F238E27FC236}">
-                <a16:creationId xmlns:a16="http://schemas.microsoft.com/office/drawing/2014/main" id="{65370B73-8FF8-4816-AE22-AB8ED9CAEDA9}"/>
+                <a16:creationId xmlns:a16="http://schemas.microsoft.com/office/drawing/2014/main" id="{584DADAE-EB21-4CB3-B368-B77DC613A318}"/>
+              </a:ext>
+            </a:extLst>
+          </p:cNvPr>
+          <p:cNvCxnSpPr>
+            <a:cxnSpLocks/>
+          </p:cNvCxnSpPr>
+          <p:nvPr/>
+        </p:nvCxnSpPr>
+        <p:spPr>
+          <a:xfrm rot="16200000" flipH="1">
+            <a:off x="10744490" y="6787202"/>
+            <a:ext cx="86832" cy="93562"/>
+          </a:xfrm>
+          <a:prstGeom prst="curvedConnector4">
+            <a:avLst>
+              <a:gd name="adj1" fmla="val -128893"/>
+              <a:gd name="adj2" fmla="val 178899"/>
+            </a:avLst>
+          </a:prstGeom>
+          <a:ln>
+            <a:tailEnd type="triangle"/>
+          </a:ln>
+        </p:spPr>
+        <p:style>
+          <a:lnRef idx="2">
+            <a:schemeClr val="accent1"/>
+          </a:lnRef>
+          <a:fillRef idx="0">
+            <a:schemeClr val="accent1"/>
+          </a:fillRef>
+          <a:effectRef idx="1">
+            <a:schemeClr val="accent1"/>
+          </a:effectRef>
+          <a:fontRef idx="minor">
+            <a:schemeClr val="tx1"/>
+          </a:fontRef>
+        </p:style>
+      </p:cxnSp>
+      <p:sp>
+        <p:nvSpPr>
+          <p:cNvPr id="62" name="Rectangle 61">
+            <a:extLst>
+              <a:ext uri="{FF2B5EF4-FFF2-40B4-BE49-F238E27FC236}">
+                <a16:creationId xmlns:a16="http://schemas.microsoft.com/office/drawing/2014/main" id="{493595A2-166E-4133-8433-508D3FBC76FE}"/>
+              </a:ext>
+            </a:extLst>
+          </p:cNvPr>
+          <p:cNvSpPr/>
+          <p:nvPr/>
+        </p:nvSpPr>
+        <p:spPr>
+          <a:xfrm>
+            <a:off x="10647566" y="6798349"/>
+            <a:ext cx="187121" cy="173661"/>
+          </a:xfrm>
+          <a:prstGeom prst="rect">
+            <a:avLst/>
+          </a:prstGeom>
+          <a:noFill/>
+          <a:ln/>
+        </p:spPr>
+        <p:style>
+          <a:lnRef idx="2">
+            <a:schemeClr val="accent1"/>
+          </a:lnRef>
+          <a:fillRef idx="1">
+            <a:schemeClr val="lt1"/>
+          </a:fillRef>
+          <a:effectRef idx="0">
+            <a:schemeClr val="accent1"/>
+          </a:effectRef>
+          <a:fontRef idx="minor">
+            <a:schemeClr val="dk1"/>
+          </a:fontRef>
+        </p:style>
+        <p:txBody>
+          <a:bodyPr rtlCol="0" anchor="ctr"/>
+          <a:lstStyle/>
+          <a:p>
+            <a:pPr algn="ctr"/>
+            <a:endParaRPr lang="en-SG" sz="1401" dirty="0"/>
+          </a:p>
+        </p:txBody>
+      </p:sp>
+      <p:sp>
+        <p:nvSpPr>
+          <p:cNvPr id="63" name="TextBox 62">
+            <a:extLst>
+              <a:ext uri="{FF2B5EF4-FFF2-40B4-BE49-F238E27FC236}">
+                <a16:creationId xmlns:a16="http://schemas.microsoft.com/office/drawing/2014/main" id="{28111F5F-0EC9-4F67-A37D-994937EBC1B9}"/>
               </a:ext>
             </a:extLst>
           </p:cNvPr>
@@ -5757,8 +5666,8 @@
         </p:nvSpPr>
         <p:spPr>
           <a:xfrm>
-            <a:off x="7571444" y="6818399"/>
-            <a:ext cx="1413423" cy="184666"/>
+            <a:off x="10834141" y="6716254"/>
+            <a:ext cx="1765332" cy="184666"/>
           </a:xfrm>
           <a:prstGeom prst="rect">
             <a:avLst/>
@@ -5784,17 +5693,17 @@
           <a:p>
             <a:r>
               <a:rPr lang="en-US" sz="1200" dirty="0"/>
-              <a:t>commandResult</a:t>
+              <a:t>generateUpdatedCinema()</a:t>
             </a:r>
           </a:p>
         </p:txBody>
       </p:sp>
       <p:cxnSp>
         <p:nvCxnSpPr>
-          <p:cNvPr id="191" name="Straight Arrow Connector 190">
+          <p:cNvPr id="64" name="Straight Arrow Connector 63">
             <a:extLst>
               <a:ext uri="{FF2B5EF4-FFF2-40B4-BE49-F238E27FC236}">
-                <a16:creationId xmlns:a16="http://schemas.microsoft.com/office/drawing/2014/main" id="{3B77A5AD-1A45-4BEB-B3C9-2163BDA83038}"/>
+                <a16:creationId xmlns:a16="http://schemas.microsoft.com/office/drawing/2014/main" id="{2FFEF8DE-75E4-4D81-AEDD-BCE7DD48D391}"/>
               </a:ext>
             </a:extLst>
           </p:cNvPr>
@@ -5805,8 +5714,8 @@
         </p:nvCxnSpPr>
         <p:spPr>
           <a:xfrm>
-            <a:off x="5064870" y="7292086"/>
-            <a:ext cx="1267984" cy="0"/>
+            <a:off x="6504785" y="7085481"/>
+            <a:ext cx="3917446" cy="0"/>
           </a:xfrm>
           <a:prstGeom prst="straightConnector1">
             <a:avLst/>
@@ -5835,12 +5744,56 @@
           </a:fontRef>
         </p:style>
       </p:cxnSp>
-      <p:sp>
-        <p:nvSpPr>
-          <p:cNvPr id="193" name="TextBox 192">
+      <p:cxnSp>
+        <p:nvCxnSpPr>
+          <p:cNvPr id="72" name="Straight Arrow Connector 71">
             <a:extLst>
               <a:ext uri="{FF2B5EF4-FFF2-40B4-BE49-F238E27FC236}">
-                <a16:creationId xmlns:a16="http://schemas.microsoft.com/office/drawing/2014/main" id="{2303DB82-AA5E-4552-AE96-38387A21F252}"/>
+                <a16:creationId xmlns:a16="http://schemas.microsoft.com/office/drawing/2014/main" id="{A13405F8-C2D6-4286-8946-D86E99311263}"/>
+              </a:ext>
+            </a:extLst>
+          </p:cNvPr>
+          <p:cNvCxnSpPr>
+            <a:cxnSpLocks/>
+          </p:cNvCxnSpPr>
+          <p:nvPr/>
+        </p:nvCxnSpPr>
+        <p:spPr>
+          <a:xfrm flipV="1">
+            <a:off x="10758487" y="7014496"/>
+            <a:ext cx="3276600" cy="14250"/>
+          </a:xfrm>
+          <a:prstGeom prst="straightConnector1">
+            <a:avLst/>
+          </a:prstGeom>
+          <a:ln w="19050">
+            <a:solidFill>
+              <a:srgbClr val="0070C0"/>
+            </a:solidFill>
+            <a:tailEnd type="arrow"/>
+          </a:ln>
+        </p:spPr>
+        <p:style>
+          <a:lnRef idx="1">
+            <a:schemeClr val="accent1"/>
+          </a:lnRef>
+          <a:fillRef idx="0">
+            <a:schemeClr val="accent1"/>
+          </a:fillRef>
+          <a:effectRef idx="0">
+            <a:schemeClr val="accent1"/>
+          </a:effectRef>
+          <a:fontRef idx="minor">
+            <a:schemeClr val="tx1"/>
+          </a:fontRef>
+        </p:style>
+      </p:cxnSp>
+      <p:sp>
+        <p:nvSpPr>
+          <p:cNvPr id="74" name="TextBox 73">
+            <a:extLst>
+              <a:ext uri="{FF2B5EF4-FFF2-40B4-BE49-F238E27FC236}">
+                <a16:creationId xmlns:a16="http://schemas.microsoft.com/office/drawing/2014/main" id="{8A9B9817-9AB7-49C8-8FC2-807A96407DA3}"/>
               </a:ext>
             </a:extLst>
           </p:cNvPr>
@@ -5849,8 +5802,8 @@
         </p:nvSpPr>
         <p:spPr>
           <a:xfrm>
-            <a:off x="5104325" y="7057531"/>
-            <a:ext cx="1037399" cy="184666"/>
+            <a:off x="12087203" y="7062279"/>
+            <a:ext cx="1618708" cy="369332"/>
           </a:xfrm>
           <a:prstGeom prst="rect">
             <a:avLst/>
@@ -5876,280 +5829,8 @@
           <a:p>
             <a:r>
               <a:rPr lang="en-US" sz="1200" dirty="0"/>
-              <a:t>commandResult</a:t>
-            </a:r>
-          </a:p>
-        </p:txBody>
-      </p:sp>
-      <p:cxnSp>
-        <p:nvCxnSpPr>
-          <p:cNvPr id="195" name="Straight Arrow Connector 194">
-            <a:extLst>
-              <a:ext uri="{FF2B5EF4-FFF2-40B4-BE49-F238E27FC236}">
-                <a16:creationId xmlns:a16="http://schemas.microsoft.com/office/drawing/2014/main" id="{5C9BDAA5-033A-469E-A24C-C23BAE73377B}"/>
-              </a:ext>
-            </a:extLst>
-          </p:cNvPr>
-          <p:cNvCxnSpPr>
-            <a:cxnSpLocks/>
-          </p:cNvCxnSpPr>
-          <p:nvPr/>
-        </p:nvCxnSpPr>
-        <p:spPr>
-          <a:xfrm>
-            <a:off x="2858536" y="7702956"/>
-            <a:ext cx="2059288" cy="0"/>
-          </a:xfrm>
-          <a:prstGeom prst="straightConnector1">
-            <a:avLst/>
-          </a:prstGeom>
-          <a:ln w="19050">
-            <a:solidFill>
-              <a:schemeClr val="accent1"/>
-            </a:solidFill>
-            <a:prstDash val="sysDash"/>
-            <a:headEnd type="arrow" w="med" len="med"/>
-            <a:tailEnd type="none" w="med" len="med"/>
-          </a:ln>
-        </p:spPr>
-        <p:style>
-          <a:lnRef idx="1">
-            <a:schemeClr val="accent1"/>
-          </a:lnRef>
-          <a:fillRef idx="0">
-            <a:schemeClr val="accent1"/>
-          </a:fillRef>
-          <a:effectRef idx="0">
-            <a:schemeClr val="accent1"/>
-          </a:effectRef>
-          <a:fontRef idx="minor">
-            <a:schemeClr val="tx1"/>
-          </a:fontRef>
-        </p:style>
-      </p:cxnSp>
-      <p:sp>
-        <p:nvSpPr>
-          <p:cNvPr id="197" name="TextBox 196">
-            <a:extLst>
-              <a:ext uri="{FF2B5EF4-FFF2-40B4-BE49-F238E27FC236}">
-                <a16:creationId xmlns:a16="http://schemas.microsoft.com/office/drawing/2014/main" id="{B95844F0-879B-4D6C-8E47-D450515BF526}"/>
-              </a:ext>
-            </a:extLst>
-          </p:cNvPr>
-          <p:cNvSpPr txBox="1"/>
-          <p:nvPr/>
-        </p:nvSpPr>
-        <p:spPr>
-          <a:xfrm>
-            <a:off x="3314101" y="7502551"/>
-            <a:ext cx="1065304" cy="184666"/>
-          </a:xfrm>
-          <a:prstGeom prst="rect">
-            <a:avLst/>
-          </a:prstGeom>
-          <a:noFill/>
-        </p:spPr>
-        <p:txBody>
-          <a:bodyPr wrap="square" lIns="0" tIns="0" rIns="0" bIns="0" rtlCol="0">
-            <a:spAutoFit/>
-          </a:bodyPr>
-          <a:lstStyle>
-            <a:defPPr>
-              <a:defRPr lang="en-US"/>
-            </a:defPPr>
-            <a:lvl1pPr algn="r">
-              <a:defRPr sz="1400">
-                <a:solidFill>
-                  <a:srgbClr val="0070C0"/>
-                </a:solidFill>
-              </a:defRPr>
-            </a:lvl1pPr>
-          </a:lstStyle>
-          <a:p>
-            <a:r>
-              <a:rPr lang="en-US" sz="1200" dirty="0"/>
-              <a:t>commandResult</a:t>
-            </a:r>
-          </a:p>
-        </p:txBody>
-      </p:sp>
-      <p:cxnSp>
-        <p:nvCxnSpPr>
-          <p:cNvPr id="73" name="Straight Arrow Connector 72">
-            <a:extLst>
-              <a:ext uri="{FF2B5EF4-FFF2-40B4-BE49-F238E27FC236}">
-                <a16:creationId xmlns:a16="http://schemas.microsoft.com/office/drawing/2014/main" id="{7B29BB22-8F4A-47C2-A77B-A9A8D67BB09B}"/>
-              </a:ext>
-            </a:extLst>
-          </p:cNvPr>
-          <p:cNvCxnSpPr>
-            <a:cxnSpLocks/>
-          </p:cNvCxnSpPr>
-          <p:nvPr/>
-        </p:nvCxnSpPr>
-        <p:spPr>
-          <a:xfrm>
-            <a:off x="5064870" y="3046412"/>
-            <a:ext cx="279290" cy="0"/>
-          </a:xfrm>
-          <a:prstGeom prst="straightConnector1">
-            <a:avLst/>
-          </a:prstGeom>
-          <a:ln w="19050">
-            <a:solidFill>
-              <a:srgbClr val="0070C0"/>
-            </a:solidFill>
-            <a:tailEnd type="arrow"/>
-          </a:ln>
-        </p:spPr>
-        <p:style>
-          <a:lnRef idx="1">
-            <a:schemeClr val="accent1"/>
-          </a:lnRef>
-          <a:fillRef idx="0">
-            <a:schemeClr val="accent1"/>
-          </a:fillRef>
-          <a:effectRef idx="0">
-            <a:schemeClr val="accent1"/>
-          </a:effectRef>
-          <a:fontRef idx="minor">
-            <a:schemeClr val="tx1"/>
-          </a:fontRef>
-        </p:style>
-      </p:cxnSp>
-      <p:cxnSp>
-        <p:nvCxnSpPr>
-          <p:cNvPr id="58" name="Connector: Curved 57">
-            <a:extLst>
-              <a:ext uri="{FF2B5EF4-FFF2-40B4-BE49-F238E27FC236}">
-                <a16:creationId xmlns:a16="http://schemas.microsoft.com/office/drawing/2014/main" id="{07492115-65AD-4AB3-A116-1EB5A117E19E}"/>
-              </a:ext>
-            </a:extLst>
-          </p:cNvPr>
-          <p:cNvCxnSpPr>
-            <a:cxnSpLocks/>
-          </p:cNvCxnSpPr>
-          <p:nvPr/>
-        </p:nvCxnSpPr>
-        <p:spPr>
-          <a:xfrm rot="16200000" flipH="1">
-            <a:off x="13329919" y="5998464"/>
-            <a:ext cx="86832" cy="93562"/>
-          </a:xfrm>
-          <a:prstGeom prst="curvedConnector4">
-            <a:avLst>
-              <a:gd name="adj1" fmla="val -128893"/>
-              <a:gd name="adj2" fmla="val 178899"/>
-            </a:avLst>
-          </a:prstGeom>
-          <a:ln>
-            <a:tailEnd type="triangle"/>
-          </a:ln>
-        </p:spPr>
-        <p:style>
-          <a:lnRef idx="2">
-            <a:schemeClr val="accent1"/>
-          </a:lnRef>
-          <a:fillRef idx="0">
-            <a:schemeClr val="accent1"/>
-          </a:fillRef>
-          <a:effectRef idx="1">
-            <a:schemeClr val="accent1"/>
-          </a:effectRef>
-          <a:fontRef idx="minor">
-            <a:schemeClr val="tx1"/>
-          </a:fontRef>
-        </p:style>
-      </p:cxnSp>
-      <p:sp>
-        <p:nvSpPr>
-          <p:cNvPr id="59" name="TextBox 58">
-            <a:extLst>
-              <a:ext uri="{FF2B5EF4-FFF2-40B4-BE49-F238E27FC236}">
-                <a16:creationId xmlns:a16="http://schemas.microsoft.com/office/drawing/2014/main" id="{590CF11F-DEDF-45B8-B688-1FF4D069D2A0}"/>
-              </a:ext>
-            </a:extLst>
-          </p:cNvPr>
-          <p:cNvSpPr txBox="1"/>
-          <p:nvPr/>
-        </p:nvSpPr>
-        <p:spPr>
-          <a:xfrm>
-            <a:off x="13490943" y="5976736"/>
-            <a:ext cx="913340" cy="184666"/>
-          </a:xfrm>
-          <a:prstGeom prst="rect">
-            <a:avLst/>
-          </a:prstGeom>
-          <a:noFill/>
-        </p:spPr>
-        <p:txBody>
-          <a:bodyPr wrap="square" lIns="0" tIns="0" rIns="0" bIns="0" rtlCol="0">
-            <a:spAutoFit/>
-          </a:bodyPr>
-          <a:lstStyle>
-            <a:defPPr>
-              <a:defRPr lang="en-US"/>
-            </a:defPPr>
-            <a:lvl1pPr algn="r">
-              <a:defRPr sz="1400">
-                <a:solidFill>
-                  <a:srgbClr val="0070C0"/>
-                </a:solidFill>
-              </a:defRPr>
-            </a:lvl1pPr>
-          </a:lstStyle>
-          <a:p>
-            <a:r>
-              <a:rPr lang="en-US" sz="1200" dirty="0"/>
-              <a:t>getEndTime()</a:t>
-            </a:r>
-          </a:p>
-        </p:txBody>
-      </p:sp>
-      <p:sp>
-        <p:nvSpPr>
-          <p:cNvPr id="60" name="Rectangle 59">
-            <a:extLst>
-              <a:ext uri="{FF2B5EF4-FFF2-40B4-BE49-F238E27FC236}">
-                <a16:creationId xmlns:a16="http://schemas.microsoft.com/office/drawing/2014/main" id="{95A85533-E2EB-4F59-9143-D87A79DE9735}"/>
-              </a:ext>
-            </a:extLst>
-          </p:cNvPr>
-          <p:cNvSpPr/>
-          <p:nvPr/>
-        </p:nvSpPr>
-        <p:spPr>
-          <a:xfrm>
-            <a:off x="13230023" y="6001828"/>
-            <a:ext cx="187121" cy="173661"/>
-          </a:xfrm>
-          <a:prstGeom prst="rect">
-            <a:avLst/>
-          </a:prstGeom>
-          <a:noFill/>
-          <a:ln/>
-        </p:spPr>
-        <p:style>
-          <a:lnRef idx="2">
-            <a:schemeClr val="accent1"/>
-          </a:lnRef>
-          <a:fillRef idx="1">
-            <a:schemeClr val="lt1"/>
-          </a:fillRef>
-          <a:effectRef idx="0">
-            <a:schemeClr val="accent1"/>
-          </a:effectRef>
-          <a:fontRef idx="minor">
-            <a:schemeClr val="dk1"/>
-          </a:fontRef>
-        </p:style>
-        <p:txBody>
-          <a:bodyPr rtlCol="0" anchor="ctr"/>
-          <a:lstStyle/>
-          <a:p>
-            <a:pPr algn="ctr"/>
-            <a:endParaRPr lang="en-SG" sz="1401" dirty="0"/>
+              <a:t>updateCinema(cinema, newCinema)</a:t>
+            </a:r>
           </a:p>
         </p:txBody>
       </p:sp>

--- a/docs/diagrams/AddScreeningSequenceDiagram.pptx
+++ b/docs/diagrams/AddScreeningSequenceDiagram.pptx
@@ -10,7 +10,7 @@
   <p:sldIdLst>
     <p:sldId id="267" r:id="rId2"/>
   </p:sldIdLst>
-  <p:sldSz cx="19230975" cy="10817225"/>
+  <p:sldSz cx="14422438" cy="10817225"/>
   <p:notesSz cx="6858000" cy="9144000"/>
   <p:defaultTextStyle>
     <a:defPPr>
@@ -115,7 +115,7 @@
             <a:srgbClr val="A4A3A4"/>
           </p15:clr>
         </p15:guide>
-        <p15:guide id="2" pos="6057" userDrawn="1">
+        <p15:guide id="2" pos="4543" userDrawn="1">
           <p15:clr>
             <a:srgbClr val="A4A3A4"/>
           </p15:clr>
@@ -208,7 +208,7 @@
           <a:p>
             <a:fld id="{F5CC4B3F-88C1-4FFA-B1B6-F41C21DC6924}" type="datetimeFigureOut">
               <a:rPr lang="en-US" smtClean="0"/>
-              <a:t>3/28/2018</a:t>
+              <a:t>3/29/2018</a:t>
             </a:fld>
             <a:endParaRPr lang="en-US" dirty="0"/>
           </a:p>
@@ -226,8 +226,8 @@
         </p:nvSpPr>
         <p:spPr>
           <a:xfrm>
-            <a:off x="381000" y="685800"/>
-            <a:ext cx="6096000" cy="3429000"/>
+            <a:off x="1143000" y="685800"/>
+            <a:ext cx="4572000" cy="3429000"/>
           </a:xfrm>
           <a:prstGeom prst="rect">
             <a:avLst/>
@@ -504,8 +504,8 @@
         </p:nvSpPr>
         <p:spPr>
           <a:xfrm>
-            <a:off x="1442323" y="3360367"/>
-            <a:ext cx="16346329" cy="2318693"/>
+            <a:off x="1081684" y="3360370"/>
+            <a:ext cx="12259072" cy="2318693"/>
           </a:xfrm>
         </p:spPr>
         <p:txBody>
@@ -531,8 +531,8 @@
         </p:nvSpPr>
         <p:spPr>
           <a:xfrm>
-            <a:off x="2884646" y="6129761"/>
-            <a:ext cx="13461683" cy="2764402"/>
+            <a:off x="2163367" y="6129761"/>
+            <a:ext cx="10095707" cy="2764402"/>
           </a:xfrm>
         </p:spPr>
         <p:txBody>
@@ -548,7 +548,7 @@
                 </a:solidFill>
               </a:defRPr>
             </a:lvl1pPr>
-            <a:lvl2pPr marL="457203" indent="0" algn="ctr">
+            <a:lvl2pPr marL="457221" indent="0" algn="ctr">
               <a:buNone/>
               <a:defRPr>
                 <a:solidFill>
@@ -558,7 +558,7 @@
                 </a:solidFill>
               </a:defRPr>
             </a:lvl2pPr>
-            <a:lvl3pPr marL="914404" indent="0" algn="ctr">
+            <a:lvl3pPr marL="914439" indent="0" algn="ctr">
               <a:buNone/>
               <a:defRPr>
                 <a:solidFill>
@@ -568,7 +568,7 @@
                 </a:solidFill>
               </a:defRPr>
             </a:lvl3pPr>
-            <a:lvl4pPr marL="1371605" indent="0" algn="ctr">
+            <a:lvl4pPr marL="1371657" indent="0" algn="ctr">
               <a:buNone/>
               <a:defRPr>
                 <a:solidFill>
@@ -578,7 +578,7 @@
                 </a:solidFill>
               </a:defRPr>
             </a:lvl4pPr>
-            <a:lvl5pPr marL="1828805" indent="0" algn="ctr">
+            <a:lvl5pPr marL="1828874" indent="0" algn="ctr">
               <a:buNone/>
               <a:defRPr>
                 <a:solidFill>
@@ -588,7 +588,7 @@
                 </a:solidFill>
               </a:defRPr>
             </a:lvl5pPr>
-            <a:lvl6pPr marL="2286009" indent="0" algn="ctr">
+            <a:lvl6pPr marL="2286095" indent="0" algn="ctr">
               <a:buNone/>
               <a:defRPr>
                 <a:solidFill>
@@ -598,7 +598,7 @@
                 </a:solidFill>
               </a:defRPr>
             </a:lvl6pPr>
-            <a:lvl7pPr marL="2743213" indent="0" algn="ctr">
+            <a:lvl7pPr marL="2743317" indent="0" algn="ctr">
               <a:buNone/>
               <a:defRPr>
                 <a:solidFill>
@@ -608,7 +608,7 @@
                 </a:solidFill>
               </a:defRPr>
             </a:lvl7pPr>
-            <a:lvl8pPr marL="3200413" indent="0" algn="ctr">
+            <a:lvl8pPr marL="3200534" indent="0" algn="ctr">
               <a:buNone/>
               <a:defRPr>
                 <a:solidFill>
@@ -618,7 +618,7 @@
                 </a:solidFill>
               </a:defRPr>
             </a:lvl8pPr>
-            <a:lvl9pPr marL="3657614" indent="0" algn="ctr">
+            <a:lvl9pPr marL="3657752" indent="0" algn="ctr">
               <a:buNone/>
               <a:defRPr>
                 <a:solidFill>
@@ -654,7 +654,7 @@
           <a:p>
             <a:fld id="{78C97017-6FC3-485B-9764-EAC9E56C1D49}" type="datetimeFigureOut">
               <a:rPr lang="en-US" smtClean="0"/>
-              <a:t>3/28/2018</a:t>
+              <a:t>3/29/2018</a:t>
             </a:fld>
             <a:endParaRPr lang="en-US" dirty="0"/>
           </a:p>
@@ -822,7 +822,7 @@
           <a:p>
             <a:fld id="{78C97017-6FC3-485B-9764-EAC9E56C1D49}" type="datetimeFigureOut">
               <a:rPr lang="en-US" smtClean="0"/>
-              <a:t>3/28/2018</a:t>
+              <a:t>3/29/2018</a:t>
             </a:fld>
             <a:endParaRPr lang="en-US" dirty="0"/>
           </a:p>
@@ -912,8 +912,8 @@
         </p:nvSpPr>
         <p:spPr>
           <a:xfrm>
-            <a:off x="13942457" y="433208"/>
-            <a:ext cx="4326969" cy="9229698"/>
+            <a:off x="10456269" y="433208"/>
+            <a:ext cx="3245048" cy="9229698"/>
           </a:xfrm>
         </p:spPr>
         <p:txBody>
@@ -939,8 +939,8 @@
         </p:nvSpPr>
         <p:spPr>
           <a:xfrm>
-            <a:off x="961553" y="433208"/>
-            <a:ext cx="12660392" cy="9229698"/>
+            <a:off x="721125" y="433208"/>
+            <a:ext cx="9494772" cy="9229698"/>
           </a:xfrm>
         </p:spPr>
         <p:txBody>
@@ -1000,7 +1000,7 @@
           <a:p>
             <a:fld id="{78C97017-6FC3-485B-9764-EAC9E56C1D49}" type="datetimeFigureOut">
               <a:rPr lang="en-US" smtClean="0"/>
-              <a:t>3/28/2018</a:t>
+              <a:t>3/29/2018</a:t>
             </a:fld>
             <a:endParaRPr lang="en-US" dirty="0"/>
           </a:p>
@@ -1168,7 +1168,7 @@
           <a:p>
             <a:fld id="{78C97017-6FC3-485B-9764-EAC9E56C1D49}" type="datetimeFigureOut">
               <a:rPr lang="en-US" smtClean="0"/>
-              <a:t>3/28/2018</a:t>
+              <a:t>3/29/2018</a:t>
             </a:fld>
             <a:endParaRPr lang="en-US" dirty="0"/>
           </a:p>
@@ -1258,8 +1258,8 @@
         </p:nvSpPr>
         <p:spPr>
           <a:xfrm>
-            <a:off x="1519114" y="6951071"/>
-            <a:ext cx="16346329" cy="2148421"/>
+            <a:off x="1139274" y="6951071"/>
+            <a:ext cx="12259072" cy="2148421"/>
           </a:xfrm>
         </p:spPr>
         <p:txBody>
@@ -1289,8 +1289,8 @@
         </p:nvSpPr>
         <p:spPr>
           <a:xfrm>
-            <a:off x="1519114" y="4584804"/>
-            <a:ext cx="16346329" cy="2366267"/>
+            <a:off x="1139274" y="4584807"/>
+            <a:ext cx="12259072" cy="2366267"/>
           </a:xfrm>
         </p:spPr>
         <p:txBody>
@@ -1298,7 +1298,7 @@
           <a:lstStyle>
             <a:lvl1pPr marL="0" indent="0">
               <a:buNone/>
-              <a:defRPr sz="2000">
+              <a:defRPr sz="2001">
                 <a:solidFill>
                   <a:schemeClr val="tx1">
                     <a:tint val="75000"/>
@@ -1306,9 +1306,9 @@
                 </a:solidFill>
               </a:defRPr>
             </a:lvl1pPr>
-            <a:lvl2pPr marL="457203" indent="0">
+            <a:lvl2pPr marL="457221" indent="0">
               <a:buNone/>
-              <a:defRPr sz="1800">
+              <a:defRPr sz="1801">
                 <a:solidFill>
                   <a:schemeClr val="tx1">
                     <a:tint val="75000"/>
@@ -1316,9 +1316,9 @@
                 </a:solidFill>
               </a:defRPr>
             </a:lvl2pPr>
-            <a:lvl3pPr marL="914404" indent="0">
+            <a:lvl3pPr marL="914439" indent="0">
               <a:buNone/>
-              <a:defRPr sz="1600">
+              <a:defRPr sz="1599">
                 <a:solidFill>
                   <a:schemeClr val="tx1">
                     <a:tint val="75000"/>
@@ -1326,7 +1326,7 @@
                 </a:solidFill>
               </a:defRPr>
             </a:lvl3pPr>
-            <a:lvl4pPr marL="1371605" indent="0">
+            <a:lvl4pPr marL="1371657" indent="0">
               <a:buNone/>
               <a:defRPr sz="1401">
                 <a:solidFill>
@@ -1336,7 +1336,7 @@
                 </a:solidFill>
               </a:defRPr>
             </a:lvl4pPr>
-            <a:lvl5pPr marL="1828805" indent="0">
+            <a:lvl5pPr marL="1828874" indent="0">
               <a:buNone/>
               <a:defRPr sz="1401">
                 <a:solidFill>
@@ -1346,7 +1346,7 @@
                 </a:solidFill>
               </a:defRPr>
             </a:lvl5pPr>
-            <a:lvl6pPr marL="2286009" indent="0">
+            <a:lvl6pPr marL="2286095" indent="0">
               <a:buNone/>
               <a:defRPr sz="1401">
                 <a:solidFill>
@@ -1356,7 +1356,7 @@
                 </a:solidFill>
               </a:defRPr>
             </a:lvl6pPr>
-            <a:lvl7pPr marL="2743213" indent="0">
+            <a:lvl7pPr marL="2743317" indent="0">
               <a:buNone/>
               <a:defRPr sz="1401">
                 <a:solidFill>
@@ -1366,7 +1366,7 @@
                 </a:solidFill>
               </a:defRPr>
             </a:lvl7pPr>
-            <a:lvl8pPr marL="3200413" indent="0">
+            <a:lvl8pPr marL="3200534" indent="0">
               <a:buNone/>
               <a:defRPr sz="1401">
                 <a:solidFill>
@@ -1376,7 +1376,7 @@
                 </a:solidFill>
               </a:defRPr>
             </a:lvl8pPr>
-            <a:lvl9pPr marL="3657614" indent="0">
+            <a:lvl9pPr marL="3657752" indent="0">
               <a:buNone/>
               <a:defRPr sz="1401">
                 <a:solidFill>
@@ -1413,7 +1413,7 @@
           <a:p>
             <a:fld id="{78C97017-6FC3-485B-9764-EAC9E56C1D49}" type="datetimeFigureOut">
               <a:rPr lang="en-US" smtClean="0"/>
-              <a:t>3/28/2018</a:t>
+              <a:t>3/29/2018</a:t>
             </a:fld>
             <a:endParaRPr lang="en-US" dirty="0"/>
           </a:p>
@@ -1525,8 +1525,8 @@
         </p:nvSpPr>
         <p:spPr>
           <a:xfrm>
-            <a:off x="961549" y="2524021"/>
-            <a:ext cx="8493681" cy="7138868"/>
+            <a:off x="721123" y="2524021"/>
+            <a:ext cx="6369910" cy="7138868"/>
           </a:xfrm>
         </p:spPr>
         <p:txBody>
@@ -1539,25 +1539,25 @@
               <a:defRPr sz="2400"/>
             </a:lvl2pPr>
             <a:lvl3pPr>
-              <a:defRPr sz="2000"/>
+              <a:defRPr sz="2001"/>
             </a:lvl3pPr>
             <a:lvl4pPr>
-              <a:defRPr sz="1800"/>
+              <a:defRPr sz="1801"/>
             </a:lvl4pPr>
             <a:lvl5pPr>
-              <a:defRPr sz="1800"/>
+              <a:defRPr sz="1801"/>
             </a:lvl5pPr>
             <a:lvl6pPr>
-              <a:defRPr sz="1800"/>
+              <a:defRPr sz="1801"/>
             </a:lvl6pPr>
             <a:lvl7pPr>
-              <a:defRPr sz="1800"/>
+              <a:defRPr sz="1801"/>
             </a:lvl7pPr>
             <a:lvl8pPr>
-              <a:defRPr sz="1800"/>
+              <a:defRPr sz="1801"/>
             </a:lvl8pPr>
             <a:lvl9pPr>
-              <a:defRPr sz="1800"/>
+              <a:defRPr sz="1801"/>
             </a:lvl9pPr>
           </a:lstStyle>
           <a:p>
@@ -1609,8 +1609,8 @@
         </p:nvSpPr>
         <p:spPr>
           <a:xfrm>
-            <a:off x="9775750" y="2524021"/>
-            <a:ext cx="8493681" cy="7138868"/>
+            <a:off x="7331411" y="2524021"/>
+            <a:ext cx="6369910" cy="7138868"/>
           </a:xfrm>
         </p:spPr>
         <p:txBody>
@@ -1623,25 +1623,25 @@
               <a:defRPr sz="2400"/>
             </a:lvl2pPr>
             <a:lvl3pPr>
-              <a:defRPr sz="2000"/>
+              <a:defRPr sz="2001"/>
             </a:lvl3pPr>
             <a:lvl4pPr>
-              <a:defRPr sz="1800"/>
+              <a:defRPr sz="1801"/>
             </a:lvl4pPr>
             <a:lvl5pPr>
-              <a:defRPr sz="1800"/>
+              <a:defRPr sz="1801"/>
             </a:lvl5pPr>
             <a:lvl6pPr>
-              <a:defRPr sz="1800"/>
+              <a:defRPr sz="1801"/>
             </a:lvl6pPr>
             <a:lvl7pPr>
-              <a:defRPr sz="1800"/>
+              <a:defRPr sz="1801"/>
             </a:lvl7pPr>
             <a:lvl8pPr>
-              <a:defRPr sz="1800"/>
+              <a:defRPr sz="1801"/>
             </a:lvl8pPr>
             <a:lvl9pPr>
-              <a:defRPr sz="1800"/>
+              <a:defRPr sz="1801"/>
             </a:lvl9pPr>
           </a:lstStyle>
           <a:p>
@@ -1698,7 +1698,7 @@
           <a:p>
             <a:fld id="{78C97017-6FC3-485B-9764-EAC9E56C1D49}" type="datetimeFigureOut">
               <a:rPr lang="en-US" smtClean="0"/>
-              <a:t>3/28/2018</a:t>
+              <a:t>3/29/2018</a:t>
             </a:fld>
             <a:endParaRPr lang="en-US" dirty="0"/>
           </a:p>
@@ -1814,8 +1814,8 @@
         </p:nvSpPr>
         <p:spPr>
           <a:xfrm>
-            <a:off x="961551" y="2421362"/>
-            <a:ext cx="8497020" cy="1009105"/>
+            <a:off x="721124" y="2421365"/>
+            <a:ext cx="6372415" cy="1009105"/>
           </a:xfrm>
         </p:spPr>
         <p:txBody>
@@ -1825,37 +1825,37 @@
               <a:buNone/>
               <a:defRPr sz="2400" b="1"/>
             </a:lvl1pPr>
-            <a:lvl2pPr marL="457203" indent="0">
+            <a:lvl2pPr marL="457221" indent="0">
               <a:buNone/>
-              <a:defRPr sz="2000" b="1"/>
+              <a:defRPr sz="2001" b="1"/>
             </a:lvl2pPr>
-            <a:lvl3pPr marL="914404" indent="0">
+            <a:lvl3pPr marL="914439" indent="0">
               <a:buNone/>
-              <a:defRPr sz="1800" b="1"/>
+              <a:defRPr sz="1801" b="1"/>
             </a:lvl3pPr>
-            <a:lvl4pPr marL="1371605" indent="0">
+            <a:lvl4pPr marL="1371657" indent="0">
               <a:buNone/>
-              <a:defRPr sz="1600" b="1"/>
+              <a:defRPr sz="1599" b="1"/>
             </a:lvl4pPr>
-            <a:lvl5pPr marL="1828805" indent="0">
+            <a:lvl5pPr marL="1828874" indent="0">
               <a:buNone/>
-              <a:defRPr sz="1600" b="1"/>
+              <a:defRPr sz="1599" b="1"/>
             </a:lvl5pPr>
-            <a:lvl6pPr marL="2286009" indent="0">
+            <a:lvl6pPr marL="2286095" indent="0">
               <a:buNone/>
-              <a:defRPr sz="1600" b="1"/>
+              <a:defRPr sz="1599" b="1"/>
             </a:lvl6pPr>
-            <a:lvl7pPr marL="2743213" indent="0">
+            <a:lvl7pPr marL="2743317" indent="0">
               <a:buNone/>
-              <a:defRPr sz="1600" b="1"/>
+              <a:defRPr sz="1599" b="1"/>
             </a:lvl7pPr>
-            <a:lvl8pPr marL="3200413" indent="0">
+            <a:lvl8pPr marL="3200534" indent="0">
               <a:buNone/>
-              <a:defRPr sz="1600" b="1"/>
+              <a:defRPr sz="1599" b="1"/>
             </a:lvl8pPr>
-            <a:lvl9pPr marL="3657614" indent="0">
+            <a:lvl9pPr marL="3657752" indent="0">
               <a:buNone/>
-              <a:defRPr sz="1600" b="1"/>
+              <a:defRPr sz="1599" b="1"/>
             </a:lvl9pPr>
           </a:lstStyle>
           <a:p>
@@ -1879,8 +1879,8 @@
         </p:nvSpPr>
         <p:spPr>
           <a:xfrm>
-            <a:off x="961551" y="3430466"/>
-            <a:ext cx="8497020" cy="6232425"/>
+            <a:off x="721124" y="3430469"/>
+            <a:ext cx="6372415" cy="6232425"/>
           </a:xfrm>
         </p:spPr>
         <p:txBody>
@@ -1890,28 +1890,28 @@
               <a:defRPr sz="2400"/>
             </a:lvl1pPr>
             <a:lvl2pPr>
-              <a:defRPr sz="2000"/>
+              <a:defRPr sz="2001"/>
             </a:lvl2pPr>
             <a:lvl3pPr>
-              <a:defRPr sz="1800"/>
+              <a:defRPr sz="1801"/>
             </a:lvl3pPr>
             <a:lvl4pPr>
-              <a:defRPr sz="1600"/>
+              <a:defRPr sz="1599"/>
             </a:lvl4pPr>
             <a:lvl5pPr>
-              <a:defRPr sz="1600"/>
+              <a:defRPr sz="1599"/>
             </a:lvl5pPr>
             <a:lvl6pPr>
-              <a:defRPr sz="1600"/>
+              <a:defRPr sz="1599"/>
             </a:lvl6pPr>
             <a:lvl7pPr>
-              <a:defRPr sz="1600"/>
+              <a:defRPr sz="1599"/>
             </a:lvl7pPr>
             <a:lvl8pPr>
-              <a:defRPr sz="1600"/>
+              <a:defRPr sz="1599"/>
             </a:lvl8pPr>
             <a:lvl9pPr>
-              <a:defRPr sz="1600"/>
+              <a:defRPr sz="1599"/>
             </a:lvl9pPr>
           </a:lstStyle>
           <a:p>
@@ -1963,8 +1963,8 @@
         </p:nvSpPr>
         <p:spPr>
           <a:xfrm>
-            <a:off x="9769084" y="2421362"/>
-            <a:ext cx="8500358" cy="1009105"/>
+            <a:off x="7326409" y="2421365"/>
+            <a:ext cx="6374919" cy="1009105"/>
           </a:xfrm>
         </p:spPr>
         <p:txBody>
@@ -1974,37 +1974,37 @@
               <a:buNone/>
               <a:defRPr sz="2400" b="1"/>
             </a:lvl1pPr>
-            <a:lvl2pPr marL="457203" indent="0">
+            <a:lvl2pPr marL="457221" indent="0">
               <a:buNone/>
-              <a:defRPr sz="2000" b="1"/>
+              <a:defRPr sz="2001" b="1"/>
             </a:lvl2pPr>
-            <a:lvl3pPr marL="914404" indent="0">
+            <a:lvl3pPr marL="914439" indent="0">
               <a:buNone/>
-              <a:defRPr sz="1800" b="1"/>
+              <a:defRPr sz="1801" b="1"/>
             </a:lvl3pPr>
-            <a:lvl4pPr marL="1371605" indent="0">
+            <a:lvl4pPr marL="1371657" indent="0">
               <a:buNone/>
-              <a:defRPr sz="1600" b="1"/>
+              <a:defRPr sz="1599" b="1"/>
             </a:lvl4pPr>
-            <a:lvl5pPr marL="1828805" indent="0">
+            <a:lvl5pPr marL="1828874" indent="0">
               <a:buNone/>
-              <a:defRPr sz="1600" b="1"/>
+              <a:defRPr sz="1599" b="1"/>
             </a:lvl5pPr>
-            <a:lvl6pPr marL="2286009" indent="0">
+            <a:lvl6pPr marL="2286095" indent="0">
               <a:buNone/>
-              <a:defRPr sz="1600" b="1"/>
+              <a:defRPr sz="1599" b="1"/>
             </a:lvl6pPr>
-            <a:lvl7pPr marL="2743213" indent="0">
+            <a:lvl7pPr marL="2743317" indent="0">
               <a:buNone/>
-              <a:defRPr sz="1600" b="1"/>
+              <a:defRPr sz="1599" b="1"/>
             </a:lvl7pPr>
-            <a:lvl8pPr marL="3200413" indent="0">
+            <a:lvl8pPr marL="3200534" indent="0">
               <a:buNone/>
-              <a:defRPr sz="1600" b="1"/>
+              <a:defRPr sz="1599" b="1"/>
             </a:lvl8pPr>
-            <a:lvl9pPr marL="3657614" indent="0">
+            <a:lvl9pPr marL="3657752" indent="0">
               <a:buNone/>
-              <a:defRPr sz="1600" b="1"/>
+              <a:defRPr sz="1599" b="1"/>
             </a:lvl9pPr>
           </a:lstStyle>
           <a:p>
@@ -2028,8 +2028,8 @@
         </p:nvSpPr>
         <p:spPr>
           <a:xfrm>
-            <a:off x="9769084" y="3430466"/>
-            <a:ext cx="8500358" cy="6232425"/>
+            <a:off x="7326409" y="3430469"/>
+            <a:ext cx="6374919" cy="6232425"/>
           </a:xfrm>
         </p:spPr>
         <p:txBody>
@@ -2039,28 +2039,28 @@
               <a:defRPr sz="2400"/>
             </a:lvl1pPr>
             <a:lvl2pPr>
-              <a:defRPr sz="2000"/>
+              <a:defRPr sz="2001"/>
             </a:lvl2pPr>
             <a:lvl3pPr>
-              <a:defRPr sz="1800"/>
+              <a:defRPr sz="1801"/>
             </a:lvl3pPr>
             <a:lvl4pPr>
-              <a:defRPr sz="1600"/>
+              <a:defRPr sz="1599"/>
             </a:lvl4pPr>
             <a:lvl5pPr>
-              <a:defRPr sz="1600"/>
+              <a:defRPr sz="1599"/>
             </a:lvl5pPr>
             <a:lvl6pPr>
-              <a:defRPr sz="1600"/>
+              <a:defRPr sz="1599"/>
             </a:lvl6pPr>
             <a:lvl7pPr>
-              <a:defRPr sz="1600"/>
+              <a:defRPr sz="1599"/>
             </a:lvl7pPr>
             <a:lvl8pPr>
-              <a:defRPr sz="1600"/>
+              <a:defRPr sz="1599"/>
             </a:lvl8pPr>
             <a:lvl9pPr>
-              <a:defRPr sz="1600"/>
+              <a:defRPr sz="1599"/>
             </a:lvl9pPr>
           </a:lstStyle>
           <a:p>
@@ -2117,7 +2117,7 @@
           <a:p>
             <a:fld id="{78C97017-6FC3-485B-9764-EAC9E56C1D49}" type="datetimeFigureOut">
               <a:rPr lang="en-US" smtClean="0"/>
-              <a:t>3/28/2018</a:t>
+              <a:t>3/29/2018</a:t>
             </a:fld>
             <a:endParaRPr lang="en-US" dirty="0"/>
           </a:p>
@@ -2234,7 +2234,7 @@
           <a:p>
             <a:fld id="{78C97017-6FC3-485B-9764-EAC9E56C1D49}" type="datetimeFigureOut">
               <a:rPr lang="en-US" smtClean="0"/>
-              <a:t>3/28/2018</a:t>
+              <a:t>3/29/2018</a:t>
             </a:fld>
             <a:endParaRPr lang="en-US" dirty="0"/>
           </a:p>
@@ -2329,7 +2329,7 @@
           <a:p>
             <a:fld id="{78C97017-6FC3-485B-9764-EAC9E56C1D49}" type="datetimeFigureOut">
               <a:rPr lang="en-US" smtClean="0"/>
-              <a:t>3/28/2018</a:t>
+              <a:t>3/29/2018</a:t>
             </a:fld>
             <a:endParaRPr lang="en-US" dirty="0"/>
           </a:p>
@@ -2419,15 +2419,15 @@
         </p:nvSpPr>
         <p:spPr>
           <a:xfrm>
-            <a:off x="961560" y="430689"/>
-            <a:ext cx="6326858" cy="1832920"/>
+            <a:off x="721130" y="430689"/>
+            <a:ext cx="4744883" cy="1832920"/>
           </a:xfrm>
         </p:spPr>
         <p:txBody>
           <a:bodyPr anchor="b"/>
           <a:lstStyle>
             <a:lvl1pPr algn="l">
-              <a:defRPr sz="2000" b="1"/>
+              <a:defRPr sz="2001" b="1"/>
             </a:lvl1pPr>
           </a:lstStyle>
           <a:p>
@@ -2450,8 +2450,8 @@
         </p:nvSpPr>
         <p:spPr>
           <a:xfrm>
-            <a:off x="7518779" y="430690"/>
-            <a:ext cx="10750649" cy="9232202"/>
+            <a:off x="5638776" y="430690"/>
+            <a:ext cx="8062543" cy="9232202"/>
           </a:xfrm>
         </p:spPr>
         <p:txBody>
@@ -2467,22 +2467,22 @@
               <a:defRPr sz="2400"/>
             </a:lvl3pPr>
             <a:lvl4pPr>
-              <a:defRPr sz="2000"/>
+              <a:defRPr sz="2001"/>
             </a:lvl4pPr>
             <a:lvl5pPr>
-              <a:defRPr sz="2000"/>
+              <a:defRPr sz="2001"/>
             </a:lvl5pPr>
             <a:lvl6pPr>
-              <a:defRPr sz="2000"/>
+              <a:defRPr sz="2001"/>
             </a:lvl6pPr>
             <a:lvl7pPr>
-              <a:defRPr sz="2000"/>
+              <a:defRPr sz="2001"/>
             </a:lvl7pPr>
             <a:lvl8pPr>
-              <a:defRPr sz="2000"/>
+              <a:defRPr sz="2001"/>
             </a:lvl8pPr>
             <a:lvl9pPr>
-              <a:defRPr sz="2000"/>
+              <a:defRPr sz="2001"/>
             </a:lvl9pPr>
           </a:lstStyle>
           <a:p>
@@ -2534,8 +2534,8 @@
         </p:nvSpPr>
         <p:spPr>
           <a:xfrm>
-            <a:off x="961560" y="2263612"/>
-            <a:ext cx="6326858" cy="7399283"/>
+            <a:off x="721130" y="2263612"/>
+            <a:ext cx="4744883" cy="7399283"/>
           </a:xfrm>
         </p:spPr>
         <p:txBody>
@@ -2545,35 +2545,35 @@
               <a:buNone/>
               <a:defRPr sz="1401"/>
             </a:lvl1pPr>
-            <a:lvl2pPr marL="457203" indent="0">
+            <a:lvl2pPr marL="457221" indent="0">
               <a:buNone/>
               <a:defRPr sz="1201"/>
             </a:lvl2pPr>
-            <a:lvl3pPr marL="914404" indent="0">
+            <a:lvl3pPr marL="914439" indent="0">
               <a:buNone/>
               <a:defRPr sz="1001"/>
             </a:lvl3pPr>
-            <a:lvl4pPr marL="1371605" indent="0">
+            <a:lvl4pPr marL="1371657" indent="0">
               <a:buNone/>
               <a:defRPr sz="900"/>
             </a:lvl4pPr>
-            <a:lvl5pPr marL="1828805" indent="0">
+            <a:lvl5pPr marL="1828874" indent="0">
               <a:buNone/>
               <a:defRPr sz="900"/>
             </a:lvl5pPr>
-            <a:lvl6pPr marL="2286009" indent="0">
+            <a:lvl6pPr marL="2286095" indent="0">
               <a:buNone/>
               <a:defRPr sz="900"/>
             </a:lvl6pPr>
-            <a:lvl7pPr marL="2743213" indent="0">
+            <a:lvl7pPr marL="2743317" indent="0">
               <a:buNone/>
               <a:defRPr sz="900"/>
             </a:lvl7pPr>
-            <a:lvl8pPr marL="3200413" indent="0">
+            <a:lvl8pPr marL="3200534" indent="0">
               <a:buNone/>
               <a:defRPr sz="900"/>
             </a:lvl8pPr>
-            <a:lvl9pPr marL="3657614" indent="0">
+            <a:lvl9pPr marL="3657752" indent="0">
               <a:buNone/>
               <a:defRPr sz="900"/>
             </a:lvl9pPr>
@@ -2604,7 +2604,7 @@
           <a:p>
             <a:fld id="{78C97017-6FC3-485B-9764-EAC9E56C1D49}" type="datetimeFigureOut">
               <a:rPr lang="en-US" smtClean="0"/>
-              <a:t>3/28/2018</a:t>
+              <a:t>3/29/2018</a:t>
             </a:fld>
             <a:endParaRPr lang="en-US" dirty="0"/>
           </a:p>
@@ -2694,15 +2694,15 @@
         </p:nvSpPr>
         <p:spPr>
           <a:xfrm>
-            <a:off x="3769406" y="7572058"/>
-            <a:ext cx="11538585" cy="893925"/>
+            <a:off x="2826899" y="7572059"/>
+            <a:ext cx="8653463" cy="893925"/>
           </a:xfrm>
         </p:spPr>
         <p:txBody>
           <a:bodyPr anchor="b"/>
           <a:lstStyle>
             <a:lvl1pPr algn="l">
-              <a:defRPr sz="2000" b="1"/>
+              <a:defRPr sz="2001" b="1"/>
             </a:lvl1pPr>
           </a:lstStyle>
           <a:p>
@@ -2725,8 +2725,8 @@
         </p:nvSpPr>
         <p:spPr>
           <a:xfrm>
-            <a:off x="3769406" y="966541"/>
-            <a:ext cx="11538585" cy="6490335"/>
+            <a:off x="2826899" y="966544"/>
+            <a:ext cx="8653463" cy="6490335"/>
           </a:xfrm>
         </p:spPr>
         <p:txBody>
@@ -2736,37 +2736,37 @@
               <a:buNone/>
               <a:defRPr sz="3201"/>
             </a:lvl1pPr>
-            <a:lvl2pPr marL="457203" indent="0">
+            <a:lvl2pPr marL="457221" indent="0">
               <a:buNone/>
               <a:defRPr sz="2799"/>
             </a:lvl2pPr>
-            <a:lvl3pPr marL="914404" indent="0">
+            <a:lvl3pPr marL="914439" indent="0">
               <a:buNone/>
               <a:defRPr sz="2400"/>
             </a:lvl3pPr>
-            <a:lvl4pPr marL="1371605" indent="0">
+            <a:lvl4pPr marL="1371657" indent="0">
               <a:buNone/>
-              <a:defRPr sz="2000"/>
+              <a:defRPr sz="2001"/>
             </a:lvl4pPr>
-            <a:lvl5pPr marL="1828805" indent="0">
+            <a:lvl5pPr marL="1828874" indent="0">
               <a:buNone/>
-              <a:defRPr sz="2000"/>
+              <a:defRPr sz="2001"/>
             </a:lvl5pPr>
-            <a:lvl6pPr marL="2286009" indent="0">
+            <a:lvl6pPr marL="2286095" indent="0">
               <a:buNone/>
-              <a:defRPr sz="2000"/>
+              <a:defRPr sz="2001"/>
             </a:lvl6pPr>
-            <a:lvl7pPr marL="2743213" indent="0">
+            <a:lvl7pPr marL="2743317" indent="0">
               <a:buNone/>
-              <a:defRPr sz="2000"/>
+              <a:defRPr sz="2001"/>
             </a:lvl7pPr>
-            <a:lvl8pPr marL="3200413" indent="0">
+            <a:lvl8pPr marL="3200534" indent="0">
               <a:buNone/>
-              <a:defRPr sz="2000"/>
+              <a:defRPr sz="2001"/>
             </a:lvl8pPr>
-            <a:lvl9pPr marL="3657614" indent="0">
+            <a:lvl9pPr marL="3657752" indent="0">
               <a:buNone/>
-              <a:defRPr sz="2000"/>
+              <a:defRPr sz="2001"/>
             </a:lvl9pPr>
           </a:lstStyle>
           <a:p>
@@ -2786,8 +2786,8 @@
         </p:nvSpPr>
         <p:spPr>
           <a:xfrm>
-            <a:off x="3769406" y="8465985"/>
-            <a:ext cx="11538585" cy="1269520"/>
+            <a:off x="2826899" y="8465985"/>
+            <a:ext cx="8653463" cy="1269520"/>
           </a:xfrm>
         </p:spPr>
         <p:txBody>
@@ -2797,35 +2797,35 @@
               <a:buNone/>
               <a:defRPr sz="1401"/>
             </a:lvl1pPr>
-            <a:lvl2pPr marL="457203" indent="0">
+            <a:lvl2pPr marL="457221" indent="0">
               <a:buNone/>
               <a:defRPr sz="1201"/>
             </a:lvl2pPr>
-            <a:lvl3pPr marL="914404" indent="0">
+            <a:lvl3pPr marL="914439" indent="0">
               <a:buNone/>
               <a:defRPr sz="1001"/>
             </a:lvl3pPr>
-            <a:lvl4pPr marL="1371605" indent="0">
+            <a:lvl4pPr marL="1371657" indent="0">
               <a:buNone/>
               <a:defRPr sz="900"/>
             </a:lvl4pPr>
-            <a:lvl5pPr marL="1828805" indent="0">
+            <a:lvl5pPr marL="1828874" indent="0">
               <a:buNone/>
               <a:defRPr sz="900"/>
             </a:lvl5pPr>
-            <a:lvl6pPr marL="2286009" indent="0">
+            <a:lvl6pPr marL="2286095" indent="0">
               <a:buNone/>
               <a:defRPr sz="900"/>
             </a:lvl6pPr>
-            <a:lvl7pPr marL="2743213" indent="0">
+            <a:lvl7pPr marL="2743317" indent="0">
               <a:buNone/>
               <a:defRPr sz="900"/>
             </a:lvl7pPr>
-            <a:lvl8pPr marL="3200413" indent="0">
+            <a:lvl8pPr marL="3200534" indent="0">
               <a:buNone/>
               <a:defRPr sz="900"/>
             </a:lvl8pPr>
-            <a:lvl9pPr marL="3657614" indent="0">
+            <a:lvl9pPr marL="3657752" indent="0">
               <a:buNone/>
               <a:defRPr sz="900"/>
             </a:lvl9pPr>
@@ -2856,7 +2856,7 @@
           <a:p>
             <a:fld id="{78C97017-6FC3-485B-9764-EAC9E56C1D49}" type="datetimeFigureOut">
               <a:rPr lang="en-US" smtClean="0"/>
-              <a:t>3/28/2018</a:t>
+              <a:t>3/29/2018</a:t>
             </a:fld>
             <a:endParaRPr lang="en-US" dirty="0"/>
           </a:p>
@@ -2951,8 +2951,8 @@
         </p:nvSpPr>
         <p:spPr>
           <a:xfrm>
-            <a:off x="961549" y="433192"/>
-            <a:ext cx="17307878" cy="1802871"/>
+            <a:off x="721123" y="433195"/>
+            <a:ext cx="12980195" cy="1802871"/>
           </a:xfrm>
           <a:prstGeom prst="rect">
             <a:avLst/>
@@ -2983,8 +2983,8 @@
         </p:nvSpPr>
         <p:spPr>
           <a:xfrm>
-            <a:off x="961549" y="2524021"/>
-            <a:ext cx="17307878" cy="7138868"/>
+            <a:off x="721123" y="2524021"/>
+            <a:ext cx="12980195" cy="7138868"/>
           </a:xfrm>
           <a:prstGeom prst="rect">
             <a:avLst/>
@@ -3044,8 +3044,8 @@
         </p:nvSpPr>
         <p:spPr>
           <a:xfrm>
-            <a:off x="961553" y="10025981"/>
-            <a:ext cx="4487228" cy="575918"/>
+            <a:off x="721125" y="10025981"/>
+            <a:ext cx="3365236" cy="575918"/>
           </a:xfrm>
           <a:prstGeom prst="rect">
             <a:avLst/>
@@ -3067,7 +3067,7 @@
           <a:p>
             <a:fld id="{78C97017-6FC3-485B-9764-EAC9E56C1D49}" type="datetimeFigureOut">
               <a:rPr lang="en-US" smtClean="0"/>
-              <a:t>3/28/2018</a:t>
+              <a:t>3/29/2018</a:t>
             </a:fld>
             <a:endParaRPr lang="en-US" dirty="0"/>
           </a:p>
@@ -3085,8 +3085,8 @@
         </p:nvSpPr>
         <p:spPr>
           <a:xfrm>
-            <a:off x="6570587" y="10025981"/>
-            <a:ext cx="6089809" cy="575918"/>
+            <a:off x="4927670" y="10025981"/>
+            <a:ext cx="4567106" cy="575918"/>
           </a:xfrm>
           <a:prstGeom prst="rect">
             <a:avLst/>
@@ -3122,8 +3122,8 @@
         </p:nvSpPr>
         <p:spPr>
           <a:xfrm>
-            <a:off x="13782199" y="10025981"/>
-            <a:ext cx="4487228" cy="575918"/>
+            <a:off x="10336081" y="10025981"/>
+            <a:ext cx="3365236" cy="575918"/>
           </a:xfrm>
           <a:prstGeom prst="rect">
             <a:avLst/>
@@ -3174,7 +3174,7 @@
   </p:sldLayoutIdLst>
   <p:txStyles>
     <p:titleStyle>
-      <a:lvl1pPr algn="ctr" defTabSz="914404" rtl="0" eaLnBrk="1" latinLnBrk="0" hangingPunct="1">
+      <a:lvl1pPr algn="ctr" defTabSz="914439" rtl="0" eaLnBrk="1" latinLnBrk="0" hangingPunct="1">
         <a:spcBef>
           <a:spcPct val="0"/>
         </a:spcBef>
@@ -3190,7 +3190,7 @@
       </a:lvl1pPr>
     </p:titleStyle>
     <p:bodyStyle>
-      <a:lvl1pPr marL="342902" indent="-342902" algn="l" defTabSz="914404" rtl="0" eaLnBrk="1" latinLnBrk="0" hangingPunct="1">
+      <a:lvl1pPr marL="342915" indent="-342915" algn="l" defTabSz="914439" rtl="0" eaLnBrk="1" latinLnBrk="0" hangingPunct="1">
         <a:spcBef>
           <a:spcPct val="20000"/>
         </a:spcBef>
@@ -3205,7 +3205,7 @@
           <a:cs typeface="+mn-cs"/>
         </a:defRPr>
       </a:lvl1pPr>
-      <a:lvl2pPr marL="742954" indent="-285752" algn="l" defTabSz="914404" rtl="0" eaLnBrk="1" latinLnBrk="0" hangingPunct="1">
+      <a:lvl2pPr marL="742982" indent="-285763" algn="l" defTabSz="914439" rtl="0" eaLnBrk="1" latinLnBrk="0" hangingPunct="1">
         <a:spcBef>
           <a:spcPct val="20000"/>
         </a:spcBef>
@@ -3220,7 +3220,7 @@
           <a:cs typeface="+mn-cs"/>
         </a:defRPr>
       </a:lvl2pPr>
-      <a:lvl3pPr marL="1143006" indent="-228601" algn="l" defTabSz="914404" rtl="0" eaLnBrk="1" latinLnBrk="0" hangingPunct="1">
+      <a:lvl3pPr marL="1143049" indent="-228609" algn="l" defTabSz="914439" rtl="0" eaLnBrk="1" latinLnBrk="0" hangingPunct="1">
         <a:spcBef>
           <a:spcPct val="20000"/>
         </a:spcBef>
@@ -3235,13 +3235,13 @@
           <a:cs typeface="+mn-cs"/>
         </a:defRPr>
       </a:lvl3pPr>
-      <a:lvl4pPr marL="1600206" indent="-228601" algn="l" defTabSz="914404" rtl="0" eaLnBrk="1" latinLnBrk="0" hangingPunct="1">
+      <a:lvl4pPr marL="1600266" indent="-228609" algn="l" defTabSz="914439" rtl="0" eaLnBrk="1" latinLnBrk="0" hangingPunct="1">
         <a:spcBef>
           <a:spcPct val="20000"/>
         </a:spcBef>
         <a:buFont typeface="Arial" panose="020B0604020202020204" pitchFamily="34" charset="0"/>
         <a:buChar char="–"/>
-        <a:defRPr sz="2000" kern="1200">
+        <a:defRPr sz="2001" kern="1200">
           <a:solidFill>
             <a:schemeClr val="tx1"/>
           </a:solidFill>
@@ -3250,13 +3250,13 @@
           <a:cs typeface="+mn-cs"/>
         </a:defRPr>
       </a:lvl4pPr>
-      <a:lvl5pPr marL="2057409" indent="-228601" algn="l" defTabSz="914404" rtl="0" eaLnBrk="1" latinLnBrk="0" hangingPunct="1">
+      <a:lvl5pPr marL="2057487" indent="-228609" algn="l" defTabSz="914439" rtl="0" eaLnBrk="1" latinLnBrk="0" hangingPunct="1">
         <a:spcBef>
           <a:spcPct val="20000"/>
         </a:spcBef>
         <a:buFont typeface="Arial" panose="020B0604020202020204" pitchFamily="34" charset="0"/>
         <a:buChar char="»"/>
-        <a:defRPr sz="2000" kern="1200">
+        <a:defRPr sz="2001" kern="1200">
           <a:solidFill>
             <a:schemeClr val="tx1"/>
           </a:solidFill>
@@ -3265,13 +3265,13 @@
           <a:cs typeface="+mn-cs"/>
         </a:defRPr>
       </a:lvl5pPr>
-      <a:lvl6pPr marL="2514610" indent="-228601" algn="l" defTabSz="914404" rtl="0" eaLnBrk="1" latinLnBrk="0" hangingPunct="1">
+      <a:lvl6pPr marL="2514705" indent="-228609" algn="l" defTabSz="914439" rtl="0" eaLnBrk="1" latinLnBrk="0" hangingPunct="1">
         <a:spcBef>
           <a:spcPct val="20000"/>
         </a:spcBef>
         <a:buFont typeface="Arial" panose="020B0604020202020204" pitchFamily="34" charset="0"/>
         <a:buChar char="•"/>
-        <a:defRPr sz="2000" kern="1200">
+        <a:defRPr sz="2001" kern="1200">
           <a:solidFill>
             <a:schemeClr val="tx1"/>
           </a:solidFill>
@@ -3280,13 +3280,13 @@
           <a:cs typeface="+mn-cs"/>
         </a:defRPr>
       </a:lvl6pPr>
-      <a:lvl7pPr marL="2971813" indent="-228601" algn="l" defTabSz="914404" rtl="0" eaLnBrk="1" latinLnBrk="0" hangingPunct="1">
+      <a:lvl7pPr marL="2971926" indent="-228609" algn="l" defTabSz="914439" rtl="0" eaLnBrk="1" latinLnBrk="0" hangingPunct="1">
         <a:spcBef>
           <a:spcPct val="20000"/>
         </a:spcBef>
         <a:buFont typeface="Arial" panose="020B0604020202020204" pitchFamily="34" charset="0"/>
         <a:buChar char="•"/>
-        <a:defRPr sz="2000" kern="1200">
+        <a:defRPr sz="2001" kern="1200">
           <a:solidFill>
             <a:schemeClr val="tx1"/>
           </a:solidFill>
@@ -3295,13 +3295,13 @@
           <a:cs typeface="+mn-cs"/>
         </a:defRPr>
       </a:lvl7pPr>
-      <a:lvl8pPr marL="3429015" indent="-228601" algn="l" defTabSz="914404" rtl="0" eaLnBrk="1" latinLnBrk="0" hangingPunct="1">
+      <a:lvl8pPr marL="3429144" indent="-228609" algn="l" defTabSz="914439" rtl="0" eaLnBrk="1" latinLnBrk="0" hangingPunct="1">
         <a:spcBef>
           <a:spcPct val="20000"/>
         </a:spcBef>
         <a:buFont typeface="Arial" panose="020B0604020202020204" pitchFamily="34" charset="0"/>
         <a:buChar char="•"/>
-        <a:defRPr sz="2000" kern="1200">
+        <a:defRPr sz="2001" kern="1200">
           <a:solidFill>
             <a:schemeClr val="tx1"/>
           </a:solidFill>
@@ -3310,13 +3310,13 @@
           <a:cs typeface="+mn-cs"/>
         </a:defRPr>
       </a:lvl8pPr>
-      <a:lvl9pPr marL="3886215" indent="-228601" algn="l" defTabSz="914404" rtl="0" eaLnBrk="1" latinLnBrk="0" hangingPunct="1">
+      <a:lvl9pPr marL="3886362" indent="-228609" algn="l" defTabSz="914439" rtl="0" eaLnBrk="1" latinLnBrk="0" hangingPunct="1">
         <a:spcBef>
           <a:spcPct val="20000"/>
         </a:spcBef>
         <a:buFont typeface="Arial" panose="020B0604020202020204" pitchFamily="34" charset="0"/>
         <a:buChar char="•"/>
-        <a:defRPr sz="2000" kern="1200">
+        <a:defRPr sz="2001" kern="1200">
           <a:solidFill>
             <a:schemeClr val="tx1"/>
           </a:solidFill>
@@ -3330,8 +3330,8 @@
       <a:defPPr>
         <a:defRPr lang="en-US"/>
       </a:defPPr>
-      <a:lvl1pPr marL="0" algn="l" defTabSz="914404" rtl="0" eaLnBrk="1" latinLnBrk="0" hangingPunct="1">
-        <a:defRPr sz="1800" kern="1200">
+      <a:lvl1pPr marL="0" algn="l" defTabSz="914439" rtl="0" eaLnBrk="1" latinLnBrk="0" hangingPunct="1">
+        <a:defRPr sz="1801" kern="1200">
           <a:solidFill>
             <a:schemeClr val="tx1"/>
           </a:solidFill>
@@ -3340,8 +3340,8 @@
           <a:cs typeface="+mn-cs"/>
         </a:defRPr>
       </a:lvl1pPr>
-      <a:lvl2pPr marL="457203" algn="l" defTabSz="914404" rtl="0" eaLnBrk="1" latinLnBrk="0" hangingPunct="1">
-        <a:defRPr sz="1800" kern="1200">
+      <a:lvl2pPr marL="457221" algn="l" defTabSz="914439" rtl="0" eaLnBrk="1" latinLnBrk="0" hangingPunct="1">
+        <a:defRPr sz="1801" kern="1200">
           <a:solidFill>
             <a:schemeClr val="tx1"/>
           </a:solidFill>
@@ -3350,8 +3350,8 @@
           <a:cs typeface="+mn-cs"/>
         </a:defRPr>
       </a:lvl2pPr>
-      <a:lvl3pPr marL="914404" algn="l" defTabSz="914404" rtl="0" eaLnBrk="1" latinLnBrk="0" hangingPunct="1">
-        <a:defRPr sz="1800" kern="1200">
+      <a:lvl3pPr marL="914439" algn="l" defTabSz="914439" rtl="0" eaLnBrk="1" latinLnBrk="0" hangingPunct="1">
+        <a:defRPr sz="1801" kern="1200">
           <a:solidFill>
             <a:schemeClr val="tx1"/>
           </a:solidFill>
@@ -3360,8 +3360,8 @@
           <a:cs typeface="+mn-cs"/>
         </a:defRPr>
       </a:lvl3pPr>
-      <a:lvl4pPr marL="1371605" algn="l" defTabSz="914404" rtl="0" eaLnBrk="1" latinLnBrk="0" hangingPunct="1">
-        <a:defRPr sz="1800" kern="1200">
+      <a:lvl4pPr marL="1371657" algn="l" defTabSz="914439" rtl="0" eaLnBrk="1" latinLnBrk="0" hangingPunct="1">
+        <a:defRPr sz="1801" kern="1200">
           <a:solidFill>
             <a:schemeClr val="tx1"/>
           </a:solidFill>
@@ -3370,8 +3370,8 @@
           <a:cs typeface="+mn-cs"/>
         </a:defRPr>
       </a:lvl4pPr>
-      <a:lvl5pPr marL="1828805" algn="l" defTabSz="914404" rtl="0" eaLnBrk="1" latinLnBrk="0" hangingPunct="1">
-        <a:defRPr sz="1800" kern="1200">
+      <a:lvl5pPr marL="1828874" algn="l" defTabSz="914439" rtl="0" eaLnBrk="1" latinLnBrk="0" hangingPunct="1">
+        <a:defRPr sz="1801" kern="1200">
           <a:solidFill>
             <a:schemeClr val="tx1"/>
           </a:solidFill>
@@ -3380,8 +3380,8 @@
           <a:cs typeface="+mn-cs"/>
         </a:defRPr>
       </a:lvl5pPr>
-      <a:lvl6pPr marL="2286009" algn="l" defTabSz="914404" rtl="0" eaLnBrk="1" latinLnBrk="0" hangingPunct="1">
-        <a:defRPr sz="1800" kern="1200">
+      <a:lvl6pPr marL="2286095" algn="l" defTabSz="914439" rtl="0" eaLnBrk="1" latinLnBrk="0" hangingPunct="1">
+        <a:defRPr sz="1801" kern="1200">
           <a:solidFill>
             <a:schemeClr val="tx1"/>
           </a:solidFill>
@@ -3390,8 +3390,8 @@
           <a:cs typeface="+mn-cs"/>
         </a:defRPr>
       </a:lvl6pPr>
-      <a:lvl7pPr marL="2743213" algn="l" defTabSz="914404" rtl="0" eaLnBrk="1" latinLnBrk="0" hangingPunct="1">
-        <a:defRPr sz="1800" kern="1200">
+      <a:lvl7pPr marL="2743317" algn="l" defTabSz="914439" rtl="0" eaLnBrk="1" latinLnBrk="0" hangingPunct="1">
+        <a:defRPr sz="1801" kern="1200">
           <a:solidFill>
             <a:schemeClr val="tx1"/>
           </a:solidFill>
@@ -3400,8 +3400,8 @@
           <a:cs typeface="+mn-cs"/>
         </a:defRPr>
       </a:lvl7pPr>
-      <a:lvl8pPr marL="3200413" algn="l" defTabSz="914404" rtl="0" eaLnBrk="1" latinLnBrk="0" hangingPunct="1">
-        <a:defRPr sz="1800" kern="1200">
+      <a:lvl8pPr marL="3200534" algn="l" defTabSz="914439" rtl="0" eaLnBrk="1" latinLnBrk="0" hangingPunct="1">
+        <a:defRPr sz="1801" kern="1200">
           <a:solidFill>
             <a:schemeClr val="tx1"/>
           </a:solidFill>
@@ -3410,8 +3410,8 @@
           <a:cs typeface="+mn-cs"/>
         </a:defRPr>
       </a:lvl8pPr>
-      <a:lvl9pPr marL="3657614" algn="l" defTabSz="914404" rtl="0" eaLnBrk="1" latinLnBrk="0" hangingPunct="1">
-        <a:defRPr sz="1800" kern="1200">
+      <a:lvl9pPr marL="3657752" algn="l" defTabSz="914439" rtl="0" eaLnBrk="1" latinLnBrk="0" hangingPunct="1">
+        <a:defRPr sz="1801" kern="1200">
           <a:solidFill>
             <a:schemeClr val="tx1"/>
           </a:solidFill>
@@ -3450,8 +3450,8 @@
         </p:nvSpPr>
         <p:spPr>
           <a:xfrm>
-            <a:off x="997877" y="1680299"/>
-            <a:ext cx="12884810" cy="6545390"/>
+            <a:off x="1025300" y="1704440"/>
+            <a:ext cx="10475928" cy="7971372"/>
           </a:xfrm>
           <a:prstGeom prst="roundRect">
             <a:avLst>
@@ -3505,13 +3505,66 @@
       </p:sp>
       <p:sp>
         <p:nvSpPr>
+          <p:cNvPr id="55" name="Rectangle 54">
+            <a:extLst>
+              <a:ext uri="{FF2B5EF4-FFF2-40B4-BE49-F238E27FC236}">
+                <a16:creationId xmlns:a16="http://schemas.microsoft.com/office/drawing/2014/main" id="{F301FED8-AC74-405D-8269-71E36ED7D7EC}"/>
+              </a:ext>
+            </a:extLst>
+          </p:cNvPr>
+          <p:cNvSpPr/>
+          <p:nvPr/>
+        </p:nvSpPr>
+        <p:spPr>
+          <a:xfrm>
+            <a:off x="6736563" y="3232588"/>
+            <a:ext cx="147046" cy="184666"/>
+          </a:xfrm>
+          <a:prstGeom prst="rect">
+            <a:avLst/>
+          </a:prstGeom>
+          <a:solidFill>
+            <a:srgbClr val="0070C0"/>
+          </a:solidFill>
+          <a:ln>
+            <a:solidFill>
+              <a:srgbClr val="0070C0"/>
+            </a:solidFill>
+          </a:ln>
+          <a:effectLst/>
+        </p:spPr>
+        <p:style>
+          <a:lnRef idx="1">
+            <a:schemeClr val="accent3"/>
+          </a:lnRef>
+          <a:fillRef idx="2">
+            <a:schemeClr val="accent3"/>
+          </a:fillRef>
+          <a:effectRef idx="1">
+            <a:schemeClr val="accent3"/>
+          </a:effectRef>
+          <a:fontRef idx="minor">
+            <a:schemeClr val="dk1"/>
+          </a:fontRef>
+        </p:style>
+        <p:txBody>
+          <a:bodyPr rtlCol="0" anchor="ctr"/>
+          <a:lstStyle/>
+          <a:p>
+            <a:pPr algn="ctr"/>
+            <a:endParaRPr lang="en-SG" sz="1401" dirty="0"/>
+          </a:p>
+        </p:txBody>
+      </p:sp>
+      <p:sp>
+        <p:nvSpPr>
           <p:cNvPr id="2" name="Rectangle 62"/>
           <p:cNvSpPr/>
           <p:nvPr/>
         </p:nvSpPr>
         <p:spPr>
           <a:xfrm>
-            <a:off x="2053373" y="2020104"/>
+            <a:off x="2369495" y="2032354"/>
             <a:ext cx="1455630" cy="346759"/>
           </a:xfrm>
           <a:prstGeom prst="rect">
@@ -3572,8 +3625,8 @@
         </p:nvCxnSpPr>
         <p:spPr>
           <a:xfrm>
-            <a:off x="2781184" y="2383778"/>
-            <a:ext cx="0" cy="5815521"/>
+            <a:off x="2984301" y="2396028"/>
+            <a:ext cx="0" cy="6289184"/>
           </a:xfrm>
           <a:prstGeom prst="line">
             <a:avLst/>
@@ -3609,8 +3662,8 @@
         </p:nvSpPr>
         <p:spPr>
           <a:xfrm>
-            <a:off x="2709176" y="2734472"/>
-            <a:ext cx="149360" cy="5344595"/>
+            <a:off x="2921210" y="2746721"/>
+            <a:ext cx="153994" cy="5674476"/>
           </a:xfrm>
           <a:prstGeom prst="rect">
             <a:avLst/>
@@ -3656,7 +3709,7 @@
         </p:nvSpPr>
         <p:spPr>
           <a:xfrm>
-            <a:off x="4172098" y="2034657"/>
+            <a:off x="4488222" y="2046907"/>
             <a:ext cx="1600201" cy="346757"/>
           </a:xfrm>
           <a:prstGeom prst="rect">
@@ -3727,9 +3780,9 @@
           <p:nvPr/>
         </p:nvCxnSpPr>
         <p:spPr>
-          <a:xfrm>
-            <a:off x="4992654" y="2381415"/>
-            <a:ext cx="0" cy="5474824"/>
+          <a:xfrm flipH="1">
+            <a:off x="5192221" y="2372861"/>
+            <a:ext cx="11286" cy="2682430"/>
           </a:xfrm>
           <a:prstGeom prst="line">
             <a:avLst/>
@@ -3765,8 +3818,8 @@
         </p:nvSpPr>
         <p:spPr>
           <a:xfrm>
-            <a:off x="4917824" y="2871965"/>
-            <a:ext cx="147046" cy="4852155"/>
+            <a:off x="5131009" y="2884216"/>
+            <a:ext cx="133696" cy="1920555"/>
           </a:xfrm>
           <a:prstGeom prst="rect">
             <a:avLst/>
@@ -3804,16 +3857,377 @@
           </a:p>
         </p:txBody>
       </p:sp>
-      <p:sp>
-        <p:nvSpPr>
-          <p:cNvPr id="21" name="Rectangle 20"/>
+      <p:cxnSp>
+        <p:nvCxnSpPr>
+          <p:cNvPr id="23" name="Straight Arrow Connector 22"/>
+          <p:cNvCxnSpPr>
+            <a:cxnSpLocks/>
+          </p:cNvCxnSpPr>
+          <p:nvPr/>
+        </p:nvCxnSpPr>
+        <p:spPr>
+          <a:xfrm>
+            <a:off x="1354253" y="2746721"/>
+            <a:ext cx="1566956" cy="0"/>
+          </a:xfrm>
+          <a:prstGeom prst="straightConnector1">
+            <a:avLst/>
+          </a:prstGeom>
+          <a:ln w="19050">
+            <a:solidFill>
+              <a:srgbClr val="00B050"/>
+            </a:solidFill>
+            <a:tailEnd type="arrow"/>
+          </a:ln>
+        </p:spPr>
+        <p:style>
+          <a:lnRef idx="1">
+            <a:schemeClr val="accent1"/>
+          </a:lnRef>
+          <a:fillRef idx="0">
+            <a:schemeClr val="accent1"/>
+          </a:fillRef>
+          <a:effectRef idx="0">
+            <a:schemeClr val="accent1"/>
+          </a:effectRef>
+          <a:fontRef idx="minor">
+            <a:schemeClr val="tx1"/>
+          </a:fontRef>
+        </p:style>
+      </p:cxnSp>
+      <p:sp>
+        <p:nvSpPr>
+          <p:cNvPr id="26" name="TextBox 25"/>
+          <p:cNvSpPr txBox="1"/>
+          <p:nvPr/>
+        </p:nvSpPr>
+        <p:spPr>
+          <a:xfrm>
+            <a:off x="1243155" y="2779303"/>
+            <a:ext cx="1605901" cy="553998"/>
+          </a:xfrm>
+          <a:prstGeom prst="rect">
+            <a:avLst/>
+          </a:prstGeom>
+          <a:noFill/>
+        </p:spPr>
+        <p:txBody>
+          <a:bodyPr wrap="square" lIns="0" tIns="0" rIns="0" bIns="0" rtlCol="0">
+            <a:spAutoFit/>
+          </a:bodyPr>
+          <a:lstStyle/>
+          <a:p>
+            <a:pPr algn="r"/>
+            <a:r>
+              <a:rPr lang="en-US" sz="1200" dirty="0">
+                <a:solidFill>
+                  <a:srgbClr val="0070C0"/>
+                </a:solidFill>
+              </a:rPr>
+              <a:t>execute(“addscreening c/1 m/1 th/1 h/28/03/2018 11:30”)</a:t>
+            </a:r>
+          </a:p>
+        </p:txBody>
+      </p:sp>
+      <p:cxnSp>
+        <p:nvCxnSpPr>
+          <p:cNvPr id="67" name="Straight Arrow Connector 66">
+            <a:extLst>
+              <a:ext uri="{FF2B5EF4-FFF2-40B4-BE49-F238E27FC236}">
+                <a16:creationId xmlns:a16="http://schemas.microsoft.com/office/drawing/2014/main" id="{D881596E-177C-4FDC-8E60-CAB90B3D5FAB}"/>
+              </a:ext>
+            </a:extLst>
+          </p:cNvPr>
+          <p:cNvCxnSpPr>
+            <a:cxnSpLocks/>
+          </p:cNvCxnSpPr>
+          <p:nvPr/>
+        </p:nvCxnSpPr>
+        <p:spPr>
+          <a:xfrm>
+            <a:off x="2997409" y="2906262"/>
+            <a:ext cx="2136546" cy="0"/>
+          </a:xfrm>
+          <a:prstGeom prst="straightConnector1">
+            <a:avLst/>
+          </a:prstGeom>
+          <a:ln w="19050">
+            <a:solidFill>
+              <a:srgbClr val="0070C0"/>
+            </a:solidFill>
+            <a:tailEnd type="arrow"/>
+          </a:ln>
+        </p:spPr>
+        <p:style>
+          <a:lnRef idx="1">
+            <a:schemeClr val="accent1"/>
+          </a:lnRef>
+          <a:fillRef idx="0">
+            <a:schemeClr val="accent1"/>
+          </a:fillRef>
+          <a:effectRef idx="0">
+            <a:schemeClr val="accent1"/>
+          </a:effectRef>
+          <a:fontRef idx="minor">
+            <a:schemeClr val="tx1"/>
+          </a:fontRef>
+        </p:style>
+      </p:cxnSp>
+      <p:sp>
+        <p:nvSpPr>
+          <p:cNvPr id="47" name="Rectangle 62">
+            <a:extLst>
+              <a:ext uri="{FF2B5EF4-FFF2-40B4-BE49-F238E27FC236}">
+                <a16:creationId xmlns:a16="http://schemas.microsoft.com/office/drawing/2014/main" id="{5F2E68EC-E448-4ED0-AC40-4FF840B93273}"/>
+              </a:ext>
+            </a:extLst>
+          </p:cNvPr>
           <p:cNvSpPr/>
           <p:nvPr/>
         </p:nvSpPr>
         <p:spPr>
           <a:xfrm>
-            <a:off x="6235414" y="3138770"/>
-            <a:ext cx="269371" cy="4153316"/>
+            <a:off x="6279586" y="2883268"/>
+            <a:ext cx="1462275" cy="346757"/>
+          </a:xfrm>
+          <a:prstGeom prst="rect">
+            <a:avLst/>
+          </a:prstGeom>
+          <a:solidFill>
+            <a:srgbClr val="0070C0"/>
+          </a:solidFill>
+          <a:ln w="19050">
+            <a:solidFill>
+              <a:srgbClr val="0070C0"/>
+            </a:solidFill>
+          </a:ln>
+          <a:effectLst/>
+        </p:spPr>
+        <p:style>
+          <a:lnRef idx="1">
+            <a:schemeClr val="accent2"/>
+          </a:lnRef>
+          <a:fillRef idx="2">
+            <a:schemeClr val="accent2"/>
+          </a:fillRef>
+          <a:effectRef idx="1">
+            <a:schemeClr val="accent2"/>
+          </a:effectRef>
+          <a:fontRef idx="minor">
+            <a:schemeClr val="dk1"/>
+          </a:fontRef>
+        </p:style>
+        <p:txBody>
+          <a:bodyPr rtlCol="0" anchor="ctr"/>
+          <a:lstStyle/>
+          <a:p>
+            <a:pPr algn="ctr"/>
+            <a:r>
+              <a:rPr lang="en-US" sz="1400" dirty="0">
+                <a:solidFill>
+                  <a:schemeClr val="bg1"/>
+                </a:solidFill>
+              </a:rPr>
+              <a:t>:AddScreening</a:t>
+            </a:r>
+          </a:p>
+          <a:p>
+            <a:pPr algn="ctr"/>
+            <a:r>
+              <a:rPr lang="en-US" sz="1400" dirty="0">
+                <a:solidFill>
+                  <a:schemeClr val="bg1"/>
+                </a:solidFill>
+              </a:rPr>
+              <a:t>CommandParser</a:t>
+            </a:r>
+            <a:endParaRPr lang="en-SG" sz="1400" dirty="0">
+              <a:solidFill>
+                <a:schemeClr val="bg1"/>
+              </a:solidFill>
+            </a:endParaRPr>
+          </a:p>
+        </p:txBody>
+      </p:sp>
+      <p:sp>
+        <p:nvSpPr>
+          <p:cNvPr id="117" name="Rectangle 62">
+            <a:extLst>
+              <a:ext uri="{FF2B5EF4-FFF2-40B4-BE49-F238E27FC236}">
+                <a16:creationId xmlns:a16="http://schemas.microsoft.com/office/drawing/2014/main" id="{B58DEF2D-78A2-4E16-8437-AA3F3C8E9A82}"/>
+              </a:ext>
+            </a:extLst>
+          </p:cNvPr>
+          <p:cNvSpPr/>
+          <p:nvPr/>
+        </p:nvSpPr>
+        <p:spPr>
+          <a:xfrm>
+            <a:off x="7615037" y="4083506"/>
+            <a:ext cx="1888802" cy="361169"/>
+          </a:xfrm>
+          <a:prstGeom prst="rect">
+            <a:avLst/>
+          </a:prstGeom>
+          <a:solidFill>
+            <a:srgbClr val="0070C0"/>
+          </a:solidFill>
+          <a:ln w="19050">
+            <a:solidFill>
+              <a:srgbClr val="0070C0"/>
+            </a:solidFill>
+          </a:ln>
+          <a:effectLst/>
+        </p:spPr>
+        <p:style>
+          <a:lnRef idx="1">
+            <a:schemeClr val="accent2"/>
+          </a:lnRef>
+          <a:fillRef idx="2">
+            <a:schemeClr val="accent2"/>
+          </a:fillRef>
+          <a:effectRef idx="1">
+            <a:schemeClr val="accent2"/>
+          </a:effectRef>
+          <a:fontRef idx="minor">
+            <a:schemeClr val="dk1"/>
+          </a:fontRef>
+        </p:style>
+        <p:txBody>
+          <a:bodyPr rtlCol="0" anchor="ctr"/>
+          <a:lstStyle/>
+          <a:p>
+            <a:pPr algn="ctr"/>
+            <a:r>
+              <a:rPr lang="en-US" sz="1401" dirty="0">
+                <a:solidFill>
+                  <a:schemeClr val="bg1"/>
+                </a:solidFill>
+              </a:rPr>
+              <a:t>as:</a:t>
+            </a:r>
+            <a:r>
+              <a:rPr lang="en-US" sz="1201" dirty="0">
+                <a:solidFill>
+                  <a:schemeClr val="bg1"/>
+                </a:solidFill>
+              </a:rPr>
+              <a:t>AddScreeningCommand</a:t>
+            </a:r>
+            <a:endParaRPr lang="en-SG" sz="1201" dirty="0">
+              <a:solidFill>
+                <a:schemeClr val="bg1"/>
+              </a:solidFill>
+            </a:endParaRPr>
+          </a:p>
+        </p:txBody>
+      </p:sp>
+      <p:cxnSp>
+        <p:nvCxnSpPr>
+          <p:cNvPr id="121" name="Straight Arrow Connector 120">
+            <a:extLst>
+              <a:ext uri="{FF2B5EF4-FFF2-40B4-BE49-F238E27FC236}">
+                <a16:creationId xmlns:a16="http://schemas.microsoft.com/office/drawing/2014/main" id="{7C84B441-ECAD-4BD1-8561-29C33A7A1100}"/>
+              </a:ext>
+            </a:extLst>
+          </p:cNvPr>
+          <p:cNvCxnSpPr>
+            <a:cxnSpLocks/>
+          </p:cNvCxnSpPr>
+          <p:nvPr/>
+        </p:nvCxnSpPr>
+        <p:spPr>
+          <a:xfrm>
+            <a:off x="6883610" y="4277862"/>
+            <a:ext cx="731428" cy="0"/>
+          </a:xfrm>
+          <a:prstGeom prst="straightConnector1">
+            <a:avLst/>
+          </a:prstGeom>
+          <a:ln w="19050">
+            <a:solidFill>
+              <a:srgbClr val="0070C0"/>
+            </a:solidFill>
+            <a:tailEnd type="arrow"/>
+          </a:ln>
+        </p:spPr>
+        <p:style>
+          <a:lnRef idx="1">
+            <a:schemeClr val="accent1"/>
+          </a:lnRef>
+          <a:fillRef idx="0">
+            <a:schemeClr val="accent1"/>
+          </a:fillRef>
+          <a:effectRef idx="0">
+            <a:schemeClr val="accent1"/>
+          </a:effectRef>
+          <a:fontRef idx="minor">
+            <a:schemeClr val="tx1"/>
+          </a:fontRef>
+        </p:style>
+      </p:cxnSp>
+      <p:cxnSp>
+        <p:nvCxnSpPr>
+          <p:cNvPr id="129" name="Straight Connector 128">
+            <a:extLst>
+              <a:ext uri="{FF2B5EF4-FFF2-40B4-BE49-F238E27FC236}">
+                <a16:creationId xmlns:a16="http://schemas.microsoft.com/office/drawing/2014/main" id="{5A4A1524-1C3E-4A9D-A6B4-661CF4D59487}"/>
+              </a:ext>
+            </a:extLst>
+          </p:cNvPr>
+          <p:cNvCxnSpPr>
+            <a:cxnSpLocks/>
+            <a:endCxn id="131" idx="2"/>
+          </p:cNvCxnSpPr>
+          <p:nvPr/>
+        </p:nvCxnSpPr>
+        <p:spPr>
+          <a:xfrm flipH="1">
+            <a:off x="8403416" y="4475081"/>
+            <a:ext cx="79276" cy="142991"/>
+          </a:xfrm>
+          <a:prstGeom prst="line">
+            <a:avLst/>
+          </a:prstGeom>
+          <a:ln w="19050">
+            <a:solidFill>
+              <a:srgbClr val="0070C0"/>
+            </a:solidFill>
+            <a:prstDash val="sysDash"/>
+          </a:ln>
+          <a:effectLst/>
+        </p:spPr>
+        <p:style>
+          <a:lnRef idx="1">
+            <a:schemeClr val="accent1"/>
+          </a:lnRef>
+          <a:fillRef idx="2">
+            <a:schemeClr val="accent1"/>
+          </a:fillRef>
+          <a:effectRef idx="1">
+            <a:schemeClr val="accent1"/>
+          </a:effectRef>
+          <a:fontRef idx="minor">
+            <a:schemeClr val="dk1"/>
+          </a:fontRef>
+        </p:style>
+      </p:cxnSp>
+      <p:sp>
+        <p:nvSpPr>
+          <p:cNvPr id="131" name="Rectangle 130">
+            <a:extLst>
+              <a:ext uri="{FF2B5EF4-FFF2-40B4-BE49-F238E27FC236}">
+                <a16:creationId xmlns:a16="http://schemas.microsoft.com/office/drawing/2014/main" id="{8FC1701C-AEEC-480A-8B77-D241046DEF96}"/>
+              </a:ext>
+            </a:extLst>
+          </p:cNvPr>
+          <p:cNvSpPr/>
+          <p:nvPr/>
+        </p:nvSpPr>
+        <p:spPr>
+          <a:xfrm>
+            <a:off x="8329894" y="4433405"/>
+            <a:ext cx="147044" cy="184666"/>
           </a:xfrm>
           <a:prstGeom prst="rect">
             <a:avLst/>
@@ -3851,25 +4265,111 @@
           </a:p>
         </p:txBody>
       </p:sp>
+      <p:sp>
+        <p:nvSpPr>
+          <p:cNvPr id="145" name="Rectangle 62">
+            <a:extLst>
+              <a:ext uri="{FF2B5EF4-FFF2-40B4-BE49-F238E27FC236}">
+                <a16:creationId xmlns:a16="http://schemas.microsoft.com/office/drawing/2014/main" id="{3B6833F7-AE61-4ACE-B355-33AE996BA9D3}"/>
+              </a:ext>
+            </a:extLst>
+          </p:cNvPr>
+          <p:cNvSpPr/>
+          <p:nvPr/>
+        </p:nvSpPr>
+        <p:spPr>
+          <a:xfrm>
+            <a:off x="11546267" y="5839267"/>
+            <a:ext cx="777293" cy="319051"/>
+          </a:xfrm>
+          <a:prstGeom prst="rect">
+            <a:avLst/>
+          </a:prstGeom>
+          <a:solidFill>
+            <a:schemeClr val="accent4">
+              <a:lumMod val="60000"/>
+              <a:lumOff val="40000"/>
+            </a:schemeClr>
+          </a:solidFill>
+          <a:ln w="19050">
+            <a:solidFill>
+              <a:schemeClr val="accent4">
+                <a:lumMod val="60000"/>
+                <a:lumOff val="40000"/>
+              </a:schemeClr>
+            </a:solidFill>
+          </a:ln>
+          <a:effectLst/>
+        </p:spPr>
+        <p:style>
+          <a:lnRef idx="1">
+            <a:schemeClr val="accent2"/>
+          </a:lnRef>
+          <a:fillRef idx="2">
+            <a:schemeClr val="accent2"/>
+          </a:fillRef>
+          <a:effectRef idx="1">
+            <a:schemeClr val="accent2"/>
+          </a:effectRef>
+          <a:fontRef idx="minor">
+            <a:schemeClr val="dk1"/>
+          </a:fontRef>
+        </p:style>
+        <p:txBody>
+          <a:bodyPr rtlCol="0" anchor="ctr"/>
+          <a:lstStyle/>
+          <a:p>
+            <a:pPr algn="ctr"/>
+            <a:r>
+              <a:rPr lang="en-US" sz="1401" dirty="0">
+                <a:solidFill>
+                  <a:schemeClr val="bg1"/>
+                </a:solidFill>
+              </a:rPr>
+              <a:t>:</a:t>
+            </a:r>
+            <a:r>
+              <a:rPr lang="en-US" sz="1201" dirty="0">
+                <a:solidFill>
+                  <a:schemeClr val="bg1"/>
+                </a:solidFill>
+              </a:rPr>
+              <a:t>Model</a:t>
+            </a:r>
+            <a:endParaRPr lang="en-SG" sz="1201" dirty="0">
+              <a:solidFill>
+                <a:schemeClr val="bg1"/>
+              </a:solidFill>
+            </a:endParaRPr>
+          </a:p>
+        </p:txBody>
+      </p:sp>
       <p:cxnSp>
         <p:nvCxnSpPr>
-          <p:cNvPr id="23" name="Straight Arrow Connector 22"/>
+          <p:cNvPr id="158" name="Straight Arrow Connector 157">
+            <a:extLst>
+              <a:ext uri="{FF2B5EF4-FFF2-40B4-BE49-F238E27FC236}">
+                <a16:creationId xmlns:a16="http://schemas.microsoft.com/office/drawing/2014/main" id="{7A62F2D5-0EDD-481F-BE9B-84800CD3AD45}"/>
+              </a:ext>
+            </a:extLst>
+          </p:cNvPr>
           <p:cNvCxnSpPr>
             <a:cxnSpLocks/>
+            <a:endCxn id="99" idx="0"/>
           </p:cNvCxnSpPr>
           <p:nvPr/>
         </p:nvCxnSpPr>
         <p:spPr>
           <a:xfrm>
-            <a:off x="928687" y="2734472"/>
-            <a:ext cx="1780492" cy="3685"/>
+            <a:off x="8508517" y="7140886"/>
+            <a:ext cx="3425641" cy="0"/>
           </a:xfrm>
           <a:prstGeom prst="straightConnector1">
             <a:avLst/>
           </a:prstGeom>
           <a:ln w="19050">
             <a:solidFill>
-              <a:srgbClr val="00B050"/>
+              <a:srgbClr val="0070C0"/>
             </a:solidFill>
             <a:tailEnd type="arrow"/>
           </a:ln>
@@ -3891,88 +4391,20 @@
       </p:cxnSp>
       <p:sp>
         <p:nvSpPr>
-          <p:cNvPr id="26" name="TextBox 25"/>
+          <p:cNvPr id="161" name="TextBox 160">
+            <a:extLst>
+              <a:ext uri="{FF2B5EF4-FFF2-40B4-BE49-F238E27FC236}">
+                <a16:creationId xmlns:a16="http://schemas.microsoft.com/office/drawing/2014/main" id="{5306A512-3AA8-4E5F-AB07-9654003B97A0}"/>
+              </a:ext>
+            </a:extLst>
+          </p:cNvPr>
           <p:cNvSpPr txBox="1"/>
           <p:nvPr/>
         </p:nvSpPr>
         <p:spPr>
           <a:xfrm>
-            <a:off x="909396" y="2481932"/>
-            <a:ext cx="1819074" cy="184666"/>
-          </a:xfrm>
-          <a:prstGeom prst="rect">
-            <a:avLst/>
-          </a:prstGeom>
-          <a:noFill/>
-        </p:spPr>
-        <p:txBody>
-          <a:bodyPr wrap="square" lIns="0" tIns="0" rIns="0" bIns="0" rtlCol="0">
-            <a:spAutoFit/>
-          </a:bodyPr>
-          <a:lstStyle/>
-          <a:p>
-            <a:pPr algn="r"/>
-            <a:r>
-              <a:rPr lang="en-US" sz="1200" dirty="0">
-                <a:solidFill>
-                  <a:srgbClr val="0070C0"/>
-                </a:solidFill>
-              </a:rPr>
-              <a:t>execute(“addscreening”)</a:t>
-            </a:r>
-          </a:p>
-        </p:txBody>
-      </p:sp>
-      <p:cxnSp>
-        <p:nvCxnSpPr>
-          <p:cNvPr id="37" name="Straight Arrow Connector 36"/>
-          <p:cNvCxnSpPr>
-            <a:cxnSpLocks/>
-          </p:cNvCxnSpPr>
-          <p:nvPr/>
-        </p:nvCxnSpPr>
-        <p:spPr>
-          <a:xfrm>
-            <a:off x="909396" y="8075613"/>
-            <a:ext cx="1848091" cy="0"/>
-          </a:xfrm>
-          <a:prstGeom prst="straightConnector1">
-            <a:avLst/>
-          </a:prstGeom>
-          <a:ln w="19050">
-            <a:solidFill>
-              <a:schemeClr val="accent1"/>
-            </a:solidFill>
-            <a:prstDash val="sysDash"/>
-            <a:headEnd type="arrow" w="med" len="med"/>
-            <a:tailEnd type="none" w="med" len="med"/>
-          </a:ln>
-        </p:spPr>
-        <p:style>
-          <a:lnRef idx="1">
-            <a:schemeClr val="accent1"/>
-          </a:lnRef>
-          <a:fillRef idx="0">
-            <a:schemeClr val="accent1"/>
-          </a:fillRef>
-          <a:effectRef idx="0">
-            <a:schemeClr val="accent1"/>
-          </a:effectRef>
-          <a:fontRef idx="minor">
-            <a:schemeClr val="tx1"/>
-          </a:fontRef>
-        </p:style>
-      </p:cxnSp>
-      <p:sp>
-        <p:nvSpPr>
-          <p:cNvPr id="80" name="TextBox 79"/>
-          <p:cNvSpPr txBox="1"/>
-          <p:nvPr/>
-        </p:nvSpPr>
-        <p:spPr>
-          <a:xfrm>
-            <a:off x="2683253" y="2675170"/>
-            <a:ext cx="2288946" cy="184666"/>
+            <a:off x="9666376" y="6946107"/>
+            <a:ext cx="1764501" cy="184666"/>
           </a:xfrm>
           <a:prstGeom prst="rect">
             <a:avLst/>
@@ -3998,21 +4430,1263 @@
           <a:p>
             <a:r>
               <a:rPr lang="en-US" sz="1200" dirty="0"/>
-              <a:t>parseCommand(“addscreening”)</a:t>
-            </a:r>
-          </a:p>
-        </p:txBody>
-      </p:sp>
-      <p:sp>
-        <p:nvSpPr>
-          <p:cNvPr id="83" name="TextBox 82"/>
+              <a:t>updateCinema(old, new)</a:t>
+            </a:r>
+          </a:p>
+        </p:txBody>
+      </p:sp>
+      <p:cxnSp>
+        <p:nvCxnSpPr>
+          <p:cNvPr id="73" name="Straight Arrow Connector 72">
+            <a:extLst>
+              <a:ext uri="{FF2B5EF4-FFF2-40B4-BE49-F238E27FC236}">
+                <a16:creationId xmlns:a16="http://schemas.microsoft.com/office/drawing/2014/main" id="{7B29BB22-8F4A-47C2-A77B-A9A8D67BB09B}"/>
+              </a:ext>
+            </a:extLst>
+          </p:cNvPr>
+          <p:cNvCxnSpPr>
+            <a:cxnSpLocks/>
+            <a:endCxn id="47" idx="1"/>
+          </p:cNvCxnSpPr>
+          <p:nvPr/>
+        </p:nvCxnSpPr>
+        <p:spPr>
+          <a:xfrm>
+            <a:off x="5298120" y="3056646"/>
+            <a:ext cx="981465" cy="0"/>
+          </a:xfrm>
+          <a:prstGeom prst="straightConnector1">
+            <a:avLst/>
+          </a:prstGeom>
+          <a:ln w="19050">
+            <a:solidFill>
+              <a:srgbClr val="0070C0"/>
+            </a:solidFill>
+            <a:tailEnd type="arrow"/>
+          </a:ln>
+        </p:spPr>
+        <p:style>
+          <a:lnRef idx="1">
+            <a:schemeClr val="accent1"/>
+          </a:lnRef>
+          <a:fillRef idx="0">
+            <a:schemeClr val="accent1"/>
+          </a:fillRef>
+          <a:effectRef idx="0">
+            <a:schemeClr val="accent1"/>
+          </a:effectRef>
+          <a:fontRef idx="minor">
+            <a:schemeClr val="tx1"/>
+          </a:fontRef>
+        </p:style>
+      </p:cxnSp>
+      <p:cxnSp>
+        <p:nvCxnSpPr>
+          <p:cNvPr id="58" name="Straight Arrow Connector 57">
+            <a:extLst>
+              <a:ext uri="{FF2B5EF4-FFF2-40B4-BE49-F238E27FC236}">
+                <a16:creationId xmlns:a16="http://schemas.microsoft.com/office/drawing/2014/main" id="{E2809818-2E89-4323-B6A5-EAAAE77A3A46}"/>
+              </a:ext>
+            </a:extLst>
+          </p:cNvPr>
+          <p:cNvCxnSpPr>
+            <a:cxnSpLocks/>
+          </p:cNvCxnSpPr>
+          <p:nvPr/>
+        </p:nvCxnSpPr>
+        <p:spPr>
+          <a:xfrm>
+            <a:off x="5278056" y="3417254"/>
+            <a:ext cx="1532023" cy="0"/>
+          </a:xfrm>
+          <a:prstGeom prst="straightConnector1">
+            <a:avLst/>
+          </a:prstGeom>
+          <a:ln w="19050">
+            <a:solidFill>
+              <a:schemeClr val="accent1"/>
+            </a:solidFill>
+            <a:prstDash val="sysDash"/>
+            <a:headEnd type="arrow" w="med" len="med"/>
+            <a:tailEnd type="none" w="med" len="med"/>
+          </a:ln>
+        </p:spPr>
+        <p:style>
+          <a:lnRef idx="1">
+            <a:schemeClr val="accent1"/>
+          </a:lnRef>
+          <a:fillRef idx="0">
+            <a:schemeClr val="accent1"/>
+          </a:fillRef>
+          <a:effectRef idx="0">
+            <a:schemeClr val="accent1"/>
+          </a:effectRef>
+          <a:fontRef idx="minor">
+            <a:schemeClr val="tx1"/>
+          </a:fontRef>
+        </p:style>
+      </p:cxnSp>
+      <p:cxnSp>
+        <p:nvCxnSpPr>
+          <p:cNvPr id="65" name="Straight Connector 64">
+            <a:extLst>
+              <a:ext uri="{FF2B5EF4-FFF2-40B4-BE49-F238E27FC236}">
+                <a16:creationId xmlns:a16="http://schemas.microsoft.com/office/drawing/2014/main" id="{7DA86CC7-9979-449A-BD95-06A1A99E7130}"/>
+              </a:ext>
+            </a:extLst>
+          </p:cNvPr>
+          <p:cNvCxnSpPr>
+            <a:cxnSpLocks/>
+          </p:cNvCxnSpPr>
+          <p:nvPr/>
+        </p:nvCxnSpPr>
+        <p:spPr>
+          <a:xfrm>
+            <a:off x="6812763" y="3417256"/>
+            <a:ext cx="0" cy="1387515"/>
+          </a:xfrm>
+          <a:prstGeom prst="line">
+            <a:avLst/>
+          </a:prstGeom>
+          <a:ln w="19050">
+            <a:solidFill>
+              <a:srgbClr val="0070C0"/>
+            </a:solidFill>
+            <a:prstDash val="sysDash"/>
+          </a:ln>
+          <a:effectLst/>
+        </p:spPr>
+        <p:style>
+          <a:lnRef idx="1">
+            <a:schemeClr val="accent1"/>
+          </a:lnRef>
+          <a:fillRef idx="2">
+            <a:schemeClr val="accent1"/>
+          </a:fillRef>
+          <a:effectRef idx="1">
+            <a:schemeClr val="accent1"/>
+          </a:effectRef>
+          <a:fontRef idx="minor">
+            <a:schemeClr val="dk1"/>
+          </a:fontRef>
+        </p:style>
+      </p:cxnSp>
+      <p:sp>
+        <p:nvSpPr>
+          <p:cNvPr id="66" name="TextBox 65">
+            <a:extLst>
+              <a:ext uri="{FF2B5EF4-FFF2-40B4-BE49-F238E27FC236}">
+                <a16:creationId xmlns:a16="http://schemas.microsoft.com/office/drawing/2014/main" id="{AEC20461-22FE-443E-BAF2-F3E1428AA2AF}"/>
+              </a:ext>
+            </a:extLst>
+          </p:cNvPr>
           <p:cNvSpPr txBox="1"/>
           <p:nvPr/>
         </p:nvSpPr>
         <p:spPr>
           <a:xfrm>
-            <a:off x="1236328" y="7856239"/>
-            <a:ext cx="1296605" cy="184666"/>
+            <a:off x="3120244" y="2952682"/>
+            <a:ext cx="1989528" cy="553998"/>
+          </a:xfrm>
+          <a:prstGeom prst="rect">
+            <a:avLst/>
+          </a:prstGeom>
+          <a:noFill/>
+        </p:spPr>
+        <p:txBody>
+          <a:bodyPr wrap="square" lIns="0" tIns="0" rIns="0" bIns="0" rtlCol="0">
+            <a:spAutoFit/>
+          </a:bodyPr>
+          <a:lstStyle/>
+          <a:p>
+            <a:pPr algn="r"/>
+            <a:r>
+              <a:rPr lang="en-US" sz="1200" dirty="0">
+                <a:solidFill>
+                  <a:srgbClr val="0070C0"/>
+                </a:solidFill>
+              </a:rPr>
+              <a:t>parseCommand(“addscreening c/1 m/1 th/1</a:t>
+            </a:r>
+          </a:p>
+          <a:p>
+            <a:pPr algn="r"/>
+            <a:r>
+              <a:rPr lang="en-US" sz="1200" dirty="0">
+                <a:solidFill>
+                  <a:srgbClr val="0070C0"/>
+                </a:solidFill>
+              </a:rPr>
+              <a:t> h/28/03/2018 11:30”)</a:t>
+            </a:r>
+          </a:p>
+        </p:txBody>
+      </p:sp>
+      <p:sp>
+        <p:nvSpPr>
+          <p:cNvPr id="69" name="Rectangle 68">
+            <a:extLst>
+              <a:ext uri="{FF2B5EF4-FFF2-40B4-BE49-F238E27FC236}">
+                <a16:creationId xmlns:a16="http://schemas.microsoft.com/office/drawing/2014/main" id="{4C02068F-1B6F-495A-BA52-EB82EF2C0698}"/>
+              </a:ext>
+            </a:extLst>
+          </p:cNvPr>
+          <p:cNvSpPr/>
+          <p:nvPr/>
+        </p:nvSpPr>
+        <p:spPr>
+          <a:xfrm>
+            <a:off x="6736564" y="3762721"/>
+            <a:ext cx="147043" cy="906043"/>
+          </a:xfrm>
+          <a:prstGeom prst="rect">
+            <a:avLst/>
+          </a:prstGeom>
+          <a:solidFill>
+            <a:srgbClr val="0070C0"/>
+          </a:solidFill>
+          <a:ln>
+            <a:solidFill>
+              <a:srgbClr val="0070C0"/>
+            </a:solidFill>
+          </a:ln>
+          <a:effectLst/>
+        </p:spPr>
+        <p:style>
+          <a:lnRef idx="1">
+            <a:schemeClr val="accent3"/>
+          </a:lnRef>
+          <a:fillRef idx="2">
+            <a:schemeClr val="accent3"/>
+          </a:fillRef>
+          <a:effectRef idx="1">
+            <a:schemeClr val="accent3"/>
+          </a:effectRef>
+          <a:fontRef idx="minor">
+            <a:schemeClr val="dk1"/>
+          </a:fontRef>
+        </p:style>
+        <p:txBody>
+          <a:bodyPr rtlCol="0" anchor="ctr"/>
+          <a:lstStyle/>
+          <a:p>
+            <a:pPr algn="ctr"/>
+            <a:endParaRPr lang="en-SG" sz="1401" dirty="0"/>
+          </a:p>
+        </p:txBody>
+      </p:sp>
+      <p:cxnSp>
+        <p:nvCxnSpPr>
+          <p:cNvPr id="70" name="Straight Arrow Connector 69">
+            <a:extLst>
+              <a:ext uri="{FF2B5EF4-FFF2-40B4-BE49-F238E27FC236}">
+                <a16:creationId xmlns:a16="http://schemas.microsoft.com/office/drawing/2014/main" id="{AB0C8467-4450-45DD-97D9-753EAF165D7E}"/>
+              </a:ext>
+            </a:extLst>
+          </p:cNvPr>
+          <p:cNvCxnSpPr>
+            <a:cxnSpLocks/>
+            <a:endCxn id="69" idx="0"/>
+          </p:cNvCxnSpPr>
+          <p:nvPr/>
+        </p:nvCxnSpPr>
+        <p:spPr>
+          <a:xfrm flipV="1">
+            <a:off x="5298121" y="3762721"/>
+            <a:ext cx="1511965" cy="3856"/>
+          </a:xfrm>
+          <a:prstGeom prst="straightConnector1">
+            <a:avLst/>
+          </a:prstGeom>
+          <a:ln w="19050">
+            <a:solidFill>
+              <a:srgbClr val="0070C0"/>
+            </a:solidFill>
+            <a:tailEnd type="arrow"/>
+          </a:ln>
+        </p:spPr>
+        <p:style>
+          <a:lnRef idx="1">
+            <a:schemeClr val="accent1"/>
+          </a:lnRef>
+          <a:fillRef idx="0">
+            <a:schemeClr val="accent1"/>
+          </a:fillRef>
+          <a:effectRef idx="0">
+            <a:schemeClr val="accent1"/>
+          </a:effectRef>
+          <a:fontRef idx="minor">
+            <a:schemeClr val="tx1"/>
+          </a:fontRef>
+        </p:style>
+      </p:cxnSp>
+      <p:sp>
+        <p:nvSpPr>
+          <p:cNvPr id="71" name="TextBox 70">
+            <a:extLst>
+              <a:ext uri="{FF2B5EF4-FFF2-40B4-BE49-F238E27FC236}">
+                <a16:creationId xmlns:a16="http://schemas.microsoft.com/office/drawing/2014/main" id="{EDAB6999-A174-4C0F-9AF3-9F9DD19F53C5}"/>
+              </a:ext>
+            </a:extLst>
+          </p:cNvPr>
+          <p:cNvSpPr txBox="1"/>
+          <p:nvPr/>
+        </p:nvSpPr>
+        <p:spPr>
+          <a:xfrm>
+            <a:off x="5248548" y="3835578"/>
+            <a:ext cx="1455638" cy="369332"/>
+          </a:xfrm>
+          <a:prstGeom prst="rect">
+            <a:avLst/>
+          </a:prstGeom>
+          <a:noFill/>
+        </p:spPr>
+        <p:txBody>
+          <a:bodyPr wrap="square" lIns="0" tIns="0" rIns="0" bIns="0" rtlCol="0">
+            <a:spAutoFit/>
+          </a:bodyPr>
+          <a:lstStyle/>
+          <a:p>
+            <a:pPr algn="r"/>
+            <a:r>
+              <a:rPr lang="en-US" sz="1200" dirty="0">
+                <a:solidFill>
+                  <a:srgbClr val="0070C0"/>
+                </a:solidFill>
+              </a:rPr>
+              <a:t>parse (“c/1 m/1 th/1</a:t>
+            </a:r>
+          </a:p>
+          <a:p>
+            <a:pPr algn="r"/>
+            <a:r>
+              <a:rPr lang="en-US" sz="1200" dirty="0">
+                <a:solidFill>
+                  <a:srgbClr val="0070C0"/>
+                </a:solidFill>
+              </a:rPr>
+              <a:t> h/28/03/2018 11:30”)</a:t>
+            </a:r>
+          </a:p>
+        </p:txBody>
+      </p:sp>
+      <p:cxnSp>
+        <p:nvCxnSpPr>
+          <p:cNvPr id="76" name="Straight Arrow Connector 75">
+            <a:extLst>
+              <a:ext uri="{FF2B5EF4-FFF2-40B4-BE49-F238E27FC236}">
+                <a16:creationId xmlns:a16="http://schemas.microsoft.com/office/drawing/2014/main" id="{AD2F6B04-381B-450C-9CDE-CBE05F5017C4}"/>
+              </a:ext>
+            </a:extLst>
+          </p:cNvPr>
+          <p:cNvCxnSpPr>
+            <a:cxnSpLocks/>
+          </p:cNvCxnSpPr>
+          <p:nvPr/>
+        </p:nvCxnSpPr>
+        <p:spPr>
+          <a:xfrm>
+            <a:off x="5248547" y="4668762"/>
+            <a:ext cx="1488016" cy="0"/>
+          </a:xfrm>
+          <a:prstGeom prst="straightConnector1">
+            <a:avLst/>
+          </a:prstGeom>
+          <a:ln w="19050">
+            <a:solidFill>
+              <a:schemeClr val="accent1"/>
+            </a:solidFill>
+            <a:prstDash val="sysDash"/>
+            <a:headEnd type="arrow" w="med" len="med"/>
+            <a:tailEnd type="none" w="med" len="med"/>
+          </a:ln>
+        </p:spPr>
+        <p:style>
+          <a:lnRef idx="1">
+            <a:schemeClr val="accent1"/>
+          </a:lnRef>
+          <a:fillRef idx="0">
+            <a:schemeClr val="accent1"/>
+          </a:fillRef>
+          <a:effectRef idx="0">
+            <a:schemeClr val="accent1"/>
+          </a:effectRef>
+          <a:fontRef idx="minor">
+            <a:schemeClr val="tx1"/>
+          </a:fontRef>
+        </p:style>
+      </p:cxnSp>
+      <p:cxnSp>
+        <p:nvCxnSpPr>
+          <p:cNvPr id="84" name="Straight Arrow Connector 83">
+            <a:extLst>
+              <a:ext uri="{FF2B5EF4-FFF2-40B4-BE49-F238E27FC236}">
+                <a16:creationId xmlns:a16="http://schemas.microsoft.com/office/drawing/2014/main" id="{B16037E3-3054-4811-9F37-3CE94DB80A78}"/>
+              </a:ext>
+            </a:extLst>
+          </p:cNvPr>
+          <p:cNvCxnSpPr>
+            <a:cxnSpLocks/>
+          </p:cNvCxnSpPr>
+          <p:nvPr/>
+        </p:nvCxnSpPr>
+        <p:spPr>
+          <a:xfrm>
+            <a:off x="6871029" y="4618070"/>
+            <a:ext cx="1488016" cy="0"/>
+          </a:xfrm>
+          <a:prstGeom prst="straightConnector1">
+            <a:avLst/>
+          </a:prstGeom>
+          <a:ln w="19050">
+            <a:solidFill>
+              <a:schemeClr val="accent1"/>
+            </a:solidFill>
+            <a:prstDash val="sysDash"/>
+            <a:headEnd type="arrow" w="med" len="med"/>
+            <a:tailEnd type="none" w="med" len="med"/>
+          </a:ln>
+        </p:spPr>
+        <p:style>
+          <a:lnRef idx="1">
+            <a:schemeClr val="accent1"/>
+          </a:lnRef>
+          <a:fillRef idx="0">
+            <a:schemeClr val="accent1"/>
+          </a:fillRef>
+          <a:effectRef idx="0">
+            <a:schemeClr val="accent1"/>
+          </a:effectRef>
+          <a:fontRef idx="minor">
+            <a:schemeClr val="tx1"/>
+          </a:fontRef>
+        </p:style>
+      </p:cxnSp>
+      <p:cxnSp>
+        <p:nvCxnSpPr>
+          <p:cNvPr id="85" name="Straight Connector 84">
+            <a:extLst>
+              <a:ext uri="{FF2B5EF4-FFF2-40B4-BE49-F238E27FC236}">
+                <a16:creationId xmlns:a16="http://schemas.microsoft.com/office/drawing/2014/main" id="{0B177346-215B-4B3D-8C59-D3A81D3259A0}"/>
+              </a:ext>
+            </a:extLst>
+          </p:cNvPr>
+          <p:cNvCxnSpPr>
+            <a:cxnSpLocks/>
+          </p:cNvCxnSpPr>
+          <p:nvPr/>
+        </p:nvCxnSpPr>
+        <p:spPr>
+          <a:xfrm>
+            <a:off x="8404085" y="4618071"/>
+            <a:ext cx="0" cy="1246003"/>
+          </a:xfrm>
+          <a:prstGeom prst="line">
+            <a:avLst/>
+          </a:prstGeom>
+          <a:ln w="19050">
+            <a:solidFill>
+              <a:srgbClr val="0070C0"/>
+            </a:solidFill>
+            <a:prstDash val="sysDash"/>
+          </a:ln>
+          <a:effectLst/>
+        </p:spPr>
+        <p:style>
+          <a:lnRef idx="1">
+            <a:schemeClr val="accent1"/>
+          </a:lnRef>
+          <a:fillRef idx="2">
+            <a:schemeClr val="accent1"/>
+          </a:fillRef>
+          <a:effectRef idx="1">
+            <a:schemeClr val="accent1"/>
+          </a:effectRef>
+          <a:fontRef idx="minor">
+            <a:schemeClr val="dk1"/>
+          </a:fontRef>
+        </p:style>
+      </p:cxnSp>
+      <p:cxnSp>
+        <p:nvCxnSpPr>
+          <p:cNvPr id="89" name="Straight Arrow Connector 88">
+            <a:extLst>
+              <a:ext uri="{FF2B5EF4-FFF2-40B4-BE49-F238E27FC236}">
+                <a16:creationId xmlns:a16="http://schemas.microsoft.com/office/drawing/2014/main" id="{2A7C6442-49C9-45D0-A6D8-8603B161A941}"/>
+              </a:ext>
+            </a:extLst>
+          </p:cNvPr>
+          <p:cNvCxnSpPr>
+            <a:cxnSpLocks/>
+          </p:cNvCxnSpPr>
+          <p:nvPr/>
+        </p:nvCxnSpPr>
+        <p:spPr>
+          <a:xfrm>
+            <a:off x="3097310" y="5303787"/>
+            <a:ext cx="5261734" cy="0"/>
+          </a:xfrm>
+          <a:prstGeom prst="straightConnector1">
+            <a:avLst/>
+          </a:prstGeom>
+          <a:ln w="19050">
+            <a:solidFill>
+              <a:srgbClr val="0070C0"/>
+            </a:solidFill>
+            <a:tailEnd type="arrow"/>
+          </a:ln>
+        </p:spPr>
+        <p:style>
+          <a:lnRef idx="1">
+            <a:schemeClr val="accent1"/>
+          </a:lnRef>
+          <a:fillRef idx="0">
+            <a:schemeClr val="accent1"/>
+          </a:fillRef>
+          <a:effectRef idx="0">
+            <a:schemeClr val="accent1"/>
+          </a:effectRef>
+          <a:fontRef idx="minor">
+            <a:schemeClr val="tx1"/>
+          </a:fontRef>
+        </p:style>
+      </p:cxnSp>
+      <p:sp>
+        <p:nvSpPr>
+          <p:cNvPr id="90" name="Rectangle 89">
+            <a:extLst>
+              <a:ext uri="{FF2B5EF4-FFF2-40B4-BE49-F238E27FC236}">
+                <a16:creationId xmlns:a16="http://schemas.microsoft.com/office/drawing/2014/main" id="{81F3122F-5655-4EE0-9A27-81716DFA9425}"/>
+              </a:ext>
+            </a:extLst>
+          </p:cNvPr>
+          <p:cNvSpPr/>
+          <p:nvPr/>
+        </p:nvSpPr>
+        <p:spPr>
+          <a:xfrm>
+            <a:off x="8329894" y="5283739"/>
+            <a:ext cx="145486" cy="2953708"/>
+          </a:xfrm>
+          <a:prstGeom prst="rect">
+            <a:avLst/>
+          </a:prstGeom>
+          <a:solidFill>
+            <a:srgbClr val="0070C0"/>
+          </a:solidFill>
+          <a:ln>
+            <a:solidFill>
+              <a:srgbClr val="0070C0"/>
+            </a:solidFill>
+          </a:ln>
+          <a:effectLst/>
+        </p:spPr>
+        <p:style>
+          <a:lnRef idx="1">
+            <a:schemeClr val="accent3"/>
+          </a:lnRef>
+          <a:fillRef idx="2">
+            <a:schemeClr val="accent3"/>
+          </a:fillRef>
+          <a:effectRef idx="1">
+            <a:schemeClr val="accent3"/>
+          </a:effectRef>
+          <a:fontRef idx="minor">
+            <a:schemeClr val="dk1"/>
+          </a:fontRef>
+        </p:style>
+        <p:txBody>
+          <a:bodyPr rtlCol="0" anchor="ctr"/>
+          <a:lstStyle/>
+          <a:p>
+            <a:pPr algn="ctr"/>
+            <a:endParaRPr lang="en-SG" sz="1401" dirty="0"/>
+          </a:p>
+        </p:txBody>
+      </p:sp>
+      <p:sp>
+        <p:nvSpPr>
+          <p:cNvPr id="97" name="TextBox 96">
+            <a:extLst>
+              <a:ext uri="{FF2B5EF4-FFF2-40B4-BE49-F238E27FC236}">
+                <a16:creationId xmlns:a16="http://schemas.microsoft.com/office/drawing/2014/main" id="{6063918D-CB4E-4AEA-83C4-90BA140FAA1C}"/>
+              </a:ext>
+            </a:extLst>
+          </p:cNvPr>
+          <p:cNvSpPr txBox="1"/>
+          <p:nvPr/>
+        </p:nvSpPr>
+        <p:spPr>
+          <a:xfrm>
+            <a:off x="4528421" y="5055291"/>
+            <a:ext cx="592181" cy="184666"/>
+          </a:xfrm>
+          <a:prstGeom prst="rect">
+            <a:avLst/>
+          </a:prstGeom>
+          <a:noFill/>
+        </p:spPr>
+        <p:txBody>
+          <a:bodyPr wrap="square" lIns="0" tIns="0" rIns="0" bIns="0" rtlCol="0">
+            <a:spAutoFit/>
+          </a:bodyPr>
+          <a:lstStyle/>
+          <a:p>
+            <a:pPr algn="r"/>
+            <a:r>
+              <a:rPr lang="en-US" sz="1200" dirty="0">
+                <a:solidFill>
+                  <a:srgbClr val="0070C0"/>
+                </a:solidFill>
+              </a:rPr>
+              <a:t>execute()</a:t>
+            </a:r>
+          </a:p>
+        </p:txBody>
+      </p:sp>
+      <p:cxnSp>
+        <p:nvCxnSpPr>
+          <p:cNvPr id="98" name="Straight Connector 97">
+            <a:extLst>
+              <a:ext uri="{FF2B5EF4-FFF2-40B4-BE49-F238E27FC236}">
+                <a16:creationId xmlns:a16="http://schemas.microsoft.com/office/drawing/2014/main" id="{FC91E3C0-42D8-4742-8BF6-EFCDB3BEC96F}"/>
+              </a:ext>
+            </a:extLst>
+          </p:cNvPr>
+          <p:cNvCxnSpPr>
+            <a:cxnSpLocks/>
+          </p:cNvCxnSpPr>
+          <p:nvPr/>
+        </p:nvCxnSpPr>
+        <p:spPr>
+          <a:xfrm flipH="1">
+            <a:off x="11921227" y="6171970"/>
+            <a:ext cx="14392" cy="2249227"/>
+          </a:xfrm>
+          <a:prstGeom prst="line">
+            <a:avLst/>
+          </a:prstGeom>
+          <a:ln w="9525" cap="flat" cmpd="sng" algn="ctr">
+            <a:solidFill>
+              <a:schemeClr val="accent4"/>
+            </a:solidFill>
+            <a:prstDash val="dash"/>
+            <a:round/>
+            <a:headEnd type="none" w="med" len="med"/>
+            <a:tailEnd type="none" w="med" len="med"/>
+          </a:ln>
+        </p:spPr>
+        <p:style>
+          <a:lnRef idx="0">
+            <a:scrgbClr r="0" g="0" b="0"/>
+          </a:lnRef>
+          <a:fillRef idx="0">
+            <a:scrgbClr r="0" g="0" b="0"/>
+          </a:fillRef>
+          <a:effectRef idx="0">
+            <a:scrgbClr r="0" g="0" b="0"/>
+          </a:effectRef>
+          <a:fontRef idx="minor">
+            <a:schemeClr val="tx1"/>
+          </a:fontRef>
+        </p:style>
+      </p:cxnSp>
+      <p:sp>
+        <p:nvSpPr>
+          <p:cNvPr id="99" name="Rectangle 98">
+            <a:extLst>
+              <a:ext uri="{FF2B5EF4-FFF2-40B4-BE49-F238E27FC236}">
+                <a16:creationId xmlns:a16="http://schemas.microsoft.com/office/drawing/2014/main" id="{D659ADE5-C83B-4626-B4BD-49F45D75A0F9}"/>
+              </a:ext>
+            </a:extLst>
+          </p:cNvPr>
+          <p:cNvSpPr/>
+          <p:nvPr/>
+        </p:nvSpPr>
+        <p:spPr>
+          <a:xfrm>
+            <a:off x="11856496" y="7140886"/>
+            <a:ext cx="155323" cy="346757"/>
+          </a:xfrm>
+          <a:prstGeom prst="rect">
+            <a:avLst/>
+          </a:prstGeom>
+          <a:solidFill>
+            <a:schemeClr val="accent4">
+              <a:lumMod val="60000"/>
+              <a:lumOff val="40000"/>
+            </a:schemeClr>
+          </a:solidFill>
+          <a:ln>
+            <a:solidFill>
+              <a:schemeClr val="accent4">
+                <a:lumMod val="60000"/>
+                <a:lumOff val="40000"/>
+              </a:schemeClr>
+            </a:solidFill>
+          </a:ln>
+          <a:effectLst/>
+        </p:spPr>
+        <p:style>
+          <a:lnRef idx="1">
+            <a:schemeClr val="accent3"/>
+          </a:lnRef>
+          <a:fillRef idx="2">
+            <a:schemeClr val="accent3"/>
+          </a:fillRef>
+          <a:effectRef idx="1">
+            <a:schemeClr val="accent3"/>
+          </a:effectRef>
+          <a:fontRef idx="minor">
+            <a:schemeClr val="dk1"/>
+          </a:fontRef>
+        </p:style>
+        <p:txBody>
+          <a:bodyPr rtlCol="0" anchor="ctr"/>
+          <a:lstStyle/>
+          <a:p>
+            <a:pPr algn="ctr"/>
+            <a:endParaRPr lang="en-SG" sz="1401" dirty="0"/>
+          </a:p>
+        </p:txBody>
+      </p:sp>
+      <p:cxnSp>
+        <p:nvCxnSpPr>
+          <p:cNvPr id="103" name="Straight Arrow Connector 102">
+            <a:extLst>
+              <a:ext uri="{FF2B5EF4-FFF2-40B4-BE49-F238E27FC236}">
+                <a16:creationId xmlns:a16="http://schemas.microsoft.com/office/drawing/2014/main" id="{3EB4A780-53D2-4D7F-A715-0DF054A4A0D3}"/>
+              </a:ext>
+            </a:extLst>
+          </p:cNvPr>
+          <p:cNvCxnSpPr>
+            <a:cxnSpLocks/>
+            <a:endCxn id="99" idx="2"/>
+          </p:cNvCxnSpPr>
+          <p:nvPr/>
+        </p:nvCxnSpPr>
+        <p:spPr>
+          <a:xfrm>
+            <a:off x="8495260" y="7487643"/>
+            <a:ext cx="3438898" cy="0"/>
+          </a:xfrm>
+          <a:prstGeom prst="straightConnector1">
+            <a:avLst/>
+          </a:prstGeom>
+          <a:ln w="19050">
+            <a:solidFill>
+              <a:schemeClr val="accent4">
+                <a:lumMod val="60000"/>
+                <a:lumOff val="40000"/>
+              </a:schemeClr>
+            </a:solidFill>
+            <a:prstDash val="sysDash"/>
+            <a:headEnd type="arrow" w="med" len="med"/>
+            <a:tailEnd type="none" w="med" len="med"/>
+          </a:ln>
+        </p:spPr>
+        <p:style>
+          <a:lnRef idx="1">
+            <a:schemeClr val="accent1"/>
+          </a:lnRef>
+          <a:fillRef idx="0">
+            <a:schemeClr val="accent1"/>
+          </a:fillRef>
+          <a:effectRef idx="0">
+            <a:schemeClr val="accent1"/>
+          </a:effectRef>
+          <a:fontRef idx="minor">
+            <a:schemeClr val="tx1"/>
+          </a:fontRef>
+        </p:style>
+      </p:cxnSp>
+      <p:sp>
+        <p:nvSpPr>
+          <p:cNvPr id="105" name="Rectangle 62">
+            <a:extLst>
+              <a:ext uri="{FF2B5EF4-FFF2-40B4-BE49-F238E27FC236}">
+                <a16:creationId xmlns:a16="http://schemas.microsoft.com/office/drawing/2014/main" id="{BD8CFD51-2683-4469-8715-B1A986A7370D}"/>
+              </a:ext>
+            </a:extLst>
+          </p:cNvPr>
+          <p:cNvSpPr/>
+          <p:nvPr/>
+        </p:nvSpPr>
+        <p:spPr>
+          <a:xfrm>
+            <a:off x="8936203" y="7536196"/>
+            <a:ext cx="1828800" cy="346757"/>
+          </a:xfrm>
+          <a:prstGeom prst="rect">
+            <a:avLst/>
+          </a:prstGeom>
+          <a:solidFill>
+            <a:srgbClr val="0070C0"/>
+          </a:solidFill>
+          <a:ln w="19050">
+            <a:solidFill>
+              <a:srgbClr val="0070C0"/>
+            </a:solidFill>
+          </a:ln>
+          <a:effectLst/>
+        </p:spPr>
+        <p:style>
+          <a:lnRef idx="1">
+            <a:schemeClr val="accent2"/>
+          </a:lnRef>
+          <a:fillRef idx="2">
+            <a:schemeClr val="accent2"/>
+          </a:fillRef>
+          <a:effectRef idx="1">
+            <a:schemeClr val="accent2"/>
+          </a:effectRef>
+          <a:fontRef idx="minor">
+            <a:schemeClr val="dk1"/>
+          </a:fontRef>
+        </p:style>
+        <p:txBody>
+          <a:bodyPr rtlCol="0" anchor="ctr"/>
+          <a:lstStyle/>
+          <a:p>
+            <a:pPr algn="ctr"/>
+            <a:r>
+              <a:rPr lang="en-US" sz="1401" dirty="0">
+                <a:solidFill>
+                  <a:schemeClr val="bg1"/>
+                </a:solidFill>
+              </a:rPr>
+              <a:t>result:</a:t>
+            </a:r>
+          </a:p>
+          <a:p>
+            <a:pPr algn="ctr"/>
+            <a:r>
+              <a:rPr lang="en-US" sz="1401" dirty="0">
+                <a:solidFill>
+                  <a:schemeClr val="bg1"/>
+                </a:solidFill>
+              </a:rPr>
+              <a:t>CommandResult</a:t>
+            </a:r>
+            <a:endParaRPr lang="en-SG" sz="1201" dirty="0">
+              <a:solidFill>
+                <a:schemeClr val="bg1"/>
+              </a:solidFill>
+            </a:endParaRPr>
+          </a:p>
+        </p:txBody>
+      </p:sp>
+      <p:cxnSp>
+        <p:nvCxnSpPr>
+          <p:cNvPr id="106" name="Straight Arrow Connector 105">
+            <a:extLst>
+              <a:ext uri="{FF2B5EF4-FFF2-40B4-BE49-F238E27FC236}">
+                <a16:creationId xmlns:a16="http://schemas.microsoft.com/office/drawing/2014/main" id="{A16E44EE-6154-40C4-AA26-24DBB8C2BBC7}"/>
+              </a:ext>
+            </a:extLst>
+          </p:cNvPr>
+          <p:cNvCxnSpPr>
+            <a:cxnSpLocks/>
+          </p:cNvCxnSpPr>
+          <p:nvPr/>
+        </p:nvCxnSpPr>
+        <p:spPr>
+          <a:xfrm>
+            <a:off x="8467617" y="7755397"/>
+            <a:ext cx="468586" cy="0"/>
+          </a:xfrm>
+          <a:prstGeom prst="straightConnector1">
+            <a:avLst/>
+          </a:prstGeom>
+          <a:ln w="19050">
+            <a:solidFill>
+              <a:srgbClr val="0070C0"/>
+            </a:solidFill>
+            <a:tailEnd type="arrow"/>
+          </a:ln>
+        </p:spPr>
+        <p:style>
+          <a:lnRef idx="1">
+            <a:schemeClr val="accent1"/>
+          </a:lnRef>
+          <a:fillRef idx="0">
+            <a:schemeClr val="accent1"/>
+          </a:fillRef>
+          <a:effectRef idx="0">
+            <a:schemeClr val="accent1"/>
+          </a:effectRef>
+          <a:fontRef idx="minor">
+            <a:schemeClr val="tx1"/>
+          </a:fontRef>
+        </p:style>
+      </p:cxnSp>
+      <p:sp>
+        <p:nvSpPr>
+          <p:cNvPr id="108" name="Rectangle 107">
+            <a:extLst>
+              <a:ext uri="{FF2B5EF4-FFF2-40B4-BE49-F238E27FC236}">
+                <a16:creationId xmlns:a16="http://schemas.microsoft.com/office/drawing/2014/main" id="{E22DF4EA-ADE8-4B81-B2D3-F9EA48298AA8}"/>
+              </a:ext>
+            </a:extLst>
+          </p:cNvPr>
+          <p:cNvSpPr/>
+          <p:nvPr/>
+        </p:nvSpPr>
+        <p:spPr>
+          <a:xfrm>
+            <a:off x="9787215" y="7882953"/>
+            <a:ext cx="141299" cy="307579"/>
+          </a:xfrm>
+          <a:prstGeom prst="rect">
+            <a:avLst/>
+          </a:prstGeom>
+          <a:solidFill>
+            <a:srgbClr val="0070C0"/>
+          </a:solidFill>
+          <a:ln>
+            <a:solidFill>
+              <a:srgbClr val="0070C0"/>
+            </a:solidFill>
+          </a:ln>
+          <a:effectLst/>
+        </p:spPr>
+        <p:style>
+          <a:lnRef idx="1">
+            <a:schemeClr val="accent3"/>
+          </a:lnRef>
+          <a:fillRef idx="2">
+            <a:schemeClr val="accent3"/>
+          </a:fillRef>
+          <a:effectRef idx="1">
+            <a:schemeClr val="accent3"/>
+          </a:effectRef>
+          <a:fontRef idx="minor">
+            <a:schemeClr val="dk1"/>
+          </a:fontRef>
+        </p:style>
+        <p:txBody>
+          <a:bodyPr rtlCol="0" anchor="ctr"/>
+          <a:lstStyle/>
+          <a:p>
+            <a:pPr algn="ctr"/>
+            <a:endParaRPr lang="en-SG" sz="1401" dirty="0"/>
+          </a:p>
+        </p:txBody>
+      </p:sp>
+      <p:cxnSp>
+        <p:nvCxnSpPr>
+          <p:cNvPr id="109" name="Straight Arrow Connector 108">
+            <a:extLst>
+              <a:ext uri="{FF2B5EF4-FFF2-40B4-BE49-F238E27FC236}">
+                <a16:creationId xmlns:a16="http://schemas.microsoft.com/office/drawing/2014/main" id="{36E56C57-0601-4160-A15C-EB385CFE1624}"/>
+              </a:ext>
+            </a:extLst>
+          </p:cNvPr>
+          <p:cNvCxnSpPr>
+            <a:cxnSpLocks/>
+          </p:cNvCxnSpPr>
+          <p:nvPr/>
+        </p:nvCxnSpPr>
+        <p:spPr>
+          <a:xfrm>
+            <a:off x="8479116" y="8190530"/>
+            <a:ext cx="1375866" cy="0"/>
+          </a:xfrm>
+          <a:prstGeom prst="straightConnector1">
+            <a:avLst/>
+          </a:prstGeom>
+          <a:ln w="19050">
+            <a:solidFill>
+              <a:schemeClr val="accent1"/>
+            </a:solidFill>
+            <a:prstDash val="sysDash"/>
+            <a:headEnd type="arrow" w="med" len="med"/>
+            <a:tailEnd type="none" w="med" len="med"/>
+          </a:ln>
+        </p:spPr>
+        <p:style>
+          <a:lnRef idx="1">
+            <a:schemeClr val="accent1"/>
+          </a:lnRef>
+          <a:fillRef idx="0">
+            <a:schemeClr val="accent1"/>
+          </a:fillRef>
+          <a:effectRef idx="0">
+            <a:schemeClr val="accent1"/>
+          </a:effectRef>
+          <a:fontRef idx="minor">
+            <a:schemeClr val="tx1"/>
+          </a:fontRef>
+        </p:style>
+      </p:cxnSp>
+      <p:sp>
+        <p:nvSpPr>
+          <p:cNvPr id="122" name="TextBox 121">
+            <a:extLst>
+              <a:ext uri="{FF2B5EF4-FFF2-40B4-BE49-F238E27FC236}">
+                <a16:creationId xmlns:a16="http://schemas.microsoft.com/office/drawing/2014/main" id="{DBD857A9-F90F-4BE0-A44D-DC15B1EC74B6}"/>
+              </a:ext>
+            </a:extLst>
+          </p:cNvPr>
+          <p:cNvSpPr txBox="1"/>
+          <p:nvPr/>
+        </p:nvSpPr>
+        <p:spPr>
+          <a:xfrm>
+            <a:off x="6691219" y="4607604"/>
+            <a:ext cx="446903" cy="338426"/>
+          </a:xfrm>
+          <a:prstGeom prst="rect">
+            <a:avLst/>
+          </a:prstGeom>
+          <a:noFill/>
+        </p:spPr>
+        <p:txBody>
+          <a:bodyPr wrap="square" rtlCol="0">
+            <a:spAutoFit/>
+          </a:bodyPr>
+          <a:lstStyle/>
+          <a:p>
+            <a:r>
+              <a:rPr lang="en-US" sz="1599" dirty="0"/>
+              <a:t>x</a:t>
+            </a:r>
+          </a:p>
+        </p:txBody>
+      </p:sp>
+      <p:cxnSp>
+        <p:nvCxnSpPr>
+          <p:cNvPr id="123" name="Straight Arrow Connector 122">
+            <a:extLst>
+              <a:ext uri="{FF2B5EF4-FFF2-40B4-BE49-F238E27FC236}">
+                <a16:creationId xmlns:a16="http://schemas.microsoft.com/office/drawing/2014/main" id="{1582693E-7604-46CA-B779-FA19996AC198}"/>
+              </a:ext>
+            </a:extLst>
+          </p:cNvPr>
+          <p:cNvCxnSpPr>
+            <a:cxnSpLocks/>
+          </p:cNvCxnSpPr>
+          <p:nvPr/>
+        </p:nvCxnSpPr>
+        <p:spPr>
+          <a:xfrm>
+            <a:off x="1168610" y="8421197"/>
+            <a:ext cx="1752599" cy="0"/>
+          </a:xfrm>
+          <a:prstGeom prst="straightConnector1">
+            <a:avLst/>
+          </a:prstGeom>
+          <a:ln w="19050">
+            <a:solidFill>
+              <a:schemeClr val="accent1"/>
+            </a:solidFill>
+            <a:prstDash val="sysDash"/>
+            <a:headEnd type="arrow" w="med" len="med"/>
+            <a:tailEnd type="none" w="med" len="med"/>
+          </a:ln>
+        </p:spPr>
+        <p:style>
+          <a:lnRef idx="1">
+            <a:schemeClr val="accent1"/>
+          </a:lnRef>
+          <a:fillRef idx="0">
+            <a:schemeClr val="accent1"/>
+          </a:fillRef>
+          <a:effectRef idx="0">
+            <a:schemeClr val="accent1"/>
+          </a:effectRef>
+          <a:fontRef idx="minor">
+            <a:schemeClr val="tx1"/>
+          </a:fontRef>
+        </p:style>
+      </p:cxnSp>
+      <p:sp>
+        <p:nvSpPr>
+          <p:cNvPr id="124" name="TextBox 123">
+            <a:extLst>
+              <a:ext uri="{FF2B5EF4-FFF2-40B4-BE49-F238E27FC236}">
+                <a16:creationId xmlns:a16="http://schemas.microsoft.com/office/drawing/2014/main" id="{E1BE26A1-67BF-4222-8EF5-644711A56B5D}"/>
+              </a:ext>
+            </a:extLst>
+          </p:cNvPr>
+          <p:cNvSpPr txBox="1"/>
+          <p:nvPr/>
+        </p:nvSpPr>
+        <p:spPr>
+          <a:xfrm>
+            <a:off x="4870119" y="8014584"/>
+            <a:ext cx="592181" cy="184666"/>
+          </a:xfrm>
+          <a:prstGeom prst="rect">
+            <a:avLst/>
+          </a:prstGeom>
+          <a:noFill/>
+        </p:spPr>
+        <p:txBody>
+          <a:bodyPr wrap="square" lIns="0" tIns="0" rIns="0" bIns="0" rtlCol="0">
+            <a:spAutoFit/>
+          </a:bodyPr>
+          <a:lstStyle/>
+          <a:p>
+            <a:pPr algn="r"/>
+            <a:r>
+              <a:rPr lang="en-US" sz="1200" dirty="0">
+                <a:solidFill>
+                  <a:srgbClr val="0070C0"/>
+                </a:solidFill>
+              </a:rPr>
+              <a:t>result</a:t>
+            </a:r>
+          </a:p>
+        </p:txBody>
+      </p:sp>
+      <p:sp>
+        <p:nvSpPr>
+          <p:cNvPr id="126" name="TextBox 125">
+            <a:extLst>
+              <a:ext uri="{FF2B5EF4-FFF2-40B4-BE49-F238E27FC236}">
+                <a16:creationId xmlns:a16="http://schemas.microsoft.com/office/drawing/2014/main" id="{62625FC8-E775-4D89-9053-69D3B6686802}"/>
+              </a:ext>
+            </a:extLst>
+          </p:cNvPr>
+          <p:cNvSpPr txBox="1"/>
+          <p:nvPr/>
+        </p:nvSpPr>
+        <p:spPr>
+          <a:xfrm>
+            <a:off x="1793293" y="8237447"/>
+            <a:ext cx="592181" cy="184666"/>
+          </a:xfrm>
+          <a:prstGeom prst="rect">
+            <a:avLst/>
+          </a:prstGeom>
+          <a:noFill/>
+        </p:spPr>
+        <p:txBody>
+          <a:bodyPr wrap="square" lIns="0" tIns="0" rIns="0" bIns="0" rtlCol="0">
+            <a:spAutoFit/>
+          </a:bodyPr>
+          <a:lstStyle/>
+          <a:p>
+            <a:pPr algn="r"/>
+            <a:r>
+              <a:rPr lang="en-US" sz="1200" dirty="0">
+                <a:solidFill>
+                  <a:srgbClr val="0070C0"/>
+                </a:solidFill>
+              </a:rPr>
+              <a:t>result</a:t>
+            </a:r>
+          </a:p>
+        </p:txBody>
+      </p:sp>
+      <p:cxnSp>
+        <p:nvCxnSpPr>
+          <p:cNvPr id="130" name="Connector: Curved 129">
+            <a:extLst>
+              <a:ext uri="{FF2B5EF4-FFF2-40B4-BE49-F238E27FC236}">
+                <a16:creationId xmlns:a16="http://schemas.microsoft.com/office/drawing/2014/main" id="{C55AE559-0658-4FD8-997D-574F2E0FD23E}"/>
+              </a:ext>
+            </a:extLst>
+          </p:cNvPr>
+          <p:cNvCxnSpPr>
+            <a:cxnSpLocks/>
+          </p:cNvCxnSpPr>
+          <p:nvPr/>
+        </p:nvCxnSpPr>
+        <p:spPr>
+          <a:xfrm rot="16200000" flipH="1">
+            <a:off x="8482368" y="5462734"/>
+            <a:ext cx="86832" cy="93562"/>
+          </a:xfrm>
+          <a:prstGeom prst="curvedConnector4">
+            <a:avLst>
+              <a:gd name="adj1" fmla="val -128893"/>
+              <a:gd name="adj2" fmla="val 178899"/>
+            </a:avLst>
+          </a:prstGeom>
+          <a:ln>
+            <a:tailEnd type="triangle"/>
+          </a:ln>
+        </p:spPr>
+        <p:style>
+          <a:lnRef idx="2">
+            <a:schemeClr val="accent1"/>
+          </a:lnRef>
+          <a:fillRef idx="0">
+            <a:schemeClr val="accent1"/>
+          </a:fillRef>
+          <a:effectRef idx="1">
+            <a:schemeClr val="accent1"/>
+          </a:effectRef>
+          <a:fontRef idx="minor">
+            <a:schemeClr val="tx1"/>
+          </a:fontRef>
+        </p:style>
+      </p:cxnSp>
+      <p:sp>
+        <p:nvSpPr>
+          <p:cNvPr id="132" name="Rectangle 131">
+            <a:extLst>
+              <a:ext uri="{FF2B5EF4-FFF2-40B4-BE49-F238E27FC236}">
+                <a16:creationId xmlns:a16="http://schemas.microsoft.com/office/drawing/2014/main" id="{EB794BC7-67BF-42DC-A6AB-7CAC41B6AD38}"/>
+              </a:ext>
+            </a:extLst>
+          </p:cNvPr>
+          <p:cNvSpPr/>
+          <p:nvPr/>
+        </p:nvSpPr>
+        <p:spPr>
+          <a:xfrm>
+            <a:off x="8402803" y="5473881"/>
+            <a:ext cx="187121" cy="173661"/>
+          </a:xfrm>
+          <a:prstGeom prst="rect">
+            <a:avLst/>
+          </a:prstGeom>
+          <a:noFill/>
+          <a:ln/>
+        </p:spPr>
+        <p:style>
+          <a:lnRef idx="2">
+            <a:schemeClr val="accent1"/>
+          </a:lnRef>
+          <a:fillRef idx="1">
+            <a:schemeClr val="lt1"/>
+          </a:fillRef>
+          <a:effectRef idx="0">
+            <a:schemeClr val="accent1"/>
+          </a:effectRef>
+          <a:fontRef idx="minor">
+            <a:schemeClr val="dk1"/>
+          </a:fontRef>
+        </p:style>
+        <p:txBody>
+          <a:bodyPr rtlCol="0" anchor="ctr"/>
+          <a:lstStyle/>
+          <a:p>
+            <a:pPr algn="ctr"/>
+            <a:endParaRPr lang="en-SG" sz="1401" dirty="0"/>
+          </a:p>
+        </p:txBody>
+      </p:sp>
+      <p:sp>
+        <p:nvSpPr>
+          <p:cNvPr id="136" name="TextBox 135">
+            <a:extLst>
+              <a:ext uri="{FF2B5EF4-FFF2-40B4-BE49-F238E27FC236}">
+                <a16:creationId xmlns:a16="http://schemas.microsoft.com/office/drawing/2014/main" id="{BA3990B0-39B2-459A-905F-8727C52DF8D1}"/>
+              </a:ext>
+            </a:extLst>
+          </p:cNvPr>
+          <p:cNvSpPr txBox="1"/>
+          <p:nvPr/>
+        </p:nvSpPr>
+        <p:spPr>
+          <a:xfrm>
+            <a:off x="8706262" y="5418847"/>
+            <a:ext cx="1144341" cy="184666"/>
           </a:xfrm>
           <a:prstGeom prst="rect">
             <a:avLst/>
@@ -4038,61 +5712,17 @@
           <a:p>
             <a:r>
               <a:rPr lang="en-US" sz="1200" dirty="0"/>
-              <a:t>commandResult</a:t>
-            </a:r>
-          </a:p>
-        </p:txBody>
-      </p:sp>
-      <p:cxnSp>
-        <p:nvCxnSpPr>
-          <p:cNvPr id="67" name="Straight Arrow Connector 66">
+              <a:t>isValidScreening()</a:t>
+            </a:r>
+          </a:p>
+        </p:txBody>
+      </p:sp>
+      <p:sp>
+        <p:nvSpPr>
+          <p:cNvPr id="137" name="Rectangle 136">
             <a:extLst>
               <a:ext uri="{FF2B5EF4-FFF2-40B4-BE49-F238E27FC236}">
-                <a16:creationId xmlns:a16="http://schemas.microsoft.com/office/drawing/2014/main" id="{D881596E-177C-4FDC-8E60-CAB90B3D5FAB}"/>
-              </a:ext>
-            </a:extLst>
-          </p:cNvPr>
-          <p:cNvCxnSpPr>
-            <a:cxnSpLocks/>
-          </p:cNvCxnSpPr>
-          <p:nvPr/>
-        </p:nvCxnSpPr>
-        <p:spPr>
-          <a:xfrm>
-            <a:off x="2746468" y="2894012"/>
-            <a:ext cx="2171356" cy="0"/>
-          </a:xfrm>
-          <a:prstGeom prst="straightConnector1">
-            <a:avLst/>
-          </a:prstGeom>
-          <a:ln w="19050">
-            <a:solidFill>
-              <a:srgbClr val="0070C0"/>
-            </a:solidFill>
-            <a:tailEnd type="arrow"/>
-          </a:ln>
-        </p:spPr>
-        <p:style>
-          <a:lnRef idx="1">
-            <a:schemeClr val="accent1"/>
-          </a:lnRef>
-          <a:fillRef idx="0">
-            <a:schemeClr val="accent1"/>
-          </a:fillRef>
-          <a:effectRef idx="0">
-            <a:schemeClr val="accent1"/>
-          </a:effectRef>
-          <a:fontRef idx="minor">
-            <a:schemeClr val="tx1"/>
-          </a:fontRef>
-        </p:style>
-      </p:cxnSp>
-      <p:sp>
-        <p:nvSpPr>
-          <p:cNvPr id="47" name="Rectangle 62">
-            <a:extLst>
-              <a:ext uri="{FF2B5EF4-FFF2-40B4-BE49-F238E27FC236}">
-                <a16:creationId xmlns:a16="http://schemas.microsoft.com/office/drawing/2014/main" id="{5F2E68EC-E448-4ED0-AC40-4FF840B93273}"/>
+                <a16:creationId xmlns:a16="http://schemas.microsoft.com/office/drawing/2014/main" id="{43649D37-6639-48D8-B086-CDF1D8F17DBE}"/>
               </a:ext>
             </a:extLst>
           </p:cNvPr>
@@ -4101,8 +5731,185 @@
         </p:nvSpPr>
         <p:spPr>
           <a:xfrm>
-            <a:off x="5381707" y="2807484"/>
-            <a:ext cx="2126018" cy="346757"/>
+            <a:off x="7897020" y="5756264"/>
+            <a:ext cx="4572000" cy="2776548"/>
+          </a:xfrm>
+          <a:prstGeom prst="rect">
+            <a:avLst/>
+          </a:prstGeom>
+          <a:noFill/>
+        </p:spPr>
+        <p:style>
+          <a:lnRef idx="2">
+            <a:schemeClr val="accent1">
+              <a:shade val="50000"/>
+            </a:schemeClr>
+          </a:lnRef>
+          <a:fillRef idx="1">
+            <a:schemeClr val="accent1"/>
+          </a:fillRef>
+          <a:effectRef idx="0">
+            <a:schemeClr val="accent1"/>
+          </a:effectRef>
+          <a:fontRef idx="minor">
+            <a:schemeClr val="lt1"/>
+          </a:fontRef>
+        </p:style>
+        <p:txBody>
+          <a:bodyPr rtlCol="0" anchor="ctr"/>
+          <a:lstStyle/>
+          <a:p>
+            <a:pPr algn="ctr"/>
+            <a:endParaRPr lang="en-SG" sz="1200" dirty="0">
+              <a:solidFill>
+                <a:schemeClr val="tx1"/>
+              </a:solidFill>
+            </a:endParaRPr>
+          </a:p>
+        </p:txBody>
+      </p:sp>
+      <p:sp>
+        <p:nvSpPr>
+          <p:cNvPr id="138" name="TextBox 137">
+            <a:extLst>
+              <a:ext uri="{FF2B5EF4-FFF2-40B4-BE49-F238E27FC236}">
+                <a16:creationId xmlns:a16="http://schemas.microsoft.com/office/drawing/2014/main" id="{40E42A4D-B814-4655-827C-44F8C48B95DA}"/>
+              </a:ext>
+            </a:extLst>
+          </p:cNvPr>
+          <p:cNvSpPr txBox="1"/>
+          <p:nvPr/>
+        </p:nvSpPr>
+        <p:spPr>
+          <a:xfrm>
+            <a:off x="7973219" y="5713412"/>
+            <a:ext cx="376537" cy="244129"/>
+          </a:xfrm>
+          <a:prstGeom prst="rect">
+            <a:avLst/>
+          </a:prstGeom>
+          <a:noFill/>
+        </p:spPr>
+        <p:txBody>
+          <a:bodyPr wrap="square" rtlCol="0">
+            <a:spAutoFit/>
+          </a:bodyPr>
+          <a:lstStyle/>
+          <a:p>
+            <a:r>
+              <a:rPr lang="en-SG" sz="1000" dirty="0"/>
+              <a:t>opt</a:t>
+            </a:r>
+          </a:p>
+        </p:txBody>
+      </p:sp>
+      <p:sp>
+        <p:nvSpPr>
+          <p:cNvPr id="139" name="Rectangle: Top Corners One Rounded and One Snipped 138">
+            <a:extLst>
+              <a:ext uri="{FF2B5EF4-FFF2-40B4-BE49-F238E27FC236}">
+                <a16:creationId xmlns:a16="http://schemas.microsoft.com/office/drawing/2014/main" id="{1B7F72B7-8842-45F5-A74A-CFE6A0F8266D}"/>
+              </a:ext>
+            </a:extLst>
+          </p:cNvPr>
+          <p:cNvSpPr/>
+          <p:nvPr/>
+        </p:nvSpPr>
+        <p:spPr>
+          <a:xfrm rot="10800000" flipH="1">
+            <a:off x="7897020" y="5733831"/>
+            <a:ext cx="412225" cy="208180"/>
+          </a:xfrm>
+          <a:prstGeom prst="snipRoundRect">
+            <a:avLst/>
+          </a:prstGeom>
+          <a:noFill/>
+        </p:spPr>
+        <p:style>
+          <a:lnRef idx="2">
+            <a:schemeClr val="accent1">
+              <a:shade val="50000"/>
+            </a:schemeClr>
+          </a:lnRef>
+          <a:fillRef idx="1">
+            <a:schemeClr val="accent1"/>
+          </a:fillRef>
+          <a:effectRef idx="0">
+            <a:schemeClr val="accent1"/>
+          </a:effectRef>
+          <a:fontRef idx="minor">
+            <a:schemeClr val="lt1"/>
+          </a:fontRef>
+        </p:style>
+        <p:txBody>
+          <a:bodyPr rtlCol="0" anchor="ctr"/>
+          <a:lstStyle/>
+          <a:p>
+            <a:pPr algn="ctr"/>
+            <a:endParaRPr lang="en-SG" sz="800" dirty="0">
+              <a:solidFill>
+                <a:schemeClr val="tx1"/>
+              </a:solidFill>
+            </a:endParaRPr>
+          </a:p>
+        </p:txBody>
+      </p:sp>
+      <p:sp>
+        <p:nvSpPr>
+          <p:cNvPr id="141" name="TextBox 140">
+            <a:extLst>
+              <a:ext uri="{FF2B5EF4-FFF2-40B4-BE49-F238E27FC236}">
+                <a16:creationId xmlns:a16="http://schemas.microsoft.com/office/drawing/2014/main" id="{D13EF46D-7D17-4CE9-AD6A-3049FA104C30}"/>
+              </a:ext>
+            </a:extLst>
+          </p:cNvPr>
+          <p:cNvSpPr txBox="1"/>
+          <p:nvPr/>
+        </p:nvSpPr>
+        <p:spPr>
+          <a:xfrm>
+            <a:off x="8048201" y="5846479"/>
+            <a:ext cx="1455638" cy="184666"/>
+          </a:xfrm>
+          <a:prstGeom prst="rect">
+            <a:avLst/>
+          </a:prstGeom>
+          <a:noFill/>
+        </p:spPr>
+        <p:txBody>
+          <a:bodyPr wrap="square" lIns="0" tIns="0" rIns="0" bIns="0" rtlCol="0">
+            <a:spAutoFit/>
+          </a:bodyPr>
+          <a:lstStyle/>
+          <a:p>
+            <a:pPr algn="r"/>
+            <a:r>
+              <a:rPr lang="en-US" sz="1200" dirty="0">
+                <a:solidFill>
+                  <a:srgbClr val="0070C0"/>
+                </a:solidFill>
+              </a:rPr>
+              <a:t>[valid screening]</a:t>
+            </a:r>
+          </a:p>
+        </p:txBody>
+      </p:sp>
+      <p:sp>
+        <p:nvSpPr>
+          <p:cNvPr id="147" name="Rectangle 62">
+            <a:extLst>
+              <a:ext uri="{FF2B5EF4-FFF2-40B4-BE49-F238E27FC236}">
+                <a16:creationId xmlns:a16="http://schemas.microsoft.com/office/drawing/2014/main" id="{D1D62A7B-B36B-477C-BD2F-1A24261B47F7}"/>
+              </a:ext>
+            </a:extLst>
+          </p:cNvPr>
+          <p:cNvSpPr/>
+          <p:nvPr/>
+        </p:nvSpPr>
+        <p:spPr>
+          <a:xfrm>
+            <a:off x="9666376" y="5950419"/>
+            <a:ext cx="1144146" cy="346757"/>
           </a:xfrm>
           <a:prstGeom prst="rect">
             <a:avLst/>
@@ -4137,25 +5944,22 @@
           <a:p>
             <a:pPr algn="ctr"/>
             <a:r>
-              <a:rPr lang="en-US" sz="1400" dirty="0">
+              <a:rPr lang="en-US" sz="1401" dirty="0">
                 <a:solidFill>
                   <a:schemeClr val="bg1"/>
                 </a:solidFill>
               </a:rPr>
-              <a:t>:AddScreening</a:t>
-            </a:r>
-          </a:p>
-          <a:p>
-            <a:pPr algn="ctr"/>
-            <a:r>
-              <a:rPr lang="en-US" sz="1400" dirty="0">
+              <a:t>:</a:t>
+            </a:r>
+            <a:r>
+              <a:rPr lang="en-US" sz="1201" dirty="0">
                 <a:solidFill>
                   <a:schemeClr val="bg1"/>
                 </a:solidFill>
               </a:rPr>
-              <a:t>CommandParser</a:t>
-            </a:r>
-            <a:endParaRPr lang="en-SG" sz="1400" dirty="0">
+              <a:t>Screening</a:t>
+            </a:r>
+            <a:endParaRPr lang="en-SG" sz="1201" dirty="0">
               <a:solidFill>
                 <a:schemeClr val="bg1"/>
               </a:solidFill>
@@ -4165,10 +5969,10 @@
       </p:sp>
       <p:cxnSp>
         <p:nvCxnSpPr>
-          <p:cNvPr id="53" name="Connector: Curved 52">
+          <p:cNvPr id="148" name="Straight Arrow Connector 147">
             <a:extLst>
               <a:ext uri="{FF2B5EF4-FFF2-40B4-BE49-F238E27FC236}">
-                <a16:creationId xmlns:a16="http://schemas.microsoft.com/office/drawing/2014/main" id="{A16D17D0-C162-45E8-AE3F-BC5D06CAF3A7}"/>
+                <a16:creationId xmlns:a16="http://schemas.microsoft.com/office/drawing/2014/main" id="{5775C87F-C944-4F93-923C-1A4DA5DEAB77}"/>
               </a:ext>
             </a:extLst>
           </p:cNvPr>
@@ -4178,28 +5982,28 @@
           <p:nvPr/>
         </p:nvCxnSpPr>
         <p:spPr>
-          <a:xfrm rot="16200000" flipH="1">
-            <a:off x="6520285" y="3358722"/>
-            <a:ext cx="86832" cy="93562"/>
-          </a:xfrm>
-          <a:prstGeom prst="curvedConnector4">
-            <a:avLst>
-              <a:gd name="adj1" fmla="val -128893"/>
-              <a:gd name="adj2" fmla="val 178899"/>
-            </a:avLst>
-          </a:prstGeom>
-          <a:ln>
-            <a:tailEnd type="triangle"/>
+          <a:xfrm>
+            <a:off x="8362517" y="6158318"/>
+            <a:ext cx="1292504" cy="0"/>
+          </a:xfrm>
+          <a:prstGeom prst="straightConnector1">
+            <a:avLst/>
+          </a:prstGeom>
+          <a:ln w="19050">
+            <a:solidFill>
+              <a:srgbClr val="0070C0"/>
+            </a:solidFill>
+            <a:tailEnd type="arrow"/>
           </a:ln>
         </p:spPr>
         <p:style>
-          <a:lnRef idx="2">
+          <a:lnRef idx="1">
             <a:schemeClr val="accent1"/>
           </a:lnRef>
           <a:fillRef idx="0">
             <a:schemeClr val="accent1"/>
           </a:fillRef>
-          <a:effectRef idx="1">
+          <a:effectRef idx="0">
             <a:schemeClr val="accent1"/>
           </a:effectRef>
           <a:fontRef idx="minor">
@@ -4209,10 +6013,10 @@
       </p:cxnSp>
       <p:sp>
         <p:nvSpPr>
-          <p:cNvPr id="54" name="Rectangle 53">
+          <p:cNvPr id="149" name="Rectangle 148">
             <a:extLst>
               <a:ext uri="{FF2B5EF4-FFF2-40B4-BE49-F238E27FC236}">
-                <a16:creationId xmlns:a16="http://schemas.microsoft.com/office/drawing/2014/main" id="{2FABE03C-BEEF-4259-B2B6-D2061CF7ABCC}"/>
+                <a16:creationId xmlns:a16="http://schemas.microsoft.com/office/drawing/2014/main" id="{1EA276D3-9BA9-4ACC-A276-CF3F077D7FD2}"/>
               </a:ext>
             </a:extLst>
           </p:cNvPr>
@@ -4221,24 +6025,31 @@
         </p:nvSpPr>
         <p:spPr>
           <a:xfrm>
-            <a:off x="6406000" y="3351461"/>
-            <a:ext cx="187121" cy="173661"/>
+            <a:off x="10112175" y="6246812"/>
+            <a:ext cx="147044" cy="184666"/>
           </a:xfrm>
           <a:prstGeom prst="rect">
             <a:avLst/>
           </a:prstGeom>
-          <a:noFill/>
-          <a:ln/>
+          <a:solidFill>
+            <a:srgbClr val="0070C0"/>
+          </a:solidFill>
+          <a:ln>
+            <a:solidFill>
+              <a:srgbClr val="0070C0"/>
+            </a:solidFill>
+          </a:ln>
+          <a:effectLst/>
         </p:spPr>
         <p:style>
-          <a:lnRef idx="2">
-            <a:schemeClr val="accent1"/>
+          <a:lnRef idx="1">
+            <a:schemeClr val="accent3"/>
           </a:lnRef>
-          <a:fillRef idx="1">
-            <a:schemeClr val="lt1"/>
+          <a:fillRef idx="2">
+            <a:schemeClr val="accent3"/>
           </a:fillRef>
-          <a:effectRef idx="0">
-            <a:schemeClr val="accent1"/>
+          <a:effectRef idx="1">
+            <a:schemeClr val="accent3"/>
           </a:effectRef>
           <a:fontRef idx="minor">
             <a:schemeClr val="dk1"/>
@@ -4253,12 +6064,102 @@
           </a:p>
         </p:txBody>
       </p:sp>
-      <p:sp>
-        <p:nvSpPr>
-          <p:cNvPr id="94" name="TextBox 93">
+      <p:cxnSp>
+        <p:nvCxnSpPr>
+          <p:cNvPr id="150" name="Straight Arrow Connector 149">
             <a:extLst>
               <a:ext uri="{FF2B5EF4-FFF2-40B4-BE49-F238E27FC236}">
-                <a16:creationId xmlns:a16="http://schemas.microsoft.com/office/drawing/2014/main" id="{D5C48C50-89A5-4652-A8D0-249563351FA3}"/>
+                <a16:creationId xmlns:a16="http://schemas.microsoft.com/office/drawing/2014/main" id="{CF90882C-2348-4A70-BA5C-6EC747426E44}"/>
+              </a:ext>
+            </a:extLst>
+          </p:cNvPr>
+          <p:cNvCxnSpPr>
+            <a:cxnSpLocks/>
+          </p:cNvCxnSpPr>
+          <p:nvPr/>
+        </p:nvCxnSpPr>
+        <p:spPr>
+          <a:xfrm>
+            <a:off x="8482692" y="6431478"/>
+            <a:ext cx="1615812" cy="0"/>
+          </a:xfrm>
+          <a:prstGeom prst="straightConnector1">
+            <a:avLst/>
+          </a:prstGeom>
+          <a:ln w="19050">
+            <a:solidFill>
+              <a:schemeClr val="accent1"/>
+            </a:solidFill>
+            <a:prstDash val="sysDash"/>
+            <a:headEnd type="arrow" w="med" len="med"/>
+            <a:tailEnd type="none" w="med" len="med"/>
+          </a:ln>
+        </p:spPr>
+        <p:style>
+          <a:lnRef idx="1">
+            <a:schemeClr val="accent1"/>
+          </a:lnRef>
+          <a:fillRef idx="0">
+            <a:schemeClr val="accent1"/>
+          </a:fillRef>
+          <a:effectRef idx="0">
+            <a:schemeClr val="accent1"/>
+          </a:effectRef>
+          <a:fontRef idx="minor">
+            <a:schemeClr val="tx1"/>
+          </a:fontRef>
+        </p:style>
+      </p:cxnSp>
+      <p:cxnSp>
+        <p:nvCxnSpPr>
+          <p:cNvPr id="151" name="Connector: Curved 150">
+            <a:extLst>
+              <a:ext uri="{FF2B5EF4-FFF2-40B4-BE49-F238E27FC236}">
+                <a16:creationId xmlns:a16="http://schemas.microsoft.com/office/drawing/2014/main" id="{7D717837-D549-48B6-B1A5-9525F94E4F74}"/>
+              </a:ext>
+            </a:extLst>
+          </p:cNvPr>
+          <p:cNvCxnSpPr>
+            <a:cxnSpLocks/>
+          </p:cNvCxnSpPr>
+          <p:nvPr/>
+        </p:nvCxnSpPr>
+        <p:spPr>
+          <a:xfrm rot="16200000" flipH="1">
+            <a:off x="8509984" y="6766215"/>
+            <a:ext cx="86832" cy="93562"/>
+          </a:xfrm>
+          <a:prstGeom prst="curvedConnector4">
+            <a:avLst>
+              <a:gd name="adj1" fmla="val -128893"/>
+              <a:gd name="adj2" fmla="val 178899"/>
+            </a:avLst>
+          </a:prstGeom>
+          <a:ln>
+            <a:tailEnd type="triangle"/>
+          </a:ln>
+        </p:spPr>
+        <p:style>
+          <a:lnRef idx="2">
+            <a:schemeClr val="accent1"/>
+          </a:lnRef>
+          <a:fillRef idx="0">
+            <a:schemeClr val="accent1"/>
+          </a:fillRef>
+          <a:effectRef idx="1">
+            <a:schemeClr val="accent1"/>
+          </a:effectRef>
+          <a:fontRef idx="minor">
+            <a:schemeClr val="tx1"/>
+          </a:fontRef>
+        </p:style>
+      </p:cxnSp>
+      <p:sp>
+        <p:nvSpPr>
+          <p:cNvPr id="154" name="TextBox 153">
+            <a:extLst>
+              <a:ext uri="{FF2B5EF4-FFF2-40B4-BE49-F238E27FC236}">
+                <a16:creationId xmlns:a16="http://schemas.microsoft.com/office/drawing/2014/main" id="{A3804E81-B7B7-4E2E-AB55-5E00E25330AF}"/>
               </a:ext>
             </a:extLst>
           </p:cNvPr>
@@ -4267,8 +6168,8 @@
         </p:nvSpPr>
         <p:spPr>
           <a:xfrm>
-            <a:off x="6592822" y="3371236"/>
-            <a:ext cx="1424330" cy="184666"/>
+            <a:off x="8649208" y="6764383"/>
+            <a:ext cx="1728096" cy="184666"/>
           </a:xfrm>
           <a:prstGeom prst="rect">
             <a:avLst/>
@@ -4294,17 +6195,17 @@
           <a:p>
             <a:r>
               <a:rPr lang="en-US" sz="1200" dirty="0"/>
-              <a:t>arePrefixesPresent()</a:t>
-            </a:r>
-          </a:p>
-        </p:txBody>
-      </p:sp>
-      <p:sp>
-        <p:nvSpPr>
-          <p:cNvPr id="95" name="Rectangle 62">
+              <a:t>generateUpdatedCinema()</a:t>
+            </a:r>
+          </a:p>
+        </p:txBody>
+      </p:sp>
+      <p:sp>
+        <p:nvSpPr>
+          <p:cNvPr id="156" name="Rectangle 155">
             <a:extLst>
               <a:ext uri="{FF2B5EF4-FFF2-40B4-BE49-F238E27FC236}">
-                <a16:creationId xmlns:a16="http://schemas.microsoft.com/office/drawing/2014/main" id="{4CDC6160-A73A-43F1-A0EF-39603B437D0F}"/>
+                <a16:creationId xmlns:a16="http://schemas.microsoft.com/office/drawing/2014/main" id="{D7A9DF0B-A5B7-4D9A-9DFD-9C22B6728469}"/>
               </a:ext>
             </a:extLst>
           </p:cNvPr>
@@ -4313,31 +6214,24 @@
         </p:nvSpPr>
         <p:spPr>
           <a:xfrm>
-            <a:off x="7896777" y="2427920"/>
-            <a:ext cx="1124694" cy="346757"/>
+            <a:off x="8421956" y="6780212"/>
+            <a:ext cx="187121" cy="173661"/>
           </a:xfrm>
           <a:prstGeom prst="rect">
             <a:avLst/>
           </a:prstGeom>
-          <a:solidFill>
-            <a:srgbClr val="0070C0"/>
-          </a:solidFill>
-          <a:ln w="19050">
-            <a:solidFill>
-              <a:srgbClr val="0070C0"/>
-            </a:solidFill>
-          </a:ln>
-          <a:effectLst/>
+          <a:noFill/>
+          <a:ln/>
         </p:spPr>
         <p:style>
-          <a:lnRef idx="1">
-            <a:schemeClr val="accent2"/>
+          <a:lnRef idx="2">
+            <a:schemeClr val="accent1"/>
           </a:lnRef>
-          <a:fillRef idx="2">
-            <a:schemeClr val="accent2"/>
+          <a:fillRef idx="1">
+            <a:schemeClr val="lt1"/>
           </a:fillRef>
-          <a:effectRef idx="1">
-            <a:schemeClr val="accent2"/>
+          <a:effectRef idx="0">
+            <a:schemeClr val="accent1"/>
           </a:effectRef>
           <a:fontRef idx="minor">
             <a:schemeClr val="dk1"/>
@@ -4348,28 +6242,16 @@
           <a:lstStyle/>
           <a:p>
             <a:pPr algn="ctr"/>
-            <a:r>
-              <a:rPr lang="en-US" sz="1400" dirty="0">
-                <a:solidFill>
-                  <a:schemeClr val="bg1"/>
-                </a:solidFill>
-              </a:rPr>
-              <a:t>:ParserUtil</a:t>
-            </a:r>
-            <a:endParaRPr lang="en-SG" sz="1400" dirty="0">
-              <a:solidFill>
-                <a:schemeClr val="bg1"/>
-              </a:solidFill>
-            </a:endParaRPr>
+            <a:endParaRPr lang="en-SG" sz="1401" dirty="0"/>
           </a:p>
         </p:txBody>
       </p:sp>
       <p:cxnSp>
         <p:nvCxnSpPr>
-          <p:cNvPr id="96" name="Straight Connector 95">
+          <p:cNvPr id="159" name="Straight Arrow Connector 158">
             <a:extLst>
               <a:ext uri="{FF2B5EF4-FFF2-40B4-BE49-F238E27FC236}">
-                <a16:creationId xmlns:a16="http://schemas.microsoft.com/office/drawing/2014/main" id="{FC15F378-3A01-4766-BE2F-D966E0A06655}"/>
+                <a16:creationId xmlns:a16="http://schemas.microsoft.com/office/drawing/2014/main" id="{9D5ED7B2-35AA-42FE-A14F-3FAFE4F162C0}"/>
               </a:ext>
             </a:extLst>
           </p:cNvPr>
@@ -4380,114 +6262,42 @@
         </p:nvCxnSpPr>
         <p:spPr>
           <a:xfrm>
-            <a:off x="8435542" y="2776993"/>
-            <a:ext cx="0" cy="1477282"/>
-          </a:xfrm>
-          <a:prstGeom prst="line">
+            <a:off x="3120244" y="8237447"/>
+            <a:ext cx="5209650" cy="0"/>
+          </a:xfrm>
+          <a:prstGeom prst="straightConnector1">
             <a:avLst/>
           </a:prstGeom>
           <a:ln w="19050">
             <a:solidFill>
-              <a:srgbClr val="0070C0"/>
+              <a:schemeClr val="accent1"/>
             </a:solidFill>
             <a:prstDash val="sysDash"/>
+            <a:headEnd type="arrow" w="med" len="med"/>
+            <a:tailEnd type="none" w="med" len="med"/>
           </a:ln>
-          <a:effectLst/>
         </p:spPr>
         <p:style>
           <a:lnRef idx="1">
             <a:schemeClr val="accent1"/>
           </a:lnRef>
-          <a:fillRef idx="2">
+          <a:fillRef idx="0">
             <a:schemeClr val="accent1"/>
           </a:fillRef>
-          <a:effectRef idx="1">
+          <a:effectRef idx="0">
             <a:schemeClr val="accent1"/>
           </a:effectRef>
           <a:fontRef idx="minor">
-            <a:schemeClr val="dk1"/>
+            <a:schemeClr val="tx1"/>
           </a:fontRef>
         </p:style>
       </p:cxnSp>
-      <p:sp>
-        <p:nvSpPr>
-          <p:cNvPr id="117" name="Rectangle 62">
+      <p:cxnSp>
+        <p:nvCxnSpPr>
+          <p:cNvPr id="167" name="Straight Arrow Connector 166">
             <a:extLst>
               <a:ext uri="{FF2B5EF4-FFF2-40B4-BE49-F238E27FC236}">
-                <a16:creationId xmlns:a16="http://schemas.microsoft.com/office/drawing/2014/main" id="{B58DEF2D-78A2-4E16-8437-AA3F3C8E9A82}"/>
-              </a:ext>
-            </a:extLst>
-          </p:cNvPr>
-          <p:cNvSpPr/>
-          <p:nvPr/>
-        </p:nvSpPr>
-        <p:spPr>
-          <a:xfrm>
-            <a:off x="9610250" y="4254275"/>
-            <a:ext cx="1828800" cy="346757"/>
-          </a:xfrm>
-          <a:prstGeom prst="rect">
-            <a:avLst/>
-          </a:prstGeom>
-          <a:solidFill>
-            <a:srgbClr val="0070C0"/>
-          </a:solidFill>
-          <a:ln w="19050">
-            <a:solidFill>
-              <a:srgbClr val="0070C0"/>
-            </a:solidFill>
-          </a:ln>
-          <a:effectLst/>
-        </p:spPr>
-        <p:style>
-          <a:lnRef idx="1">
-            <a:schemeClr val="accent2"/>
-          </a:lnRef>
-          <a:fillRef idx="2">
-            <a:schemeClr val="accent2"/>
-          </a:fillRef>
-          <a:effectRef idx="1">
-            <a:schemeClr val="accent2"/>
-          </a:effectRef>
-          <a:fontRef idx="minor">
-            <a:schemeClr val="dk1"/>
-          </a:fontRef>
-        </p:style>
-        <p:txBody>
-          <a:bodyPr rtlCol="0" anchor="ctr"/>
-          <a:lstStyle/>
-          <a:p>
-            <a:pPr algn="ctr"/>
-            <a:r>
-              <a:rPr lang="en-US" sz="1401" dirty="0">
-                <a:solidFill>
-                  <a:schemeClr val="bg1"/>
-                </a:solidFill>
-              </a:rPr>
-              <a:t>:</a:t>
-            </a:r>
-            <a:r>
-              <a:rPr lang="en-US" sz="1201" dirty="0">
-                <a:solidFill>
-                  <a:schemeClr val="bg1"/>
-                </a:solidFill>
-              </a:rPr>
-              <a:t>AddScreeningCommand</a:t>
-            </a:r>
-            <a:endParaRPr lang="en-SG" sz="1201" dirty="0">
-              <a:solidFill>
-                <a:schemeClr val="bg1"/>
-              </a:solidFill>
-            </a:endParaRPr>
-          </a:p>
-        </p:txBody>
-      </p:sp>
-      <p:cxnSp>
-        <p:nvCxnSpPr>
-          <p:cNvPr id="121" name="Straight Arrow Connector 120">
-            <a:extLst>
-              <a:ext uri="{FF2B5EF4-FFF2-40B4-BE49-F238E27FC236}">
-                <a16:creationId xmlns:a16="http://schemas.microsoft.com/office/drawing/2014/main" id="{7C84B441-ECAD-4BD1-8561-29C33A7A1100}"/>
+                <a16:creationId xmlns:a16="http://schemas.microsoft.com/office/drawing/2014/main" id="{9694BC1B-E0CA-4960-BEE2-011D38408C29}"/>
               </a:ext>
             </a:extLst>
           </p:cNvPr>
@@ -4497,769 +6307,9 @@
           <p:nvPr/>
         </p:nvCxnSpPr>
         <p:spPr>
-          <a:xfrm flipV="1">
-            <a:off x="6391674" y="4422747"/>
-            <a:ext cx="3223813" cy="14020"/>
-          </a:xfrm>
-          <a:prstGeom prst="straightConnector1">
-            <a:avLst/>
-          </a:prstGeom>
-          <a:ln w="19050">
-            <a:solidFill>
-              <a:srgbClr val="0070C0"/>
-            </a:solidFill>
-            <a:tailEnd type="arrow"/>
-          </a:ln>
-        </p:spPr>
-        <p:style>
-          <a:lnRef idx="1">
-            <a:schemeClr val="accent1"/>
-          </a:lnRef>
-          <a:fillRef idx="0">
-            <a:schemeClr val="accent1"/>
-          </a:fillRef>
-          <a:effectRef idx="0">
-            <a:schemeClr val="accent1"/>
-          </a:effectRef>
-          <a:fontRef idx="minor">
-            <a:schemeClr val="tx1"/>
-          </a:fontRef>
-        </p:style>
-      </p:cxnSp>
-      <p:sp>
-        <p:nvSpPr>
-          <p:cNvPr id="125" name="TextBox 124">
-            <a:extLst>
-              <a:ext uri="{FF2B5EF4-FFF2-40B4-BE49-F238E27FC236}">
-                <a16:creationId xmlns:a16="http://schemas.microsoft.com/office/drawing/2014/main" id="{02B9ABA3-A99E-46AE-AA0F-99CD04128C23}"/>
-              </a:ext>
-            </a:extLst>
-          </p:cNvPr>
-          <p:cNvSpPr txBox="1"/>
-          <p:nvPr/>
-        </p:nvSpPr>
-        <p:spPr>
-          <a:xfrm>
-            <a:off x="6388063" y="4487649"/>
-            <a:ext cx="3017428" cy="738664"/>
-          </a:xfrm>
-          <a:prstGeom prst="rect">
-            <a:avLst/>
-          </a:prstGeom>
-          <a:noFill/>
-        </p:spPr>
-        <p:txBody>
-          <a:bodyPr wrap="square" lIns="0" tIns="0" rIns="0" bIns="0" rtlCol="0">
-            <a:spAutoFit/>
-          </a:bodyPr>
-          <a:lstStyle>
-            <a:defPPr>
-              <a:defRPr lang="en-US"/>
-            </a:defPPr>
-            <a:lvl1pPr algn="r">
-              <a:defRPr sz="1400">
-                <a:solidFill>
-                  <a:srgbClr val="0070C0"/>
-                </a:solidFill>
-              </a:defRPr>
-            </a:lvl1pPr>
-          </a:lstStyle>
-          <a:p>
-            <a:r>
-              <a:rPr lang="en-US" sz="1200" dirty="0"/>
-              <a:t>AddScreeningCommand(movieIndex, cinemaIndex,</a:t>
-            </a:r>
-          </a:p>
-          <a:p>
-            <a:r>
-              <a:rPr lang="en-US" sz="1200" dirty="0"/>
-              <a:t>theaterNum, </a:t>
-            </a:r>
-          </a:p>
-          <a:p>
-            <a:r>
-              <a:rPr lang="en-US" sz="1200" dirty="0"/>
-              <a:t>screeningDateTime)</a:t>
-            </a:r>
-          </a:p>
-        </p:txBody>
-      </p:sp>
-      <p:cxnSp>
-        <p:nvCxnSpPr>
-          <p:cNvPr id="129" name="Straight Connector 128">
-            <a:extLst>
-              <a:ext uri="{FF2B5EF4-FFF2-40B4-BE49-F238E27FC236}">
-                <a16:creationId xmlns:a16="http://schemas.microsoft.com/office/drawing/2014/main" id="{5A4A1524-1C3E-4A9D-A6B4-661CF4D59487}"/>
-              </a:ext>
-            </a:extLst>
-          </p:cNvPr>
-          <p:cNvCxnSpPr>
-            <a:cxnSpLocks/>
-            <a:endCxn id="131" idx="2"/>
-          </p:cNvCxnSpPr>
-          <p:nvPr/>
-        </p:nvCxnSpPr>
-        <p:spPr>
-          <a:xfrm>
-            <a:off x="10575028" y="4656513"/>
-            <a:ext cx="21628" cy="2428969"/>
-          </a:xfrm>
-          <a:prstGeom prst="line">
-            <a:avLst/>
-          </a:prstGeom>
-          <a:ln w="19050">
-            <a:solidFill>
-              <a:srgbClr val="0070C0"/>
-            </a:solidFill>
-            <a:prstDash val="sysDash"/>
-          </a:ln>
-          <a:effectLst/>
-        </p:spPr>
-        <p:style>
-          <a:lnRef idx="1">
-            <a:schemeClr val="accent1"/>
-          </a:lnRef>
-          <a:fillRef idx="2">
-            <a:schemeClr val="accent1"/>
-          </a:fillRef>
-          <a:effectRef idx="1">
-            <a:schemeClr val="accent1"/>
-          </a:effectRef>
-          <a:fontRef idx="minor">
-            <a:schemeClr val="dk1"/>
-          </a:fontRef>
-        </p:style>
-      </p:cxnSp>
-      <p:sp>
-        <p:nvSpPr>
-          <p:cNvPr id="131" name="Rectangle 130">
-            <a:extLst>
-              <a:ext uri="{FF2B5EF4-FFF2-40B4-BE49-F238E27FC236}">
-                <a16:creationId xmlns:a16="http://schemas.microsoft.com/office/drawing/2014/main" id="{8FC1701C-AEEC-480A-8B77-D241046DEF96}"/>
-              </a:ext>
-            </a:extLst>
-          </p:cNvPr>
-          <p:cNvSpPr/>
-          <p:nvPr/>
-        </p:nvSpPr>
-        <p:spPr>
-          <a:xfrm>
-            <a:off x="10422230" y="4614838"/>
-            <a:ext cx="348851" cy="2470644"/>
-          </a:xfrm>
-          <a:prstGeom prst="rect">
-            <a:avLst/>
-          </a:prstGeom>
-          <a:solidFill>
-            <a:srgbClr val="0070C0"/>
-          </a:solidFill>
-          <a:ln>
-            <a:solidFill>
-              <a:srgbClr val="0070C0"/>
-            </a:solidFill>
-          </a:ln>
-          <a:effectLst/>
-        </p:spPr>
-        <p:style>
-          <a:lnRef idx="1">
-            <a:schemeClr val="accent3"/>
-          </a:lnRef>
-          <a:fillRef idx="2">
-            <a:schemeClr val="accent3"/>
-          </a:fillRef>
-          <a:effectRef idx="1">
-            <a:schemeClr val="accent3"/>
-          </a:effectRef>
-          <a:fontRef idx="minor">
-            <a:schemeClr val="dk1"/>
-          </a:fontRef>
-        </p:style>
-        <p:txBody>
-          <a:bodyPr rtlCol="0" anchor="ctr"/>
-          <a:lstStyle/>
-          <a:p>
-            <a:pPr algn="ctr"/>
-            <a:endParaRPr lang="en-SG" sz="1401" dirty="0"/>
-          </a:p>
-        </p:txBody>
-      </p:sp>
-      <p:cxnSp>
-        <p:nvCxnSpPr>
-          <p:cNvPr id="133" name="Connector: Curved 132">
-            <a:extLst>
-              <a:ext uri="{FF2B5EF4-FFF2-40B4-BE49-F238E27FC236}">
-                <a16:creationId xmlns:a16="http://schemas.microsoft.com/office/drawing/2014/main" id="{0D72CE7D-C79D-4096-B9C2-F7009AD5870C}"/>
-              </a:ext>
-            </a:extLst>
-          </p:cNvPr>
-          <p:cNvCxnSpPr>
-            <a:cxnSpLocks/>
-          </p:cNvCxnSpPr>
-          <p:nvPr/>
-        </p:nvCxnSpPr>
-        <p:spPr>
-          <a:xfrm rot="16200000" flipH="1">
-            <a:off x="10761852" y="4836407"/>
-            <a:ext cx="86832" cy="93562"/>
-          </a:xfrm>
-          <a:prstGeom prst="curvedConnector4">
-            <a:avLst>
-              <a:gd name="adj1" fmla="val -128893"/>
-              <a:gd name="adj2" fmla="val 178899"/>
-            </a:avLst>
-          </a:prstGeom>
-          <a:ln>
-            <a:tailEnd type="triangle"/>
-          </a:ln>
-        </p:spPr>
-        <p:style>
-          <a:lnRef idx="2">
-            <a:schemeClr val="accent1"/>
-          </a:lnRef>
-          <a:fillRef idx="0">
-            <a:schemeClr val="accent1"/>
-          </a:fillRef>
-          <a:effectRef idx="1">
-            <a:schemeClr val="accent1"/>
-          </a:effectRef>
-          <a:fontRef idx="minor">
-            <a:schemeClr val="tx1"/>
-          </a:fontRef>
-        </p:style>
-      </p:cxnSp>
-      <p:sp>
-        <p:nvSpPr>
-          <p:cNvPr id="134" name="Rectangle 133">
-            <a:extLst>
-              <a:ext uri="{FF2B5EF4-FFF2-40B4-BE49-F238E27FC236}">
-                <a16:creationId xmlns:a16="http://schemas.microsoft.com/office/drawing/2014/main" id="{00B21CC9-97C0-4E93-AA15-28B85D470B00}"/>
-              </a:ext>
-            </a:extLst>
-          </p:cNvPr>
-          <p:cNvSpPr/>
-          <p:nvPr/>
-        </p:nvSpPr>
-        <p:spPr>
-          <a:xfrm>
-            <a:off x="10682287" y="4847554"/>
-            <a:ext cx="187121" cy="173661"/>
-          </a:xfrm>
-          <a:prstGeom prst="rect">
-            <a:avLst/>
-          </a:prstGeom>
-          <a:noFill/>
-          <a:ln/>
-        </p:spPr>
-        <p:style>
-          <a:lnRef idx="2">
-            <a:schemeClr val="accent1"/>
-          </a:lnRef>
-          <a:fillRef idx="1">
-            <a:schemeClr val="lt1"/>
-          </a:fillRef>
-          <a:effectRef idx="0">
-            <a:schemeClr val="accent1"/>
-          </a:effectRef>
-          <a:fontRef idx="minor">
-            <a:schemeClr val="dk1"/>
-          </a:fontRef>
-        </p:style>
-        <p:txBody>
-          <a:bodyPr rtlCol="0" anchor="ctr"/>
-          <a:lstStyle/>
-          <a:p>
-            <a:pPr algn="ctr"/>
-            <a:endParaRPr lang="en-SG" sz="1401" dirty="0"/>
-          </a:p>
-        </p:txBody>
-      </p:sp>
-      <p:sp>
-        <p:nvSpPr>
-          <p:cNvPr id="135" name="TextBox 134">
-            <a:extLst>
-              <a:ext uri="{FF2B5EF4-FFF2-40B4-BE49-F238E27FC236}">
-                <a16:creationId xmlns:a16="http://schemas.microsoft.com/office/drawing/2014/main" id="{FE1433DA-AEED-4ED2-B698-8A6A3995A3D7}"/>
-              </a:ext>
-            </a:extLst>
-          </p:cNvPr>
-          <p:cNvSpPr txBox="1"/>
-          <p:nvPr/>
-        </p:nvSpPr>
-        <p:spPr>
-          <a:xfrm>
-            <a:off x="10985746" y="4792520"/>
-            <a:ext cx="1144341" cy="184666"/>
-          </a:xfrm>
-          <a:prstGeom prst="rect">
-            <a:avLst/>
-          </a:prstGeom>
-          <a:noFill/>
-        </p:spPr>
-        <p:txBody>
-          <a:bodyPr wrap="square" lIns="0" tIns="0" rIns="0" bIns="0" rtlCol="0">
-            <a:spAutoFit/>
-          </a:bodyPr>
-          <a:lstStyle>
-            <a:defPPr>
-              <a:defRPr lang="en-US"/>
-            </a:defPPr>
-            <a:lvl1pPr algn="r">
-              <a:defRPr sz="1400">
-                <a:solidFill>
-                  <a:srgbClr val="0070C0"/>
-                </a:solidFill>
-              </a:defRPr>
-            </a:lvl1pPr>
-          </a:lstStyle>
-          <a:p>
-            <a:r>
-              <a:rPr lang="en-US" sz="1200" dirty="0"/>
-              <a:t>isValidScreening()</a:t>
-            </a:r>
-          </a:p>
-        </p:txBody>
-      </p:sp>
-      <p:sp>
-        <p:nvSpPr>
-          <p:cNvPr id="145" name="Rectangle 62">
-            <a:extLst>
-              <a:ext uri="{FF2B5EF4-FFF2-40B4-BE49-F238E27FC236}">
-                <a16:creationId xmlns:a16="http://schemas.microsoft.com/office/drawing/2014/main" id="{3B6833F7-AE61-4ACE-B355-33AE996BA9D3}"/>
-              </a:ext>
-            </a:extLst>
-          </p:cNvPr>
-          <p:cNvSpPr/>
-          <p:nvPr/>
-        </p:nvSpPr>
-        <p:spPr>
-          <a:xfrm>
-            <a:off x="12662534" y="5505066"/>
-            <a:ext cx="1144146" cy="346757"/>
-          </a:xfrm>
-          <a:prstGeom prst="rect">
-            <a:avLst/>
-          </a:prstGeom>
-          <a:solidFill>
-            <a:srgbClr val="0070C0"/>
-          </a:solidFill>
-          <a:ln w="19050">
-            <a:solidFill>
-              <a:srgbClr val="0070C0"/>
-            </a:solidFill>
-          </a:ln>
-          <a:effectLst/>
-        </p:spPr>
-        <p:style>
-          <a:lnRef idx="1">
-            <a:schemeClr val="accent2"/>
-          </a:lnRef>
-          <a:fillRef idx="2">
-            <a:schemeClr val="accent2"/>
-          </a:fillRef>
-          <a:effectRef idx="1">
-            <a:schemeClr val="accent2"/>
-          </a:effectRef>
-          <a:fontRef idx="minor">
-            <a:schemeClr val="dk1"/>
-          </a:fontRef>
-        </p:style>
-        <p:txBody>
-          <a:bodyPr rtlCol="0" anchor="ctr"/>
-          <a:lstStyle/>
-          <a:p>
-            <a:pPr algn="ctr"/>
-            <a:r>
-              <a:rPr lang="en-US" sz="1401" dirty="0">
-                <a:solidFill>
-                  <a:schemeClr val="bg1"/>
-                </a:solidFill>
-              </a:rPr>
-              <a:t>:</a:t>
-            </a:r>
-            <a:r>
-              <a:rPr lang="en-US" sz="1201" dirty="0">
-                <a:solidFill>
-                  <a:schemeClr val="bg1"/>
-                </a:solidFill>
-              </a:rPr>
-              <a:t>Screening</a:t>
-            </a:r>
-            <a:endParaRPr lang="en-SG" sz="1201" dirty="0">
-              <a:solidFill>
-                <a:schemeClr val="bg1"/>
-              </a:solidFill>
-            </a:endParaRPr>
-          </a:p>
-        </p:txBody>
-      </p:sp>
-      <p:sp>
-        <p:nvSpPr>
-          <p:cNvPr id="146" name="Rectangle 145">
-            <a:extLst>
-              <a:ext uri="{FF2B5EF4-FFF2-40B4-BE49-F238E27FC236}">
-                <a16:creationId xmlns:a16="http://schemas.microsoft.com/office/drawing/2014/main" id="{319591C0-7795-4BF8-AF0F-641A4971734D}"/>
-              </a:ext>
-            </a:extLst>
-          </p:cNvPr>
-          <p:cNvSpPr/>
-          <p:nvPr/>
-        </p:nvSpPr>
-        <p:spPr>
-          <a:xfrm>
-            <a:off x="5729287" y="3739520"/>
-            <a:ext cx="3648673" cy="264838"/>
-          </a:xfrm>
-          <a:prstGeom prst="rect">
-            <a:avLst/>
-          </a:prstGeom>
-          <a:solidFill>
-            <a:schemeClr val="bg1"/>
-          </a:solidFill>
-        </p:spPr>
-        <p:style>
-          <a:lnRef idx="2">
-            <a:schemeClr val="accent1">
-              <a:shade val="50000"/>
-            </a:schemeClr>
-          </a:lnRef>
-          <a:fillRef idx="1">
-            <a:schemeClr val="accent1"/>
-          </a:fillRef>
-          <a:effectRef idx="0">
-            <a:schemeClr val="accent1"/>
-          </a:effectRef>
-          <a:fontRef idx="minor">
-            <a:schemeClr val="lt1"/>
-          </a:fontRef>
-        </p:style>
-        <p:txBody>
-          <a:bodyPr rtlCol="0" anchor="ctr"/>
-          <a:lstStyle/>
-          <a:p>
-            <a:pPr algn="ctr"/>
-            <a:r>
-              <a:rPr lang="en-SG" sz="1200" dirty="0">
-                <a:solidFill>
-                  <a:schemeClr val="tx1"/>
-                </a:solidFill>
-              </a:rPr>
-              <a:t>parse screening parameters</a:t>
-            </a:r>
-          </a:p>
-        </p:txBody>
-      </p:sp>
-      <p:sp>
-        <p:nvSpPr>
-          <p:cNvPr id="152" name="Rectangle: Top Corners One Rounded and One Snipped 151">
-            <a:extLst>
-              <a:ext uri="{FF2B5EF4-FFF2-40B4-BE49-F238E27FC236}">
-                <a16:creationId xmlns:a16="http://schemas.microsoft.com/office/drawing/2014/main" id="{AB3DC02E-B70C-4FE4-B5B7-91A81387D277}"/>
-              </a:ext>
-            </a:extLst>
-          </p:cNvPr>
-          <p:cNvSpPr/>
-          <p:nvPr/>
-        </p:nvSpPr>
-        <p:spPr>
-          <a:xfrm rot="10800000" flipH="1">
-            <a:off x="5729290" y="3753844"/>
-            <a:ext cx="361739" cy="165677"/>
-          </a:xfrm>
-          <a:prstGeom prst="snipRoundRect">
-            <a:avLst/>
-          </a:prstGeom>
-          <a:noFill/>
-        </p:spPr>
-        <p:style>
-          <a:lnRef idx="2">
-            <a:schemeClr val="accent1">
-              <a:shade val="50000"/>
-            </a:schemeClr>
-          </a:lnRef>
-          <a:fillRef idx="1">
-            <a:schemeClr val="accent1"/>
-          </a:fillRef>
-          <a:effectRef idx="0">
-            <a:schemeClr val="accent1"/>
-          </a:effectRef>
-          <a:fontRef idx="minor">
-            <a:schemeClr val="lt1"/>
-          </a:fontRef>
-        </p:style>
-        <p:txBody>
-          <a:bodyPr rtlCol="0" anchor="ctr"/>
-          <a:lstStyle/>
-          <a:p>
-            <a:pPr algn="ctr"/>
-            <a:endParaRPr lang="en-SG" sz="800" dirty="0">
-              <a:solidFill>
-                <a:schemeClr val="tx1"/>
-              </a:solidFill>
-            </a:endParaRPr>
-          </a:p>
-        </p:txBody>
-      </p:sp>
-      <p:sp>
-        <p:nvSpPr>
-          <p:cNvPr id="153" name="TextBox 152">
-            <a:extLst>
-              <a:ext uri="{FF2B5EF4-FFF2-40B4-BE49-F238E27FC236}">
-                <a16:creationId xmlns:a16="http://schemas.microsoft.com/office/drawing/2014/main" id="{C2552D30-DB0D-4157-8691-947D219D17D3}"/>
-              </a:ext>
-            </a:extLst>
-          </p:cNvPr>
-          <p:cNvSpPr txBox="1"/>
-          <p:nvPr/>
-        </p:nvSpPr>
-        <p:spPr>
-          <a:xfrm>
-            <a:off x="5729287" y="3732212"/>
-            <a:ext cx="470007" cy="246221"/>
-          </a:xfrm>
-          <a:prstGeom prst="rect">
-            <a:avLst/>
-          </a:prstGeom>
-          <a:noFill/>
-        </p:spPr>
-        <p:txBody>
-          <a:bodyPr wrap="square" rtlCol="0">
-            <a:spAutoFit/>
-          </a:bodyPr>
-          <a:lstStyle/>
-          <a:p>
-            <a:r>
-              <a:rPr lang="en-SG" sz="1000" dirty="0"/>
-              <a:t>Ref</a:t>
-            </a:r>
-          </a:p>
-        </p:txBody>
-      </p:sp>
-      <p:cxnSp>
-        <p:nvCxnSpPr>
-          <p:cNvPr id="158" name="Straight Arrow Connector 157">
-            <a:extLst>
-              <a:ext uri="{FF2B5EF4-FFF2-40B4-BE49-F238E27FC236}">
-                <a16:creationId xmlns:a16="http://schemas.microsoft.com/office/drawing/2014/main" id="{7A62F2D5-0EDD-481F-BE9B-84800CD3AD45}"/>
-              </a:ext>
-            </a:extLst>
-          </p:cNvPr>
-          <p:cNvCxnSpPr>
-            <a:cxnSpLocks/>
-          </p:cNvCxnSpPr>
-          <p:nvPr/>
-        </p:nvCxnSpPr>
-        <p:spPr>
-          <a:xfrm>
-            <a:off x="10667969" y="5713412"/>
-            <a:ext cx="1995518" cy="0"/>
-          </a:xfrm>
-          <a:prstGeom prst="straightConnector1">
-            <a:avLst/>
-          </a:prstGeom>
-          <a:ln w="19050">
-            <a:solidFill>
-              <a:srgbClr val="0070C0"/>
-            </a:solidFill>
-            <a:tailEnd type="arrow"/>
-          </a:ln>
-        </p:spPr>
-        <p:style>
-          <a:lnRef idx="1">
-            <a:schemeClr val="accent1"/>
-          </a:lnRef>
-          <a:fillRef idx="0">
-            <a:schemeClr val="accent1"/>
-          </a:fillRef>
-          <a:effectRef idx="0">
-            <a:schemeClr val="accent1"/>
-          </a:effectRef>
-          <a:fontRef idx="minor">
-            <a:schemeClr val="tx1"/>
-          </a:fontRef>
-        </p:style>
-      </p:cxnSp>
-      <p:sp>
-        <p:nvSpPr>
-          <p:cNvPr id="161" name="TextBox 160">
-            <a:extLst>
-              <a:ext uri="{FF2B5EF4-FFF2-40B4-BE49-F238E27FC236}">
-                <a16:creationId xmlns:a16="http://schemas.microsoft.com/office/drawing/2014/main" id="{5306A512-3AA8-4E5F-AB07-9654003B97A0}"/>
-              </a:ext>
-            </a:extLst>
-          </p:cNvPr>
-          <p:cNvSpPr txBox="1"/>
-          <p:nvPr/>
-        </p:nvSpPr>
-        <p:spPr>
-          <a:xfrm>
-            <a:off x="10699410" y="5737876"/>
-            <a:ext cx="1764501" cy="738664"/>
-          </a:xfrm>
-          <a:prstGeom prst="rect">
-            <a:avLst/>
-          </a:prstGeom>
-          <a:noFill/>
-        </p:spPr>
-        <p:txBody>
-          <a:bodyPr wrap="square" lIns="0" tIns="0" rIns="0" bIns="0" rtlCol="0">
-            <a:spAutoFit/>
-          </a:bodyPr>
-          <a:lstStyle>
-            <a:defPPr>
-              <a:defRPr lang="en-US"/>
-            </a:defPPr>
-            <a:lvl1pPr algn="r">
-              <a:defRPr sz="1400">
-                <a:solidFill>
-                  <a:srgbClr val="0070C0"/>
-                </a:solidFill>
-              </a:defRPr>
-            </a:lvl1pPr>
-          </a:lstStyle>
-          <a:p>
-            <a:r>
-              <a:rPr lang="en-US" sz="1200" dirty="0"/>
-              <a:t>addScreening(movieName, </a:t>
-            </a:r>
-          </a:p>
-          <a:p>
-            <a:r>
-              <a:rPr lang="en-US" sz="1200" dirty="0"/>
-              <a:t>theater, </a:t>
-            </a:r>
-          </a:p>
-          <a:p>
-            <a:r>
-              <a:rPr lang="en-US" sz="1200" dirty="0"/>
-              <a:t>screeningDateTime, </a:t>
-            </a:r>
-          </a:p>
-          <a:p>
-            <a:r>
-              <a:rPr lang="en-US" sz="1200" dirty="0"/>
-              <a:t>screeningEndDateTime)</a:t>
-            </a:r>
-          </a:p>
-        </p:txBody>
-      </p:sp>
-      <p:cxnSp>
-        <p:nvCxnSpPr>
-          <p:cNvPr id="164" name="Straight Connector 163">
-            <a:extLst>
-              <a:ext uri="{FF2B5EF4-FFF2-40B4-BE49-F238E27FC236}">
-                <a16:creationId xmlns:a16="http://schemas.microsoft.com/office/drawing/2014/main" id="{9B124DD7-ABCF-45CB-AA45-C8D99DF43A8E}"/>
-              </a:ext>
-            </a:extLst>
-          </p:cNvPr>
-          <p:cNvCxnSpPr>
-            <a:cxnSpLocks/>
-            <a:endCxn id="165" idx="2"/>
-          </p:cNvCxnSpPr>
-          <p:nvPr/>
-        </p:nvCxnSpPr>
-        <p:spPr>
-          <a:xfrm>
-            <a:off x="13270686" y="5837910"/>
-            <a:ext cx="2401" cy="773720"/>
-          </a:xfrm>
-          <a:prstGeom prst="line">
-            <a:avLst/>
-          </a:prstGeom>
-          <a:ln w="19050">
-            <a:solidFill>
-              <a:srgbClr val="0070C0"/>
-            </a:solidFill>
-            <a:prstDash val="sysDash"/>
-          </a:ln>
-          <a:effectLst/>
-        </p:spPr>
-        <p:style>
-          <a:lnRef idx="1">
-            <a:schemeClr val="accent1"/>
-          </a:lnRef>
-          <a:fillRef idx="2">
-            <a:schemeClr val="accent1"/>
-          </a:fillRef>
-          <a:effectRef idx="1">
-            <a:schemeClr val="accent1"/>
-          </a:effectRef>
-          <a:fontRef idx="minor">
-            <a:schemeClr val="dk1"/>
-          </a:fontRef>
-        </p:style>
-      </p:cxnSp>
-      <p:sp>
-        <p:nvSpPr>
-          <p:cNvPr id="165" name="Rectangle 164">
-            <a:extLst>
-              <a:ext uri="{FF2B5EF4-FFF2-40B4-BE49-F238E27FC236}">
-                <a16:creationId xmlns:a16="http://schemas.microsoft.com/office/drawing/2014/main" id="{B35E4096-5CA5-40C8-9687-3D2D55F76734}"/>
-              </a:ext>
-            </a:extLst>
-          </p:cNvPr>
-          <p:cNvSpPr/>
-          <p:nvPr/>
-        </p:nvSpPr>
-        <p:spPr>
-          <a:xfrm>
-            <a:off x="13196887" y="5837909"/>
-            <a:ext cx="152400" cy="773721"/>
-          </a:xfrm>
-          <a:prstGeom prst="rect">
-            <a:avLst/>
-          </a:prstGeom>
-          <a:solidFill>
-            <a:srgbClr val="0070C0"/>
-          </a:solidFill>
-          <a:ln>
-            <a:solidFill>
-              <a:srgbClr val="0070C0"/>
-            </a:solidFill>
-          </a:ln>
-          <a:effectLst/>
-        </p:spPr>
-        <p:style>
-          <a:lnRef idx="1">
-            <a:schemeClr val="accent3"/>
-          </a:lnRef>
-          <a:fillRef idx="2">
-            <a:schemeClr val="accent3"/>
-          </a:fillRef>
-          <a:effectRef idx="1">
-            <a:schemeClr val="accent3"/>
-          </a:effectRef>
-          <a:fontRef idx="minor">
-            <a:schemeClr val="dk1"/>
-          </a:fontRef>
-        </p:style>
-        <p:txBody>
-          <a:bodyPr rtlCol="0" anchor="ctr"/>
-          <a:lstStyle/>
-          <a:p>
-            <a:pPr algn="ctr"/>
-            <a:endParaRPr lang="en-SG" sz="1401" dirty="0"/>
-          </a:p>
-        </p:txBody>
-      </p:sp>
-      <p:cxnSp>
-        <p:nvCxnSpPr>
-          <p:cNvPr id="170" name="Straight Arrow Connector 169">
-            <a:extLst>
-              <a:ext uri="{FF2B5EF4-FFF2-40B4-BE49-F238E27FC236}">
-                <a16:creationId xmlns:a16="http://schemas.microsoft.com/office/drawing/2014/main" id="{958EB9D0-2A9C-4338-A667-4B938C6F2FA6}"/>
-              </a:ext>
-            </a:extLst>
-          </p:cNvPr>
-          <p:cNvCxnSpPr>
-            <a:cxnSpLocks/>
-            <a:endCxn id="165" idx="2"/>
-          </p:cNvCxnSpPr>
-          <p:nvPr/>
-        </p:nvCxnSpPr>
-        <p:spPr>
-          <a:xfrm>
-            <a:off x="10869408" y="6611630"/>
-            <a:ext cx="2403679" cy="0"/>
+          <a:xfrm>
+            <a:off x="3120244" y="4810865"/>
+            <a:ext cx="1989528" cy="0"/>
           </a:xfrm>
           <a:prstGeom prst="straightConnector1">
             <a:avLst/>
@@ -5290,10 +6340,10 @@
       </p:cxnSp>
       <p:sp>
         <p:nvSpPr>
-          <p:cNvPr id="189" name="TextBox 188">
+          <p:cNvPr id="169" name="TextBox 168">
             <a:extLst>
               <a:ext uri="{FF2B5EF4-FFF2-40B4-BE49-F238E27FC236}">
-                <a16:creationId xmlns:a16="http://schemas.microsoft.com/office/drawing/2014/main" id="{65370B73-8FF8-4816-AE22-AB8ED9CAEDA9}"/>
+                <a16:creationId xmlns:a16="http://schemas.microsoft.com/office/drawing/2014/main" id="{A27223BE-9067-45B3-96C7-685598B12C09}"/>
               </a:ext>
             </a:extLst>
           </p:cNvPr>
@@ -5302,8 +6352,8 @@
         </p:nvSpPr>
         <p:spPr>
           <a:xfrm>
-            <a:off x="7571444" y="6818399"/>
-            <a:ext cx="1413423" cy="184666"/>
+            <a:off x="4083719" y="4585079"/>
+            <a:ext cx="273261" cy="184666"/>
           </a:xfrm>
           <a:prstGeom prst="rect">
             <a:avLst/>
@@ -5314,522 +6364,16 @@
           <a:bodyPr wrap="square" lIns="0" tIns="0" rIns="0" bIns="0" rtlCol="0">
             <a:spAutoFit/>
           </a:bodyPr>
-          <a:lstStyle>
-            <a:defPPr>
-              <a:defRPr lang="en-US"/>
-            </a:defPPr>
-            <a:lvl1pPr algn="r">
-              <a:defRPr sz="1400">
+          <a:lstStyle/>
+          <a:p>
+            <a:pPr algn="r"/>
+            <a:r>
+              <a:rPr lang="en-US" sz="1200" dirty="0">
                 <a:solidFill>
                   <a:srgbClr val="0070C0"/>
                 </a:solidFill>
-              </a:defRPr>
-            </a:lvl1pPr>
-          </a:lstStyle>
-          <a:p>
-            <a:r>
-              <a:rPr lang="en-US" sz="1200" dirty="0"/>
-              <a:t>commandResult</a:t>
-            </a:r>
-          </a:p>
-        </p:txBody>
-      </p:sp>
-      <p:cxnSp>
-        <p:nvCxnSpPr>
-          <p:cNvPr id="191" name="Straight Arrow Connector 190">
-            <a:extLst>
-              <a:ext uri="{FF2B5EF4-FFF2-40B4-BE49-F238E27FC236}">
-                <a16:creationId xmlns:a16="http://schemas.microsoft.com/office/drawing/2014/main" id="{3B77A5AD-1A45-4BEB-B3C9-2163BDA83038}"/>
-              </a:ext>
-            </a:extLst>
-          </p:cNvPr>
-          <p:cNvCxnSpPr>
-            <a:cxnSpLocks/>
-          </p:cNvCxnSpPr>
-          <p:nvPr/>
-        </p:nvCxnSpPr>
-        <p:spPr>
-          <a:xfrm>
-            <a:off x="5064870" y="7292086"/>
-            <a:ext cx="1267984" cy="0"/>
-          </a:xfrm>
-          <a:prstGeom prst="straightConnector1">
-            <a:avLst/>
-          </a:prstGeom>
-          <a:ln w="19050">
-            <a:solidFill>
-              <a:schemeClr val="accent1"/>
-            </a:solidFill>
-            <a:prstDash val="sysDash"/>
-            <a:headEnd type="arrow" w="med" len="med"/>
-            <a:tailEnd type="none" w="med" len="med"/>
-          </a:ln>
-        </p:spPr>
-        <p:style>
-          <a:lnRef idx="1">
-            <a:schemeClr val="accent1"/>
-          </a:lnRef>
-          <a:fillRef idx="0">
-            <a:schemeClr val="accent1"/>
-          </a:fillRef>
-          <a:effectRef idx="0">
-            <a:schemeClr val="accent1"/>
-          </a:effectRef>
-          <a:fontRef idx="minor">
-            <a:schemeClr val="tx1"/>
-          </a:fontRef>
-        </p:style>
-      </p:cxnSp>
-      <p:sp>
-        <p:nvSpPr>
-          <p:cNvPr id="193" name="TextBox 192">
-            <a:extLst>
-              <a:ext uri="{FF2B5EF4-FFF2-40B4-BE49-F238E27FC236}">
-                <a16:creationId xmlns:a16="http://schemas.microsoft.com/office/drawing/2014/main" id="{2303DB82-AA5E-4552-AE96-38387A21F252}"/>
-              </a:ext>
-            </a:extLst>
-          </p:cNvPr>
-          <p:cNvSpPr txBox="1"/>
-          <p:nvPr/>
-        </p:nvSpPr>
-        <p:spPr>
-          <a:xfrm>
-            <a:off x="5104325" y="7057531"/>
-            <a:ext cx="1037399" cy="184666"/>
-          </a:xfrm>
-          <a:prstGeom prst="rect">
-            <a:avLst/>
-          </a:prstGeom>
-          <a:noFill/>
-        </p:spPr>
-        <p:txBody>
-          <a:bodyPr wrap="square" lIns="0" tIns="0" rIns="0" bIns="0" rtlCol="0">
-            <a:spAutoFit/>
-          </a:bodyPr>
-          <a:lstStyle>
-            <a:defPPr>
-              <a:defRPr lang="en-US"/>
-            </a:defPPr>
-            <a:lvl1pPr algn="r">
-              <a:defRPr sz="1400">
-                <a:solidFill>
-                  <a:srgbClr val="0070C0"/>
-                </a:solidFill>
-              </a:defRPr>
-            </a:lvl1pPr>
-          </a:lstStyle>
-          <a:p>
-            <a:r>
-              <a:rPr lang="en-US" sz="1200" dirty="0"/>
-              <a:t>commandResult</a:t>
-            </a:r>
-          </a:p>
-        </p:txBody>
-      </p:sp>
-      <p:cxnSp>
-        <p:nvCxnSpPr>
-          <p:cNvPr id="195" name="Straight Arrow Connector 194">
-            <a:extLst>
-              <a:ext uri="{FF2B5EF4-FFF2-40B4-BE49-F238E27FC236}">
-                <a16:creationId xmlns:a16="http://schemas.microsoft.com/office/drawing/2014/main" id="{5C9BDAA5-033A-469E-A24C-C23BAE73377B}"/>
-              </a:ext>
-            </a:extLst>
-          </p:cNvPr>
-          <p:cNvCxnSpPr>
-            <a:cxnSpLocks/>
-          </p:cNvCxnSpPr>
-          <p:nvPr/>
-        </p:nvCxnSpPr>
-        <p:spPr>
-          <a:xfrm>
-            <a:off x="2858536" y="7702956"/>
-            <a:ext cx="2059288" cy="0"/>
-          </a:xfrm>
-          <a:prstGeom prst="straightConnector1">
-            <a:avLst/>
-          </a:prstGeom>
-          <a:ln w="19050">
-            <a:solidFill>
-              <a:schemeClr val="accent1"/>
-            </a:solidFill>
-            <a:prstDash val="sysDash"/>
-            <a:headEnd type="arrow" w="med" len="med"/>
-            <a:tailEnd type="none" w="med" len="med"/>
-          </a:ln>
-        </p:spPr>
-        <p:style>
-          <a:lnRef idx="1">
-            <a:schemeClr val="accent1"/>
-          </a:lnRef>
-          <a:fillRef idx="0">
-            <a:schemeClr val="accent1"/>
-          </a:fillRef>
-          <a:effectRef idx="0">
-            <a:schemeClr val="accent1"/>
-          </a:effectRef>
-          <a:fontRef idx="minor">
-            <a:schemeClr val="tx1"/>
-          </a:fontRef>
-        </p:style>
-      </p:cxnSp>
-      <p:sp>
-        <p:nvSpPr>
-          <p:cNvPr id="197" name="TextBox 196">
-            <a:extLst>
-              <a:ext uri="{FF2B5EF4-FFF2-40B4-BE49-F238E27FC236}">
-                <a16:creationId xmlns:a16="http://schemas.microsoft.com/office/drawing/2014/main" id="{B95844F0-879B-4D6C-8E47-D450515BF526}"/>
-              </a:ext>
-            </a:extLst>
-          </p:cNvPr>
-          <p:cNvSpPr txBox="1"/>
-          <p:nvPr/>
-        </p:nvSpPr>
-        <p:spPr>
-          <a:xfrm>
-            <a:off x="3314101" y="7502551"/>
-            <a:ext cx="1065304" cy="184666"/>
-          </a:xfrm>
-          <a:prstGeom prst="rect">
-            <a:avLst/>
-          </a:prstGeom>
-          <a:noFill/>
-        </p:spPr>
-        <p:txBody>
-          <a:bodyPr wrap="square" lIns="0" tIns="0" rIns="0" bIns="0" rtlCol="0">
-            <a:spAutoFit/>
-          </a:bodyPr>
-          <a:lstStyle>
-            <a:defPPr>
-              <a:defRPr lang="en-US"/>
-            </a:defPPr>
-            <a:lvl1pPr algn="r">
-              <a:defRPr sz="1400">
-                <a:solidFill>
-                  <a:srgbClr val="0070C0"/>
-                </a:solidFill>
-              </a:defRPr>
-            </a:lvl1pPr>
-          </a:lstStyle>
-          <a:p>
-            <a:r>
-              <a:rPr lang="en-US" sz="1200" dirty="0"/>
-              <a:t>commandResult</a:t>
-            </a:r>
-          </a:p>
-        </p:txBody>
-      </p:sp>
-      <p:cxnSp>
-        <p:nvCxnSpPr>
-          <p:cNvPr id="73" name="Straight Arrow Connector 72">
-            <a:extLst>
-              <a:ext uri="{FF2B5EF4-FFF2-40B4-BE49-F238E27FC236}">
-                <a16:creationId xmlns:a16="http://schemas.microsoft.com/office/drawing/2014/main" id="{7B29BB22-8F4A-47C2-A77B-A9A8D67BB09B}"/>
-              </a:ext>
-            </a:extLst>
-          </p:cNvPr>
-          <p:cNvCxnSpPr>
-            <a:cxnSpLocks/>
-          </p:cNvCxnSpPr>
-          <p:nvPr/>
-        </p:nvCxnSpPr>
-        <p:spPr>
-          <a:xfrm>
-            <a:off x="5064870" y="3046412"/>
-            <a:ext cx="279290" cy="0"/>
-          </a:xfrm>
-          <a:prstGeom prst="straightConnector1">
-            <a:avLst/>
-          </a:prstGeom>
-          <a:ln w="19050">
-            <a:solidFill>
-              <a:srgbClr val="0070C0"/>
-            </a:solidFill>
-            <a:tailEnd type="arrow"/>
-          </a:ln>
-        </p:spPr>
-        <p:style>
-          <a:lnRef idx="1">
-            <a:schemeClr val="accent1"/>
-          </a:lnRef>
-          <a:fillRef idx="0">
-            <a:schemeClr val="accent1"/>
-          </a:fillRef>
-          <a:effectRef idx="0">
-            <a:schemeClr val="accent1"/>
-          </a:effectRef>
-          <a:fontRef idx="minor">
-            <a:schemeClr val="tx1"/>
-          </a:fontRef>
-        </p:style>
-      </p:cxnSp>
-      <p:cxnSp>
-        <p:nvCxnSpPr>
-          <p:cNvPr id="61" name="Connector: Curved 60">
-            <a:extLst>
-              <a:ext uri="{FF2B5EF4-FFF2-40B4-BE49-F238E27FC236}">
-                <a16:creationId xmlns:a16="http://schemas.microsoft.com/office/drawing/2014/main" id="{584DADAE-EB21-4CB3-B368-B77DC613A318}"/>
-              </a:ext>
-            </a:extLst>
-          </p:cNvPr>
-          <p:cNvCxnSpPr>
-            <a:cxnSpLocks/>
-          </p:cNvCxnSpPr>
-          <p:nvPr/>
-        </p:nvCxnSpPr>
-        <p:spPr>
-          <a:xfrm rot="16200000" flipH="1">
-            <a:off x="10744490" y="6787202"/>
-            <a:ext cx="86832" cy="93562"/>
-          </a:xfrm>
-          <a:prstGeom prst="curvedConnector4">
-            <a:avLst>
-              <a:gd name="adj1" fmla="val -128893"/>
-              <a:gd name="adj2" fmla="val 178899"/>
-            </a:avLst>
-          </a:prstGeom>
-          <a:ln>
-            <a:tailEnd type="triangle"/>
-          </a:ln>
-        </p:spPr>
-        <p:style>
-          <a:lnRef idx="2">
-            <a:schemeClr val="accent1"/>
-          </a:lnRef>
-          <a:fillRef idx="0">
-            <a:schemeClr val="accent1"/>
-          </a:fillRef>
-          <a:effectRef idx="1">
-            <a:schemeClr val="accent1"/>
-          </a:effectRef>
-          <a:fontRef idx="minor">
-            <a:schemeClr val="tx1"/>
-          </a:fontRef>
-        </p:style>
-      </p:cxnSp>
-      <p:sp>
-        <p:nvSpPr>
-          <p:cNvPr id="62" name="Rectangle 61">
-            <a:extLst>
-              <a:ext uri="{FF2B5EF4-FFF2-40B4-BE49-F238E27FC236}">
-                <a16:creationId xmlns:a16="http://schemas.microsoft.com/office/drawing/2014/main" id="{493595A2-166E-4133-8433-508D3FBC76FE}"/>
-              </a:ext>
-            </a:extLst>
-          </p:cNvPr>
-          <p:cNvSpPr/>
-          <p:nvPr/>
-        </p:nvSpPr>
-        <p:spPr>
-          <a:xfrm>
-            <a:off x="10647566" y="6798349"/>
-            <a:ext cx="187121" cy="173661"/>
-          </a:xfrm>
-          <a:prstGeom prst="rect">
-            <a:avLst/>
-          </a:prstGeom>
-          <a:noFill/>
-          <a:ln/>
-        </p:spPr>
-        <p:style>
-          <a:lnRef idx="2">
-            <a:schemeClr val="accent1"/>
-          </a:lnRef>
-          <a:fillRef idx="1">
-            <a:schemeClr val="lt1"/>
-          </a:fillRef>
-          <a:effectRef idx="0">
-            <a:schemeClr val="accent1"/>
-          </a:effectRef>
-          <a:fontRef idx="minor">
-            <a:schemeClr val="dk1"/>
-          </a:fontRef>
-        </p:style>
-        <p:txBody>
-          <a:bodyPr rtlCol="0" anchor="ctr"/>
-          <a:lstStyle/>
-          <a:p>
-            <a:pPr algn="ctr"/>
-            <a:endParaRPr lang="en-SG" sz="1401" dirty="0"/>
-          </a:p>
-        </p:txBody>
-      </p:sp>
-      <p:sp>
-        <p:nvSpPr>
-          <p:cNvPr id="63" name="TextBox 62">
-            <a:extLst>
-              <a:ext uri="{FF2B5EF4-FFF2-40B4-BE49-F238E27FC236}">
-                <a16:creationId xmlns:a16="http://schemas.microsoft.com/office/drawing/2014/main" id="{28111F5F-0EC9-4F67-A37D-994937EBC1B9}"/>
-              </a:ext>
-            </a:extLst>
-          </p:cNvPr>
-          <p:cNvSpPr txBox="1"/>
-          <p:nvPr/>
-        </p:nvSpPr>
-        <p:spPr>
-          <a:xfrm>
-            <a:off x="10834141" y="6716254"/>
-            <a:ext cx="1765332" cy="184666"/>
-          </a:xfrm>
-          <a:prstGeom prst="rect">
-            <a:avLst/>
-          </a:prstGeom>
-          <a:noFill/>
-        </p:spPr>
-        <p:txBody>
-          <a:bodyPr wrap="square" lIns="0" tIns="0" rIns="0" bIns="0" rtlCol="0">
-            <a:spAutoFit/>
-          </a:bodyPr>
-          <a:lstStyle>
-            <a:defPPr>
-              <a:defRPr lang="en-US"/>
-            </a:defPPr>
-            <a:lvl1pPr algn="r">
-              <a:defRPr sz="1400">
-                <a:solidFill>
-                  <a:srgbClr val="0070C0"/>
-                </a:solidFill>
-              </a:defRPr>
-            </a:lvl1pPr>
-          </a:lstStyle>
-          <a:p>
-            <a:r>
-              <a:rPr lang="en-US" sz="1200" dirty="0"/>
-              <a:t>generateUpdatedCinema()</a:t>
-            </a:r>
-          </a:p>
-        </p:txBody>
-      </p:sp>
-      <p:cxnSp>
-        <p:nvCxnSpPr>
-          <p:cNvPr id="64" name="Straight Arrow Connector 63">
-            <a:extLst>
-              <a:ext uri="{FF2B5EF4-FFF2-40B4-BE49-F238E27FC236}">
-                <a16:creationId xmlns:a16="http://schemas.microsoft.com/office/drawing/2014/main" id="{2FFEF8DE-75E4-4D81-AEDD-BCE7DD48D391}"/>
-              </a:ext>
-            </a:extLst>
-          </p:cNvPr>
-          <p:cNvCxnSpPr>
-            <a:cxnSpLocks/>
-          </p:cNvCxnSpPr>
-          <p:nvPr/>
-        </p:nvCxnSpPr>
-        <p:spPr>
-          <a:xfrm>
-            <a:off x="6504785" y="7085481"/>
-            <a:ext cx="3917446" cy="0"/>
-          </a:xfrm>
-          <a:prstGeom prst="straightConnector1">
-            <a:avLst/>
-          </a:prstGeom>
-          <a:ln w="19050">
-            <a:solidFill>
-              <a:schemeClr val="accent1"/>
-            </a:solidFill>
-            <a:prstDash val="sysDash"/>
-            <a:headEnd type="arrow" w="med" len="med"/>
-            <a:tailEnd type="none" w="med" len="med"/>
-          </a:ln>
-        </p:spPr>
-        <p:style>
-          <a:lnRef idx="1">
-            <a:schemeClr val="accent1"/>
-          </a:lnRef>
-          <a:fillRef idx="0">
-            <a:schemeClr val="accent1"/>
-          </a:fillRef>
-          <a:effectRef idx="0">
-            <a:schemeClr val="accent1"/>
-          </a:effectRef>
-          <a:fontRef idx="minor">
-            <a:schemeClr val="tx1"/>
-          </a:fontRef>
-        </p:style>
-      </p:cxnSp>
-      <p:cxnSp>
-        <p:nvCxnSpPr>
-          <p:cNvPr id="72" name="Straight Arrow Connector 71">
-            <a:extLst>
-              <a:ext uri="{FF2B5EF4-FFF2-40B4-BE49-F238E27FC236}">
-                <a16:creationId xmlns:a16="http://schemas.microsoft.com/office/drawing/2014/main" id="{A13405F8-C2D6-4286-8946-D86E99311263}"/>
-              </a:ext>
-            </a:extLst>
-          </p:cNvPr>
-          <p:cNvCxnSpPr>
-            <a:cxnSpLocks/>
-          </p:cNvCxnSpPr>
-          <p:nvPr/>
-        </p:nvCxnSpPr>
-        <p:spPr>
-          <a:xfrm flipV="1">
-            <a:off x="10758487" y="7014496"/>
-            <a:ext cx="3276600" cy="14250"/>
-          </a:xfrm>
-          <a:prstGeom prst="straightConnector1">
-            <a:avLst/>
-          </a:prstGeom>
-          <a:ln w="19050">
-            <a:solidFill>
-              <a:srgbClr val="0070C0"/>
-            </a:solidFill>
-            <a:tailEnd type="arrow"/>
-          </a:ln>
-        </p:spPr>
-        <p:style>
-          <a:lnRef idx="1">
-            <a:schemeClr val="accent1"/>
-          </a:lnRef>
-          <a:fillRef idx="0">
-            <a:schemeClr val="accent1"/>
-          </a:fillRef>
-          <a:effectRef idx="0">
-            <a:schemeClr val="accent1"/>
-          </a:effectRef>
-          <a:fontRef idx="minor">
-            <a:schemeClr val="tx1"/>
-          </a:fontRef>
-        </p:style>
-      </p:cxnSp>
-      <p:sp>
-        <p:nvSpPr>
-          <p:cNvPr id="74" name="TextBox 73">
-            <a:extLst>
-              <a:ext uri="{FF2B5EF4-FFF2-40B4-BE49-F238E27FC236}">
-                <a16:creationId xmlns:a16="http://schemas.microsoft.com/office/drawing/2014/main" id="{8A9B9817-9AB7-49C8-8FC2-807A96407DA3}"/>
-              </a:ext>
-            </a:extLst>
-          </p:cNvPr>
-          <p:cNvSpPr txBox="1"/>
-          <p:nvPr/>
-        </p:nvSpPr>
-        <p:spPr>
-          <a:xfrm>
-            <a:off x="12087203" y="7062279"/>
-            <a:ext cx="1618708" cy="369332"/>
-          </a:xfrm>
-          <a:prstGeom prst="rect">
-            <a:avLst/>
-          </a:prstGeom>
-          <a:noFill/>
-        </p:spPr>
-        <p:txBody>
-          <a:bodyPr wrap="square" lIns="0" tIns="0" rIns="0" bIns="0" rtlCol="0">
-            <a:spAutoFit/>
-          </a:bodyPr>
-          <a:lstStyle>
-            <a:defPPr>
-              <a:defRPr lang="en-US"/>
-            </a:defPPr>
-            <a:lvl1pPr algn="r">
-              <a:defRPr sz="1400">
-                <a:solidFill>
-                  <a:srgbClr val="0070C0"/>
-                </a:solidFill>
-              </a:defRPr>
-            </a:lvl1pPr>
-          </a:lstStyle>
-          <a:p>
-            <a:r>
-              <a:rPr lang="en-US" sz="1200" dirty="0"/>
-              <a:t>updateCinema(cinema, newCinema)</a:t>
+              </a:rPr>
+              <a:t>as</a:t>
             </a:r>
           </a:p>
         </p:txBody>

--- a/docs/diagrams/AddScreeningSequenceDiagram.pptx
+++ b/docs/diagrams/AddScreeningSequenceDiagram.pptx
@@ -126,6 +126,35 @@
 </p:presentation>
 </file>
 
+<file path=ppt/changesInfos/changesInfo1.xml><?xml version="1.0" encoding="utf-8"?>
+<pc:chgInfo xmlns:a="http://schemas.openxmlformats.org/drawingml/2006/main" xmlns:r="http://schemas.openxmlformats.org/officeDocument/2006/relationships" xmlns:ac="http://schemas.microsoft.com/office/drawing/2013/main/command" xmlns:pc="http://schemas.microsoft.com/office/powerpoint/2013/main/command">
+  <pc:docChgLst>
+    <pc:chgData name="Chan Jun Yuan" userId="30ea8f8e1118c6fe" providerId="LiveId" clId="{C37B79C9-9F32-459D-B0AB-A0BEBE83B423}"/>
+    <pc:docChg chg="modSld">
+      <pc:chgData name="Chan Jun Yuan" userId="30ea8f8e1118c6fe" providerId="LiveId" clId="{C37B79C9-9F32-459D-B0AB-A0BEBE83B423}" dt="2018-04-03T08:55:32.395" v="0" actId="1076"/>
+      <pc:docMkLst>
+        <pc:docMk/>
+      </pc:docMkLst>
+      <pc:sldChg chg="modSp">
+        <pc:chgData name="Chan Jun Yuan" userId="30ea8f8e1118c6fe" providerId="LiveId" clId="{C37B79C9-9F32-459D-B0AB-A0BEBE83B423}" dt="2018-04-03T08:55:32.395" v="0" actId="1076"/>
+        <pc:sldMkLst>
+          <pc:docMk/>
+          <pc:sldMk cId="3945898909" sldId="267"/>
+        </pc:sldMkLst>
+        <pc:spChg chg="mod">
+          <ac:chgData name="Chan Jun Yuan" userId="30ea8f8e1118c6fe" providerId="LiveId" clId="{C37B79C9-9F32-459D-B0AB-A0BEBE83B423}" dt="2018-04-03T08:55:32.395" v="0" actId="1076"/>
+          <ac:spMkLst>
+            <pc:docMk/>
+            <pc:sldMk cId="3945898909" sldId="267"/>
+            <ac:spMk id="81" creationId="{00000000-0000-0000-0000-000000000000}"/>
+          </ac:spMkLst>
+        </pc:spChg>
+      </pc:sldChg>
+    </pc:docChg>
+  </pc:docChgLst>
+</pc:chgInfo>
+</file>
+
 <file path=ppt/notesMasters/notesMaster1.xml><?xml version="1.0" encoding="utf-8"?>
 <p:notesMaster xmlns:a="http://schemas.openxmlformats.org/drawingml/2006/main" xmlns:r="http://schemas.openxmlformats.org/officeDocument/2006/relationships" xmlns:p="http://schemas.openxmlformats.org/presentationml/2006/main">
   <p:cSld>
@@ -208,7 +237,7 @@
           <a:p>
             <a:fld id="{F5CC4B3F-88C1-4FFA-B1B6-F41C21DC6924}" type="datetimeFigureOut">
               <a:rPr lang="en-US" smtClean="0"/>
-              <a:t>3/28/2018</a:t>
+              <a:t>4/3/2018</a:t>
             </a:fld>
             <a:endParaRPr lang="en-US" dirty="0"/>
           </a:p>
@@ -654,7 +683,7 @@
           <a:p>
             <a:fld id="{78C97017-6FC3-485B-9764-EAC9E56C1D49}" type="datetimeFigureOut">
               <a:rPr lang="en-US" smtClean="0"/>
-              <a:t>3/28/2018</a:t>
+              <a:t>4/3/2018</a:t>
             </a:fld>
             <a:endParaRPr lang="en-US" dirty="0"/>
           </a:p>
@@ -822,7 +851,7 @@
           <a:p>
             <a:fld id="{78C97017-6FC3-485B-9764-EAC9E56C1D49}" type="datetimeFigureOut">
               <a:rPr lang="en-US" smtClean="0"/>
-              <a:t>3/28/2018</a:t>
+              <a:t>4/3/2018</a:t>
             </a:fld>
             <a:endParaRPr lang="en-US" dirty="0"/>
           </a:p>
@@ -1000,7 +1029,7 @@
           <a:p>
             <a:fld id="{78C97017-6FC3-485B-9764-EAC9E56C1D49}" type="datetimeFigureOut">
               <a:rPr lang="en-US" smtClean="0"/>
-              <a:t>3/28/2018</a:t>
+              <a:t>4/3/2018</a:t>
             </a:fld>
             <a:endParaRPr lang="en-US" dirty="0"/>
           </a:p>
@@ -1168,7 +1197,7 @@
           <a:p>
             <a:fld id="{78C97017-6FC3-485B-9764-EAC9E56C1D49}" type="datetimeFigureOut">
               <a:rPr lang="en-US" smtClean="0"/>
-              <a:t>3/28/2018</a:t>
+              <a:t>4/3/2018</a:t>
             </a:fld>
             <a:endParaRPr lang="en-US" dirty="0"/>
           </a:p>
@@ -1413,7 +1442,7 @@
           <a:p>
             <a:fld id="{78C97017-6FC3-485B-9764-EAC9E56C1D49}" type="datetimeFigureOut">
               <a:rPr lang="en-US" smtClean="0"/>
-              <a:t>3/28/2018</a:t>
+              <a:t>4/3/2018</a:t>
             </a:fld>
             <a:endParaRPr lang="en-US" dirty="0"/>
           </a:p>
@@ -1698,7 +1727,7 @@
           <a:p>
             <a:fld id="{78C97017-6FC3-485B-9764-EAC9E56C1D49}" type="datetimeFigureOut">
               <a:rPr lang="en-US" smtClean="0"/>
-              <a:t>3/28/2018</a:t>
+              <a:t>4/3/2018</a:t>
             </a:fld>
             <a:endParaRPr lang="en-US" dirty="0"/>
           </a:p>
@@ -2117,7 +2146,7 @@
           <a:p>
             <a:fld id="{78C97017-6FC3-485B-9764-EAC9E56C1D49}" type="datetimeFigureOut">
               <a:rPr lang="en-US" smtClean="0"/>
-              <a:t>3/28/2018</a:t>
+              <a:t>4/3/2018</a:t>
             </a:fld>
             <a:endParaRPr lang="en-US" dirty="0"/>
           </a:p>
@@ -2234,7 +2263,7 @@
           <a:p>
             <a:fld id="{78C97017-6FC3-485B-9764-EAC9E56C1D49}" type="datetimeFigureOut">
               <a:rPr lang="en-US" smtClean="0"/>
-              <a:t>3/28/2018</a:t>
+              <a:t>4/3/2018</a:t>
             </a:fld>
             <a:endParaRPr lang="en-US" dirty="0"/>
           </a:p>
@@ -2329,7 +2358,7 @@
           <a:p>
             <a:fld id="{78C97017-6FC3-485B-9764-EAC9E56C1D49}" type="datetimeFigureOut">
               <a:rPr lang="en-US" smtClean="0"/>
-              <a:t>3/28/2018</a:t>
+              <a:t>4/3/2018</a:t>
             </a:fld>
             <a:endParaRPr lang="en-US" dirty="0"/>
           </a:p>
@@ -2604,7 +2633,7 @@
           <a:p>
             <a:fld id="{78C97017-6FC3-485B-9764-EAC9E56C1D49}" type="datetimeFigureOut">
               <a:rPr lang="en-US" smtClean="0"/>
-              <a:t>3/28/2018</a:t>
+              <a:t>4/3/2018</a:t>
             </a:fld>
             <a:endParaRPr lang="en-US" dirty="0"/>
           </a:p>
@@ -2856,7 +2885,7 @@
           <a:p>
             <a:fld id="{78C97017-6FC3-485B-9764-EAC9E56C1D49}" type="datetimeFigureOut">
               <a:rPr lang="en-US" smtClean="0"/>
-              <a:t>3/28/2018</a:t>
+              <a:t>4/3/2018</a:t>
             </a:fld>
             <a:endParaRPr lang="en-US" dirty="0"/>
           </a:p>
@@ -3067,7 +3096,7 @@
           <a:p>
             <a:fld id="{78C97017-6FC3-485B-9764-EAC9E56C1D49}" type="datetimeFigureOut">
               <a:rPr lang="en-US" smtClean="0"/>
-              <a:t>3/28/2018</a:t>
+              <a:t>4/3/2018</a:t>
             </a:fld>
             <a:endParaRPr lang="en-US" dirty="0"/>
           </a:p>
@@ -3450,7 +3479,7 @@
         </p:nvSpPr>
         <p:spPr>
           <a:xfrm>
-            <a:off x="997877" y="1680299"/>
+            <a:off x="1004887" y="1653909"/>
             <a:ext cx="12884810" cy="6545390"/>
           </a:xfrm>
           <a:prstGeom prst="roundRect">
